--- a/doc/Charts.pptx
+++ b/doc/Charts.pptx
@@ -7,6 +7,10 @@
   <p:sldIdLst>
     <p:sldId id="256" r:id="rId3"/>
     <p:sldId id="257" r:id="rId4"/>
+    <p:sldId id="258" r:id="rId5"/>
+    <p:sldId id="261" r:id="rId6"/>
+    <p:sldId id="259" r:id="rId7"/>
+    <p:sldId id="260" r:id="rId8"/>
   </p:sldIdLst>
   <p:sldSz cx="12192000" cy="6858000"/>
   <p:notesSz cx="7103745" cy="10234295"/>
@@ -2664,10 +2668,16 @@
           <a:p>
             <a:pPr algn="ctr"/>
             <a:r>
-              <a:rPr lang="en-US" altLang="zh-CN" sz="1600"/>
+              <a:rPr lang="en-US" altLang="zh-CN" sz="1400">
+                <a:latin typeface="微软雅黑" panose="020B0503020204020204" charset="-122"/>
+                <a:ea typeface="微软雅黑" panose="020B0503020204020204" charset="-122"/>
+              </a:rPr>
               <a:t>Application Clients</a:t>
             </a:r>
-            <a:endParaRPr lang="en-US" altLang="zh-CN" sz="1600"/>
+            <a:endParaRPr lang="en-US" altLang="zh-CN" sz="1400">
+              <a:latin typeface="微软雅黑" panose="020B0503020204020204" charset="-122"/>
+              <a:ea typeface="微软雅黑" panose="020B0503020204020204" charset="-122"/>
+            </a:endParaRPr>
           </a:p>
         </p:txBody>
       </p:sp>
@@ -2704,7 +2714,10 @@
           <a:bodyPr rtlCol="0" anchor="ctr"/>
           <a:p>
             <a:pPr algn="ctr"/>
-            <a:endParaRPr lang="zh-CN" altLang="en-US"/>
+            <a:endParaRPr lang="zh-CN" altLang="en-US" sz="1400">
+              <a:latin typeface="微软雅黑" panose="020B0503020204020204" charset="-122"/>
+              <a:ea typeface="微软雅黑" panose="020B0503020204020204" charset="-122"/>
+            </a:endParaRPr>
           </a:p>
         </p:txBody>
       </p:sp>
@@ -2717,7 +2730,7 @@
         <p:spPr>
           <a:xfrm>
             <a:off x="795020" y="1049020"/>
-            <a:ext cx="1540510" cy="368300"/>
+            <a:ext cx="1540510" cy="319405"/>
           </a:xfrm>
           <a:prstGeom prst="rect">
             <a:avLst/>
@@ -2730,10 +2743,16 @@
           </a:bodyPr>
           <a:p>
             <a:r>
-              <a:rPr lang="en-US" altLang="zh-CN"/>
+              <a:rPr lang="en-US" altLang="zh-CN" sz="1400">
+                <a:latin typeface="微软雅黑" panose="020B0503020204020204" charset="-122"/>
+                <a:ea typeface="微软雅黑" panose="020B0503020204020204" charset="-122"/>
+              </a:rPr>
               <a:t>Server Side</a:t>
             </a:r>
-            <a:endParaRPr lang="en-US" altLang="zh-CN"/>
+            <a:endParaRPr lang="en-US" altLang="zh-CN" sz="1400">
+              <a:latin typeface="微软雅黑" panose="020B0503020204020204" charset="-122"/>
+              <a:ea typeface="微软雅黑" panose="020B0503020204020204" charset="-122"/>
+            </a:endParaRPr>
           </a:p>
         </p:txBody>
       </p:sp>
@@ -2780,10 +2799,16 @@
           <a:p>
             <a:pPr algn="ctr"/>
             <a:r>
-              <a:rPr lang="en-US" altLang="zh-CN" sz="1600"/>
+              <a:rPr lang="en-US" altLang="zh-CN" sz="1400">
+                <a:latin typeface="微软雅黑" panose="020B0503020204020204" charset="-122"/>
+                <a:ea typeface="微软雅黑" panose="020B0503020204020204" charset="-122"/>
+              </a:rPr>
               <a:t>Nginx Server</a:t>
             </a:r>
-            <a:endParaRPr lang="en-US" altLang="zh-CN" sz="1600"/>
+            <a:endParaRPr lang="en-US" altLang="zh-CN" sz="1400">
+              <a:latin typeface="微软雅黑" panose="020B0503020204020204" charset="-122"/>
+              <a:ea typeface="微软雅黑" panose="020B0503020204020204" charset="-122"/>
+            </a:endParaRPr>
           </a:p>
         </p:txBody>
       </p:sp>
@@ -2820,7 +2845,10 @@
           <a:bodyPr rtlCol="0" anchor="ctr"/>
           <a:p>
             <a:pPr algn="ctr"/>
-            <a:endParaRPr lang="zh-CN" altLang="en-US"/>
+            <a:endParaRPr lang="zh-CN" altLang="en-US" sz="1400">
+              <a:latin typeface="微软雅黑" panose="020B0503020204020204" charset="-122"/>
+              <a:ea typeface="微软雅黑" panose="020B0503020204020204" charset="-122"/>
+            </a:endParaRPr>
           </a:p>
         </p:txBody>
       </p:sp>
@@ -2907,20 +2935,31 @@
           <a:p>
             <a:pPr algn="ctr"/>
             <a:r>
-              <a:rPr lang="en-US" altLang="zh-CN" sz="1600">
+              <a:rPr lang="en-US" altLang="zh-CN" sz="1400">
+                <a:latin typeface="微软雅黑" panose="020B0503020204020204" charset="-122"/>
+                <a:ea typeface="微软雅黑" panose="020B0503020204020204" charset="-122"/>
                 <a:sym typeface="+mn-ea"/>
               </a:rPr>
               <a:t>Service Qualifier</a:t>
             </a:r>
-            <a:endParaRPr lang="en-US" altLang="zh-CN" sz="1600"/>
+            <a:endParaRPr lang="en-US" altLang="zh-CN" sz="1400">
+              <a:latin typeface="微软雅黑" panose="020B0503020204020204" charset="-122"/>
+              <a:ea typeface="微软雅黑" panose="020B0503020204020204" charset="-122"/>
+            </a:endParaRPr>
           </a:p>
           <a:p>
             <a:pPr algn="ctr"/>
             <a:r>
-              <a:rPr lang="en-US" altLang="zh-CN" sz="1600"/>
+              <a:rPr lang="en-US" altLang="zh-CN" sz="1400">
+                <a:latin typeface="微软雅黑" panose="020B0503020204020204" charset="-122"/>
+                <a:ea typeface="微软雅黑" panose="020B0503020204020204" charset="-122"/>
+              </a:rPr>
               <a:t> Server Swarm</a:t>
             </a:r>
-            <a:endParaRPr lang="en-US" altLang="zh-CN" sz="1600"/>
+            <a:endParaRPr lang="en-US" altLang="zh-CN" sz="1400">
+              <a:latin typeface="微软雅黑" panose="020B0503020204020204" charset="-122"/>
+              <a:ea typeface="微软雅黑" panose="020B0503020204020204" charset="-122"/>
+            </a:endParaRPr>
           </a:p>
         </p:txBody>
       </p:sp>
@@ -2935,7 +2974,7 @@
         </p:nvCxnSpPr>
         <p:spPr>
           <a:xfrm rot="16200000">
-            <a:off x="4019233" y="803593"/>
+            <a:off x="4019550" y="803910"/>
             <a:ext cx="506730" cy="1495425"/>
           </a:xfrm>
           <a:prstGeom prst="bentConnector2">
@@ -2970,7 +3009,7 @@
         <p:spPr>
           <a:xfrm>
             <a:off x="3552190" y="1272540"/>
-            <a:ext cx="922655" cy="306705"/>
+            <a:ext cx="922655" cy="319405"/>
           </a:xfrm>
           <a:prstGeom prst="rect">
             <a:avLst/>
@@ -2983,10 +3022,16 @@
           </a:bodyPr>
           <a:p>
             <a:r>
-              <a:rPr lang="en-US" altLang="zh-CN" sz="1400"/>
+              <a:rPr lang="en-US" altLang="zh-CN" sz="1400">
+                <a:latin typeface="微软雅黑" panose="020B0503020204020204" charset="-122"/>
+                <a:ea typeface="微软雅黑" panose="020B0503020204020204" charset="-122"/>
+              </a:rPr>
               <a:t>Register</a:t>
             </a:r>
-            <a:endParaRPr lang="en-US" altLang="zh-CN" sz="1400"/>
+            <a:endParaRPr lang="en-US" altLang="zh-CN" sz="1400">
+              <a:latin typeface="微软雅黑" panose="020B0503020204020204" charset="-122"/>
+              <a:ea typeface="微软雅黑" panose="020B0503020204020204" charset="-122"/>
+            </a:endParaRPr>
           </a:p>
         </p:txBody>
       </p:sp>
@@ -2999,7 +3044,7 @@
         <p:spPr>
           <a:xfrm>
             <a:off x="1033780" y="1696720"/>
-            <a:ext cx="1540510" cy="642620"/>
+            <a:ext cx="1540510" cy="532765"/>
           </a:xfrm>
           <a:prstGeom prst="rect">
             <a:avLst/>
@@ -3012,16 +3057,24 @@
           </a:bodyPr>
           <a:p>
             <a:r>
-              <a:rPr lang="en-US" altLang="zh-CN">
+              <a:rPr lang="en-US" altLang="zh-CN" sz="1400">
+                <a:latin typeface="微软雅黑" panose="020B0503020204020204" charset="-122"/>
+                <a:ea typeface="微软雅黑" panose="020B0503020204020204" charset="-122"/>
                 <a:sym typeface="+mn-ea"/>
               </a:rPr>
               <a:t>Container</a:t>
             </a:r>
             <a:r>
-              <a:rPr lang="en-US" altLang="zh-CN"/>
+              <a:rPr lang="en-US" altLang="zh-CN" sz="1400">
+                <a:latin typeface="微软雅黑" panose="020B0503020204020204" charset="-122"/>
+                <a:ea typeface="微软雅黑" panose="020B0503020204020204" charset="-122"/>
+              </a:rPr>
               <a:t> Manager</a:t>
             </a:r>
-            <a:endParaRPr lang="en-US" altLang="zh-CN"/>
+            <a:endParaRPr lang="en-US" altLang="zh-CN" sz="1400">
+              <a:latin typeface="微软雅黑" panose="020B0503020204020204" charset="-122"/>
+              <a:ea typeface="微软雅黑" panose="020B0503020204020204" charset="-122"/>
+            </a:endParaRPr>
           </a:p>
         </p:txBody>
       </p:sp>
@@ -3036,12 +3089,12 @@
         </p:nvCxnSpPr>
         <p:spPr>
           <a:xfrm rot="5400000" flipV="1">
-            <a:off x="2653665" y="1489710"/>
-            <a:ext cx="21590" cy="1720850"/>
+            <a:off x="2598738" y="1434783"/>
+            <a:ext cx="131445" cy="1720850"/>
           </a:xfrm>
           <a:prstGeom prst="bentConnector3">
             <a:avLst>
-              <a:gd name="adj1" fmla="val 1202941"/>
+              <a:gd name="adj1" fmla="val 280918"/>
             </a:avLst>
           </a:prstGeom>
           <a:ln>
@@ -3072,8 +3125,8 @@
         </p:nvSpPr>
         <p:spPr>
           <a:xfrm>
-            <a:off x="2440940" y="2555875"/>
-            <a:ext cx="1778635" cy="306705"/>
+            <a:off x="2440940" y="2661285"/>
+            <a:ext cx="1778635" cy="319405"/>
           </a:xfrm>
           <a:prstGeom prst="rect">
             <a:avLst/>
@@ -3086,10 +3139,16 @@
           </a:bodyPr>
           <a:p>
             <a:r>
-              <a:rPr lang="en-US" altLang="zh-CN" sz="1400"/>
+              <a:rPr lang="en-US" altLang="zh-CN" sz="1400">
+                <a:latin typeface="微软雅黑" panose="020B0503020204020204" charset="-122"/>
+                <a:ea typeface="微软雅黑" panose="020B0503020204020204" charset="-122"/>
+              </a:rPr>
               <a:t>Service Qualifier</a:t>
             </a:r>
-            <a:endParaRPr lang="en-US" altLang="zh-CN" sz="1400"/>
+            <a:endParaRPr lang="en-US" altLang="zh-CN" sz="1400">
+              <a:latin typeface="微软雅黑" panose="020B0503020204020204" charset="-122"/>
+              <a:ea typeface="微软雅黑" panose="020B0503020204020204" charset="-122"/>
+            </a:endParaRPr>
           </a:p>
         </p:txBody>
       </p:sp>
@@ -3136,10 +3195,16 @@
           <a:p>
             <a:pPr algn="ctr"/>
             <a:r>
-              <a:rPr lang="en-US" altLang="zh-CN" sz="1600"/>
+              <a:rPr lang="en-US" altLang="zh-CN" sz="1400">
+                <a:latin typeface="微软雅黑" panose="020B0503020204020204" charset="-122"/>
+                <a:ea typeface="微软雅黑" panose="020B0503020204020204" charset="-122"/>
+              </a:rPr>
               <a:t>Auth Server Swarm</a:t>
             </a:r>
-            <a:endParaRPr lang="en-US" altLang="zh-CN" sz="1600"/>
+            <a:endParaRPr lang="en-US" altLang="zh-CN" sz="1400">
+              <a:latin typeface="微软雅黑" panose="020B0503020204020204" charset="-122"/>
+              <a:ea typeface="微软雅黑" panose="020B0503020204020204" charset="-122"/>
+            </a:endParaRPr>
           </a:p>
         </p:txBody>
       </p:sp>
@@ -3223,7 +3288,10 @@
           <a:bodyPr rtlCol="0" anchor="ctr"/>
           <a:p>
             <a:pPr algn="ctr"/>
-            <a:endParaRPr lang="zh-CN" altLang="en-US"/>
+            <a:endParaRPr lang="zh-CN" altLang="en-US" sz="1400">
+              <a:latin typeface="微软雅黑" panose="020B0503020204020204" charset="-122"/>
+              <a:ea typeface="微软雅黑" panose="020B0503020204020204" charset="-122"/>
+            </a:endParaRPr>
           </a:p>
         </p:txBody>
       </p:sp>
@@ -3235,8 +3303,8 @@
         </p:nvSpPr>
         <p:spPr>
           <a:xfrm>
-            <a:off x="8763635" y="1272540"/>
-            <a:ext cx="1778635" cy="306705"/>
+            <a:off x="8780145" y="1129030"/>
+            <a:ext cx="1778635" cy="532765"/>
           </a:xfrm>
           <a:prstGeom prst="rect">
             <a:avLst/>
@@ -3249,10 +3317,16 @@
           </a:bodyPr>
           <a:p>
             <a:r>
-              <a:rPr lang="en-US" altLang="zh-CN" sz="1400"/>
+              <a:rPr lang="en-US" altLang="zh-CN" sz="1400">
+                <a:latin typeface="微软雅黑" panose="020B0503020204020204" charset="-122"/>
+                <a:ea typeface="微软雅黑" panose="020B0503020204020204" charset="-122"/>
+              </a:rPr>
               <a:t>Sign, Toekn, Session</a:t>
             </a:r>
-            <a:endParaRPr lang="en-US" altLang="zh-CN" sz="1400"/>
+            <a:endParaRPr lang="en-US" altLang="zh-CN" sz="1400">
+              <a:latin typeface="微软雅黑" panose="020B0503020204020204" charset="-122"/>
+              <a:ea typeface="微软雅黑" panose="020B0503020204020204" charset="-122"/>
+            </a:endParaRPr>
           </a:p>
         </p:txBody>
       </p:sp>
@@ -3267,8 +3341,8 @@
         </p:nvCxnSpPr>
         <p:spPr>
           <a:xfrm rot="5400000" flipV="1">
-            <a:off x="1304608" y="2838768"/>
-            <a:ext cx="1635760" cy="636905"/>
+            <a:off x="1249680" y="2783840"/>
+            <a:ext cx="1745615" cy="636905"/>
           </a:xfrm>
           <a:prstGeom prst="bentConnector2">
             <a:avLst/>
@@ -3301,8 +3375,8 @@
         </p:nvSpPr>
         <p:spPr>
           <a:xfrm>
-            <a:off x="821690" y="2501265"/>
-            <a:ext cx="888365" cy="1586865"/>
+            <a:off x="1033780" y="3975100"/>
+            <a:ext cx="1664335" cy="959485"/>
           </a:xfrm>
           <a:prstGeom prst="rect">
             <a:avLst/>
@@ -3315,25 +3389,64 @@
           </a:bodyPr>
           <a:p>
             <a:r>
-              <a:rPr lang="en-US" altLang="zh-CN" sz="1400"/>
+              <a:rPr lang="en-US" altLang="zh-CN" sz="1400">
+                <a:latin typeface="微软雅黑" panose="020B0503020204020204" charset="-122"/>
+                <a:ea typeface="微软雅黑" panose="020B0503020204020204" charset="-122"/>
+              </a:rPr>
               <a:t>Build, </a:t>
             </a:r>
             <a:r>
               <a:rPr lang="en-US" altLang="zh-CN" sz="1400">
+                <a:latin typeface="微软雅黑" panose="020B0503020204020204" charset="-122"/>
+                <a:ea typeface="微软雅黑" panose="020B0503020204020204" charset="-122"/>
                 <a:sym typeface="+mn-ea"/>
               </a:rPr>
-              <a:t> Run,</a:t>
+              <a:t>run,</a:t>
             </a:r>
             <a:endParaRPr lang="en-US" altLang="zh-CN" sz="1400">
+              <a:latin typeface="微软雅黑" panose="020B0503020204020204" charset="-122"/>
+              <a:ea typeface="微软雅黑" panose="020B0503020204020204" charset="-122"/>
               <a:sym typeface="+mn-ea"/>
             </a:endParaRPr>
           </a:p>
           <a:p>
             <a:r>
-              <a:rPr lang="en-US" altLang="zh-CN" sz="1400"/>
-              <a:t>Scale, Manage docker service swarm</a:t>
-            </a:r>
-            <a:endParaRPr lang="en-US" altLang="zh-CN" sz="1400"/>
+              <a:rPr lang="en-US" altLang="zh-CN" sz="1400">
+                <a:latin typeface="微软雅黑" panose="020B0503020204020204" charset="-122"/>
+                <a:ea typeface="微软雅黑" panose="020B0503020204020204" charset="-122"/>
+              </a:rPr>
+              <a:t>scale, manage </a:t>
+            </a:r>
+            <a:br>
+              <a:rPr lang="en-US" altLang="zh-CN" sz="1400">
+                <a:latin typeface="微软雅黑" panose="020B0503020204020204" charset="-122"/>
+                <a:ea typeface="微软雅黑" panose="020B0503020204020204" charset="-122"/>
+              </a:rPr>
+            </a:br>
+            <a:r>
+              <a:rPr lang="en-US" altLang="zh-CN" sz="1400">
+                <a:latin typeface="微软雅黑" panose="020B0503020204020204" charset="-122"/>
+                <a:ea typeface="微软雅黑" panose="020B0503020204020204" charset="-122"/>
+              </a:rPr>
+              <a:t>container</a:t>
+            </a:r>
+            <a:br>
+              <a:rPr lang="en-US" altLang="zh-CN" sz="1400">
+                <a:latin typeface="微软雅黑" panose="020B0503020204020204" charset="-122"/>
+                <a:ea typeface="微软雅黑" panose="020B0503020204020204" charset="-122"/>
+              </a:rPr>
+            </a:br>
+            <a:r>
+              <a:rPr lang="en-US" altLang="zh-CN" sz="1400">
+                <a:latin typeface="微软雅黑" panose="020B0503020204020204" charset="-122"/>
+                <a:ea typeface="微软雅黑" panose="020B0503020204020204" charset="-122"/>
+              </a:rPr>
+              <a:t>swarms </a:t>
+            </a:r>
+            <a:endParaRPr lang="en-US" altLang="zh-CN" sz="1400">
+              <a:latin typeface="微软雅黑" panose="020B0503020204020204" charset="-122"/>
+              <a:ea typeface="微软雅黑" panose="020B0503020204020204" charset="-122"/>
+            </a:endParaRPr>
           </a:p>
         </p:txBody>
       </p:sp>
@@ -3346,7 +3459,7 @@
         <p:spPr>
           <a:xfrm>
             <a:off x="8442325" y="5907405"/>
-            <a:ext cx="1901825" cy="368300"/>
+            <a:ext cx="1901825" cy="319405"/>
           </a:xfrm>
           <a:prstGeom prst="rect">
             <a:avLst/>
@@ -3359,10 +3472,16 @@
           </a:bodyPr>
           <a:p>
             <a:r>
-              <a:rPr lang="en-US" altLang="zh-CN"/>
+              <a:rPr lang="en-US" altLang="zh-CN" sz="1400">
+                <a:latin typeface="微软雅黑" panose="020B0503020204020204" charset="-122"/>
+                <a:ea typeface="微软雅黑" panose="020B0503020204020204" charset="-122"/>
+              </a:rPr>
               <a:t>Container Services</a:t>
             </a:r>
-            <a:endParaRPr lang="en-US" altLang="zh-CN"/>
+            <a:endParaRPr lang="en-US" altLang="zh-CN" sz="1400">
+              <a:latin typeface="微软雅黑" panose="020B0503020204020204" charset="-122"/>
+              <a:ea typeface="微软雅黑" panose="020B0503020204020204" charset="-122"/>
+            </a:endParaRPr>
           </a:p>
         </p:txBody>
       </p:sp>
@@ -3409,7 +3528,10 @@
           <a:bodyPr rtlCol="0" anchor="ctr"/>
           <a:p>
             <a:pPr algn="ctr"/>
-            <a:endParaRPr lang="zh-CN" altLang="en-US"/>
+            <a:endParaRPr lang="zh-CN" altLang="en-US" sz="1400">
+              <a:latin typeface="微软雅黑" panose="020B0503020204020204" charset="-122"/>
+              <a:ea typeface="微软雅黑" panose="020B0503020204020204" charset="-122"/>
+            </a:endParaRPr>
           </a:p>
         </p:txBody>
       </p:sp>
@@ -3456,10 +3578,16 @@
           <a:p>
             <a:pPr algn="ctr"/>
             <a:r>
-              <a:rPr lang="en-US" altLang="zh-CN" sz="1600"/>
+              <a:rPr lang="en-US" altLang="zh-CN" sz="1400">
+                <a:latin typeface="微软雅黑" panose="020B0503020204020204" charset="-122"/>
+                <a:ea typeface="微软雅黑" panose="020B0503020204020204" charset="-122"/>
+              </a:rPr>
               <a:t>Log Server Swarm</a:t>
             </a:r>
-            <a:endParaRPr lang="en-US" altLang="zh-CN" sz="1600"/>
+            <a:endParaRPr lang="en-US" altLang="zh-CN" sz="1400">
+              <a:latin typeface="微软雅黑" panose="020B0503020204020204" charset="-122"/>
+              <a:ea typeface="微软雅黑" panose="020B0503020204020204" charset="-122"/>
+            </a:endParaRPr>
           </a:p>
         </p:txBody>
       </p:sp>
@@ -3472,7 +3600,7 @@
         <p:spPr>
           <a:xfrm>
             <a:off x="8780145" y="4133850"/>
-            <a:ext cx="663575" cy="306705"/>
+            <a:ext cx="663575" cy="532765"/>
           </a:xfrm>
           <a:prstGeom prst="rect">
             <a:avLst/>
@@ -3485,10 +3613,16 @@
           </a:bodyPr>
           <a:p>
             <a:r>
-              <a:rPr lang="en-US" altLang="zh-CN" sz="1400"/>
+              <a:rPr lang="en-US" altLang="zh-CN" sz="1400">
+                <a:latin typeface="微软雅黑" panose="020B0503020204020204" charset="-122"/>
+                <a:ea typeface="微软雅黑" panose="020B0503020204020204" charset="-122"/>
+              </a:rPr>
               <a:t>Watch</a:t>
             </a:r>
-            <a:endParaRPr lang="en-US" altLang="zh-CN" sz="1400"/>
+            <a:endParaRPr lang="en-US" altLang="zh-CN" sz="1400">
+              <a:latin typeface="微软雅黑" panose="020B0503020204020204" charset="-122"/>
+              <a:ea typeface="微软雅黑" panose="020B0503020204020204" charset="-122"/>
+            </a:endParaRPr>
           </a:p>
         </p:txBody>
       </p:sp>
@@ -3500,8 +3634,8 @@
         </p:nvSpPr>
         <p:spPr>
           <a:xfrm>
-            <a:off x="8472170" y="2404745"/>
-            <a:ext cx="1778635" cy="306705"/>
+            <a:off x="8472170" y="2511425"/>
+            <a:ext cx="1778635" cy="319405"/>
           </a:xfrm>
           <a:prstGeom prst="rect">
             <a:avLst/>
@@ -3516,11 +3650,17 @@
             <a:pPr algn="ctr"/>
             <a:r>
               <a:rPr lang="zh-CN" altLang="en-US" sz="1400">
+                <a:latin typeface="微软雅黑" panose="020B0503020204020204" charset="-122"/>
+                <a:ea typeface="微软雅黑" panose="020B0503020204020204" charset="-122"/>
                 <a:sym typeface="+mn-ea"/>
               </a:rPr>
               <a:t>authorization</a:t>
             </a:r>
-            <a:endParaRPr lang="en-US" altLang="zh-CN" sz="1400"/>
+            <a:endParaRPr lang="zh-CN" altLang="en-US" sz="1400">
+              <a:latin typeface="微软雅黑" panose="020B0503020204020204" charset="-122"/>
+              <a:ea typeface="微软雅黑" panose="020B0503020204020204" charset="-122"/>
+              <a:sym typeface="+mn-ea"/>
+            </a:endParaRPr>
           </a:p>
         </p:txBody>
       </p:sp>
@@ -3602,8 +3742,8 @@
         </p:nvSpPr>
         <p:spPr>
           <a:xfrm>
-            <a:off x="7471410" y="2404745"/>
-            <a:ext cx="1148715" cy="306705"/>
+            <a:off x="7423785" y="2511425"/>
+            <a:ext cx="1148715" cy="319405"/>
           </a:xfrm>
           <a:prstGeom prst="rect">
             <a:avLst/>
@@ -3618,11 +3758,17 @@
             <a:pPr algn="ctr"/>
             <a:r>
               <a:rPr lang="en-US" sz="1400">
+                <a:latin typeface="微软雅黑" panose="020B0503020204020204" charset="-122"/>
+                <a:ea typeface="微软雅黑" panose="020B0503020204020204" charset="-122"/>
                 <a:sym typeface="+mn-ea"/>
               </a:rPr>
               <a:t>Verify</a:t>
             </a:r>
-            <a:endParaRPr lang="en-US" sz="1400"/>
+            <a:endParaRPr lang="en-US" sz="1400">
+              <a:latin typeface="微软雅黑" panose="020B0503020204020204" charset="-122"/>
+              <a:ea typeface="微软雅黑" panose="020B0503020204020204" charset="-122"/>
+              <a:sym typeface="+mn-ea"/>
+            </a:endParaRPr>
           </a:p>
         </p:txBody>
       </p:sp>
@@ -3634,8 +3780,8 @@
         </p:nvSpPr>
         <p:spPr>
           <a:xfrm>
-            <a:off x="6544945" y="2191385"/>
-            <a:ext cx="1148715" cy="520065"/>
+            <a:off x="6617970" y="2191385"/>
+            <a:ext cx="1148715" cy="532765"/>
           </a:xfrm>
           <a:prstGeom prst="rect">
             <a:avLst/>
@@ -3650,11 +3796,17 @@
             <a:pPr algn="ctr"/>
             <a:r>
               <a:rPr lang="en-US" sz="1400">
+                <a:latin typeface="微软雅黑" panose="020B0503020204020204" charset="-122"/>
+                <a:ea typeface="微软雅黑" panose="020B0503020204020204" charset="-122"/>
                 <a:sym typeface="+mn-ea"/>
               </a:rPr>
               <a:t>Restful Api Request</a:t>
             </a:r>
-            <a:endParaRPr lang="en-US" sz="1400"/>
+            <a:endParaRPr lang="en-US" sz="1400">
+              <a:latin typeface="微软雅黑" panose="020B0503020204020204" charset="-122"/>
+              <a:ea typeface="微软雅黑" panose="020B0503020204020204" charset="-122"/>
+              <a:sym typeface="+mn-ea"/>
+            </a:endParaRPr>
           </a:p>
         </p:txBody>
       </p:sp>
@@ -3734,8 +3886,8 @@
         </p:nvSpPr>
         <p:spPr>
           <a:xfrm>
-            <a:off x="4617085" y="2084705"/>
-            <a:ext cx="1271905" cy="733425"/>
+            <a:off x="4474845" y="2084705"/>
+            <a:ext cx="1271905" cy="746125"/>
           </a:xfrm>
           <a:prstGeom prst="rect">
             <a:avLst/>
@@ -3750,11 +3902,17 @@
             <a:pPr algn="ctr"/>
             <a:r>
               <a:rPr lang="en-US" sz="1400">
+                <a:latin typeface="微软雅黑" panose="020B0503020204020204" charset="-122"/>
+                <a:ea typeface="微软雅黑" panose="020B0503020204020204" charset="-122"/>
                 <a:sym typeface="+mn-ea"/>
               </a:rPr>
               <a:t>Json Body &amp; Status Code Response</a:t>
             </a:r>
-            <a:endParaRPr lang="en-US" sz="1400"/>
+            <a:endParaRPr lang="en-US" sz="1400">
+              <a:latin typeface="微软雅黑" panose="020B0503020204020204" charset="-122"/>
+              <a:ea typeface="微软雅黑" panose="020B0503020204020204" charset="-122"/>
+              <a:sym typeface="+mn-ea"/>
+            </a:endParaRPr>
           </a:p>
         </p:txBody>
       </p:sp>
@@ -3766,8 +3924,8 @@
         </p:nvSpPr>
         <p:spPr>
           <a:xfrm>
-            <a:off x="5969000" y="667385"/>
-            <a:ext cx="3044825" cy="306705"/>
+            <a:off x="6168390" y="654685"/>
+            <a:ext cx="3044825" cy="319405"/>
           </a:xfrm>
           <a:prstGeom prst="rect">
             <a:avLst/>
@@ -3782,11 +3940,17 @@
             <a:pPr algn="ctr"/>
             <a:r>
               <a:rPr lang="en-US" sz="1400">
+                <a:latin typeface="微软雅黑" panose="020B0503020204020204" charset="-122"/>
+                <a:ea typeface="微软雅黑" panose="020B0503020204020204" charset="-122"/>
                 <a:sym typeface="+mn-ea"/>
               </a:rPr>
               <a:t>Load Balance &amp; Reverse Proxy</a:t>
             </a:r>
-            <a:endParaRPr lang="en-US" sz="1400"/>
+            <a:endParaRPr lang="en-US" sz="1400">
+              <a:latin typeface="微软雅黑" panose="020B0503020204020204" charset="-122"/>
+              <a:ea typeface="微软雅黑" panose="020B0503020204020204" charset="-122"/>
+              <a:sym typeface="+mn-ea"/>
+            </a:endParaRPr>
           </a:p>
         </p:txBody>
       </p:sp>
@@ -3833,7 +3997,10 @@
           <a:bodyPr rtlCol="0" anchor="ctr"/>
           <a:p>
             <a:pPr algn="ctr"/>
-            <a:endParaRPr lang="zh-CN" altLang="en-US"/>
+            <a:endParaRPr lang="zh-CN" altLang="en-US" sz="1400">
+              <a:latin typeface="微软雅黑" panose="020B0503020204020204" charset="-122"/>
+              <a:ea typeface="微软雅黑" panose="020B0503020204020204" charset="-122"/>
+            </a:endParaRPr>
           </a:p>
         </p:txBody>
       </p:sp>
@@ -3844,7 +4011,7 @@
           <p:nvPr/>
         </p:nvGrpSpPr>
         <p:grpSpPr>
-          <a:xfrm>
+          <a:xfrm rot="0">
             <a:off x="3789045" y="4771390"/>
             <a:ext cx="3251200" cy="766445"/>
             <a:chOff x="5941" y="6140"/>
@@ -3894,10 +4061,16 @@
             <a:p>
               <a:pPr algn="ctr"/>
               <a:r>
-                <a:rPr lang="en-US" altLang="zh-CN" sz="1600"/>
+                <a:rPr lang="en-US" altLang="zh-CN" sz="1400">
+                  <a:latin typeface="微软雅黑" panose="020B0503020204020204" charset="-122"/>
+                  <a:ea typeface="微软雅黑" panose="020B0503020204020204" charset="-122"/>
+                </a:rPr>
                 <a:t>Slave Database Swarm</a:t>
               </a:r>
-              <a:endParaRPr lang="en-US" altLang="zh-CN" sz="1600"/>
+              <a:endParaRPr lang="en-US" altLang="zh-CN" sz="1400">
+                <a:latin typeface="微软雅黑" panose="020B0503020204020204" charset="-122"/>
+                <a:ea typeface="微软雅黑" panose="020B0503020204020204" charset="-122"/>
+              </a:endParaRPr>
             </a:p>
           </p:txBody>
         </p:sp>
@@ -3944,10 +4117,16 @@
             <a:p>
               <a:pPr algn="ctr"/>
               <a:r>
-                <a:rPr lang="en-US" altLang="zh-CN" sz="1600"/>
+                <a:rPr lang="en-US" altLang="zh-CN" sz="1400">
+                  <a:latin typeface="微软雅黑" panose="020B0503020204020204" charset="-122"/>
+                  <a:ea typeface="微软雅黑" panose="020B0503020204020204" charset="-122"/>
+                </a:rPr>
                 <a:t>Master Database Swarm</a:t>
               </a:r>
-              <a:endParaRPr lang="en-US" altLang="zh-CN" sz="1600"/>
+              <a:endParaRPr lang="en-US" altLang="zh-CN" sz="1400">
+                <a:latin typeface="微软雅黑" panose="020B0503020204020204" charset="-122"/>
+                <a:ea typeface="微软雅黑" panose="020B0503020204020204" charset="-122"/>
+              </a:endParaRPr>
             </a:p>
           </p:txBody>
         </p:sp>
@@ -3961,7 +4140,7 @@
         <p:spPr>
           <a:xfrm>
             <a:off x="6054725" y="4133850"/>
-            <a:ext cx="1148715" cy="306705"/>
+            <a:ext cx="1148715" cy="319405"/>
           </a:xfrm>
           <a:prstGeom prst="rect">
             <a:avLst/>
@@ -3976,11 +4155,17 @@
             <a:pPr algn="ctr"/>
             <a:r>
               <a:rPr lang="en-US" sz="1400">
+                <a:latin typeface="微软雅黑" panose="020B0503020204020204" charset="-122"/>
+                <a:ea typeface="微软雅黑" panose="020B0503020204020204" charset="-122"/>
                 <a:sym typeface="+mn-ea"/>
               </a:rPr>
               <a:t>CRUD</a:t>
             </a:r>
-            <a:endParaRPr lang="en-US" sz="1400"/>
+            <a:endParaRPr lang="en-US" sz="1400">
+              <a:latin typeface="微软雅黑" panose="020B0503020204020204" charset="-122"/>
+              <a:ea typeface="微软雅黑" panose="020B0503020204020204" charset="-122"/>
+              <a:sym typeface="+mn-ea"/>
+            </a:endParaRPr>
           </a:p>
         </p:txBody>
       </p:sp>
@@ -3991,7 +4176,7 @@
           <p:nvPr/>
         </p:nvGrpSpPr>
         <p:grpSpPr>
-          <a:xfrm>
+          <a:xfrm rot="0">
             <a:off x="3646805" y="3302635"/>
             <a:ext cx="4990465" cy="613410"/>
             <a:chOff x="5743" y="4907"/>
@@ -4041,10 +4226,16 @@
             <a:p>
               <a:pPr algn="ctr"/>
               <a:r>
-                <a:rPr lang="en-US" altLang="zh-CN" sz="1600"/>
+                <a:rPr lang="en-US" altLang="zh-CN" sz="1400">
+                  <a:latin typeface="微软雅黑" panose="020B0503020204020204" charset="-122"/>
+                  <a:ea typeface="微软雅黑" panose="020B0503020204020204" charset="-122"/>
+                </a:rPr>
                 <a:t>Api Service 3 Server Swarm</a:t>
               </a:r>
-              <a:endParaRPr lang="en-US" altLang="zh-CN" sz="1600"/>
+              <a:endParaRPr lang="en-US" altLang="zh-CN" sz="1400">
+                <a:latin typeface="微软雅黑" panose="020B0503020204020204" charset="-122"/>
+                <a:ea typeface="微软雅黑" panose="020B0503020204020204" charset="-122"/>
+              </a:endParaRPr>
             </a:p>
           </p:txBody>
         </p:sp>
@@ -4091,10 +4282,16 @@
             <a:p>
               <a:pPr algn="ctr"/>
               <a:r>
-                <a:rPr lang="en-US" altLang="zh-CN" sz="1600"/>
+                <a:rPr lang="en-US" altLang="zh-CN" sz="1400">
+                  <a:latin typeface="微软雅黑" panose="020B0503020204020204" charset="-122"/>
+                  <a:ea typeface="微软雅黑" panose="020B0503020204020204" charset="-122"/>
+                </a:rPr>
                 <a:t>Api Service1 Server Swarm</a:t>
               </a:r>
-              <a:endParaRPr lang="en-US" altLang="zh-CN" sz="1600"/>
+              <a:endParaRPr lang="en-US" altLang="zh-CN" sz="1400">
+                <a:latin typeface="微软雅黑" panose="020B0503020204020204" charset="-122"/>
+                <a:ea typeface="微软雅黑" panose="020B0503020204020204" charset="-122"/>
+              </a:endParaRPr>
             </a:p>
           </p:txBody>
         </p:sp>
@@ -4141,10 +4338,16 @@
             <a:p>
               <a:pPr algn="ctr"/>
               <a:r>
-                <a:rPr lang="en-US" altLang="zh-CN" sz="1600"/>
+                <a:rPr lang="en-US" altLang="zh-CN" sz="1400">
+                  <a:latin typeface="微软雅黑" panose="020B0503020204020204" charset="-122"/>
+                  <a:ea typeface="微软雅黑" panose="020B0503020204020204" charset="-122"/>
+                </a:rPr>
                 <a:t>Api Service2 Server Swarm</a:t>
               </a:r>
-              <a:endParaRPr lang="en-US" altLang="zh-CN" sz="1600"/>
+              <a:endParaRPr lang="en-US" altLang="zh-CN" sz="1400">
+                <a:latin typeface="微软雅黑" panose="020B0503020204020204" charset="-122"/>
+                <a:ea typeface="微软雅黑" panose="020B0503020204020204" charset="-122"/>
+              </a:endParaRPr>
             </a:p>
           </p:txBody>
         </p:sp>
@@ -4312,10 +4515,16 @@
           <a:p>
             <a:pPr algn="ctr"/>
             <a:r>
-              <a:rPr lang="en-US" altLang="zh-CN" sz="1600"/>
+              <a:rPr lang="en-US" altLang="zh-CN" sz="1400">
+                <a:latin typeface="微软雅黑" panose="020B0503020204020204" charset="-122"/>
+                <a:ea typeface="微软雅黑" panose="020B0503020204020204" charset="-122"/>
+              </a:rPr>
               <a:t>Slave Database Swarm</a:t>
             </a:r>
-            <a:endParaRPr lang="en-US" altLang="zh-CN" sz="1600"/>
+            <a:endParaRPr lang="en-US" altLang="zh-CN" sz="1400">
+              <a:latin typeface="微软雅黑" panose="020B0503020204020204" charset="-122"/>
+              <a:ea typeface="微软雅黑" panose="020B0503020204020204" charset="-122"/>
+            </a:endParaRPr>
           </a:p>
         </p:txBody>
       </p:sp>
@@ -4485,8 +4694,8 @@
         </p:nvSpPr>
         <p:spPr>
           <a:xfrm>
-            <a:off x="8347075" y="3253740"/>
-            <a:ext cx="1148715" cy="337820"/>
+            <a:off x="8311515" y="3466465"/>
+            <a:ext cx="1148715" cy="319405"/>
           </a:xfrm>
           <a:prstGeom prst="rect">
             <a:avLst/>
@@ -4500,12 +4709,18 @@
           <a:p>
             <a:pPr algn="ctr"/>
             <a:r>
-              <a:rPr lang="en-US" sz="1600" b="1">
+              <a:rPr lang="en-US" sz="1400" b="1">
+                <a:latin typeface="微软雅黑" panose="020B0503020204020204" charset="-122"/>
+                <a:ea typeface="微软雅黑" panose="020B0503020204020204" charset="-122"/>
                 <a:sym typeface="+mn-ea"/>
               </a:rPr>
               <a:t>...</a:t>
             </a:r>
-            <a:endParaRPr lang="en-US" sz="1600" b="1"/>
+            <a:endParaRPr lang="en-US" sz="1400" b="1">
+              <a:latin typeface="微软雅黑" panose="020B0503020204020204" charset="-122"/>
+              <a:ea typeface="微软雅黑" panose="020B0503020204020204" charset="-122"/>
+              <a:sym typeface="+mn-ea"/>
+            </a:endParaRPr>
           </a:p>
         </p:txBody>
       </p:sp>
@@ -4527,42 +4742,3702 @@
         <p:nvPr/>
       </p:nvGrpSpPr>
       <p:grpSpPr/>
-      <p:sp>
-        <p:nvSpPr>
-          <p:cNvPr id="2" name="标题 1"/>
-          <p:cNvSpPr>
-            <a:spLocks noGrp="1"/>
-          </p:cNvSpPr>
-          <p:nvPr>
-            <p:ph type="title"/>
-          </p:nvPr>
-        </p:nvSpPr>
-        <p:spPr/>
-        <p:txBody>
-          <a:bodyPr/>
-          <a:p>
+      <p:grpSp>
+        <p:nvGrpSpPr>
+          <p:cNvPr id="7" name="组合 6"/>
+          <p:cNvGrpSpPr/>
+          <p:nvPr/>
+        </p:nvGrpSpPr>
+        <p:grpSpPr>
+          <a:xfrm>
+            <a:off x="2120265" y="1483995"/>
+            <a:ext cx="741680" cy="2016125"/>
+            <a:chOff x="3549" y="1693"/>
+            <a:chExt cx="1168" cy="3175"/>
+          </a:xfrm>
+        </p:grpSpPr>
+        <p:sp>
+          <p:nvSpPr>
+            <p:cNvPr id="4" name="矩形 3"/>
+            <p:cNvSpPr/>
+            <p:nvPr/>
+          </p:nvSpPr>
+          <p:spPr>
+            <a:xfrm>
+              <a:off x="3549" y="1693"/>
+              <a:ext cx="1169" cy="988"/>
+            </a:xfrm>
+            <a:prstGeom prst="rect">
+              <a:avLst/>
+            </a:prstGeom>
+          </p:spPr>
+          <p:style>
+            <a:lnRef idx="1">
+              <a:schemeClr val="accent1"/>
+            </a:lnRef>
+            <a:fillRef idx="2">
+              <a:schemeClr val="accent1"/>
+            </a:fillRef>
+            <a:effectRef idx="1">
+              <a:schemeClr val="accent1"/>
+            </a:effectRef>
+            <a:fontRef idx="minor">
+              <a:schemeClr val="dk1"/>
+            </a:fontRef>
+          </p:style>
+          <p:txBody>
+            <a:bodyPr rtlCol="0" anchor="ctr"/>
+            <a:p>
+              <a:pPr algn="ctr"/>
+              <a:r>
+                <a:rPr lang="en-US" altLang="zh-CN" sz="1200">
+                  <a:latin typeface="微软雅黑" panose="020B0503020204020204" charset="-122"/>
+                  <a:ea typeface="微软雅黑" panose="020B0503020204020204" charset="-122"/>
+                </a:rPr>
+                <a:t>App </a:t>
+              </a:r>
+              <a:br>
+                <a:rPr lang="en-US" altLang="zh-CN" sz="1200">
+                  <a:latin typeface="微软雅黑" panose="020B0503020204020204" charset="-122"/>
+                  <a:ea typeface="微软雅黑" panose="020B0503020204020204" charset="-122"/>
+                </a:rPr>
+              </a:br>
+              <a:r>
+                <a:rPr lang="en-US" altLang="zh-CN" sz="1200">
+                  <a:latin typeface="微软雅黑" panose="020B0503020204020204" charset="-122"/>
+                  <a:ea typeface="微软雅黑" panose="020B0503020204020204" charset="-122"/>
+                </a:rPr>
+                <a:t>A</a:t>
+              </a:r>
+              <a:endParaRPr lang="en-US" altLang="zh-CN" sz="1200">
+                <a:latin typeface="微软雅黑" panose="020B0503020204020204" charset="-122"/>
+                <a:ea typeface="微软雅黑" panose="020B0503020204020204" charset="-122"/>
+              </a:endParaRPr>
+            </a:p>
+          </p:txBody>
+        </p:sp>
+        <p:sp>
+          <p:nvSpPr>
+            <p:cNvPr id="5" name="矩形 4"/>
+            <p:cNvSpPr/>
+            <p:nvPr/>
+          </p:nvSpPr>
+          <p:spPr>
+            <a:xfrm>
+              <a:off x="3549" y="2681"/>
+              <a:ext cx="1169" cy="989"/>
+            </a:xfrm>
+            <a:prstGeom prst="rect">
+              <a:avLst/>
+            </a:prstGeom>
+          </p:spPr>
+          <p:style>
+            <a:lnRef idx="1">
+              <a:schemeClr val="accent1"/>
+            </a:lnRef>
+            <a:fillRef idx="2">
+              <a:schemeClr val="accent1"/>
+            </a:fillRef>
+            <a:effectRef idx="1">
+              <a:schemeClr val="accent1"/>
+            </a:effectRef>
+            <a:fontRef idx="minor">
+              <a:schemeClr val="dk1"/>
+            </a:fontRef>
+          </p:style>
+          <p:txBody>
+            <a:bodyPr rtlCol="0" anchor="ctr"/>
+            <a:p>
+              <a:pPr algn="ctr"/>
+              <a:r>
+                <a:rPr lang="en-US" altLang="zh-CN" sz="1200">
+                  <a:latin typeface="微软雅黑" panose="020B0503020204020204" charset="-122"/>
+                  <a:ea typeface="微软雅黑" panose="020B0503020204020204" charset="-122"/>
+                </a:rPr>
+                <a:t>Bins/Libs</a:t>
+              </a:r>
+              <a:endParaRPr lang="en-US" altLang="zh-CN" sz="1200">
+                <a:latin typeface="微软雅黑" panose="020B0503020204020204" charset="-122"/>
+                <a:ea typeface="微软雅黑" panose="020B0503020204020204" charset="-122"/>
+              </a:endParaRPr>
+            </a:p>
+          </p:txBody>
+        </p:sp>
+        <p:sp>
+          <p:nvSpPr>
+            <p:cNvPr id="6" name="矩形 5"/>
+            <p:cNvSpPr/>
+            <p:nvPr/>
+          </p:nvSpPr>
+          <p:spPr>
+            <a:xfrm>
+              <a:off x="3549" y="3670"/>
+              <a:ext cx="1169" cy="1199"/>
+            </a:xfrm>
+            <a:prstGeom prst="rect">
+              <a:avLst/>
+            </a:prstGeom>
+          </p:spPr>
+          <p:style>
+            <a:lnRef idx="1">
+              <a:schemeClr val="accent1"/>
+            </a:lnRef>
+            <a:fillRef idx="2">
+              <a:schemeClr val="accent1"/>
+            </a:fillRef>
+            <a:effectRef idx="1">
+              <a:schemeClr val="accent1"/>
+            </a:effectRef>
+            <a:fontRef idx="minor">
+              <a:schemeClr val="dk1"/>
+            </a:fontRef>
+          </p:style>
+          <p:txBody>
+            <a:bodyPr rtlCol="0" anchor="ctr"/>
+            <a:p>
+              <a:pPr algn="ctr"/>
+              <a:r>
+                <a:rPr lang="en-US" altLang="zh-CN" sz="1200">
+                  <a:latin typeface="微软雅黑" panose="020B0503020204020204" charset="-122"/>
+                  <a:ea typeface="微软雅黑" panose="020B0503020204020204" charset="-122"/>
+                </a:rPr>
+                <a:t>Guset OS</a:t>
+              </a:r>
+              <a:endParaRPr lang="en-US" altLang="zh-CN" sz="1200">
+                <a:latin typeface="微软雅黑" panose="020B0503020204020204" charset="-122"/>
+                <a:ea typeface="微软雅黑" panose="020B0503020204020204" charset="-122"/>
+              </a:endParaRPr>
+            </a:p>
+          </p:txBody>
+        </p:sp>
+      </p:grpSp>
+      <p:grpSp>
+        <p:nvGrpSpPr>
+          <p:cNvPr id="8" name="组合 7"/>
+          <p:cNvGrpSpPr/>
+          <p:nvPr/>
+        </p:nvGrpSpPr>
+        <p:grpSpPr>
+          <a:xfrm>
+            <a:off x="3283585" y="1483995"/>
+            <a:ext cx="741680" cy="2016125"/>
+            <a:chOff x="3549" y="1693"/>
+            <a:chExt cx="1168" cy="3175"/>
+          </a:xfrm>
+        </p:grpSpPr>
+        <p:sp>
+          <p:nvSpPr>
+            <p:cNvPr id="9" name="矩形 8"/>
+            <p:cNvSpPr/>
+            <p:nvPr/>
+          </p:nvSpPr>
+          <p:spPr>
+            <a:xfrm>
+              <a:off x="3549" y="1693"/>
+              <a:ext cx="1169" cy="988"/>
+            </a:xfrm>
+            <a:prstGeom prst="rect">
+              <a:avLst/>
+            </a:prstGeom>
+          </p:spPr>
+          <p:style>
+            <a:lnRef idx="1">
+              <a:schemeClr val="accent1"/>
+            </a:lnRef>
+            <a:fillRef idx="2">
+              <a:schemeClr val="accent1"/>
+            </a:fillRef>
+            <a:effectRef idx="1">
+              <a:schemeClr val="accent1"/>
+            </a:effectRef>
+            <a:fontRef idx="minor">
+              <a:schemeClr val="dk1"/>
+            </a:fontRef>
+          </p:style>
+          <p:txBody>
+            <a:bodyPr rtlCol="0" anchor="ctr"/>
+            <a:p>
+              <a:pPr algn="ctr"/>
+              <a:r>
+                <a:rPr lang="en-US" altLang="zh-CN" sz="1200">
+                  <a:latin typeface="微软雅黑" panose="020B0503020204020204" charset="-122"/>
+                  <a:ea typeface="微软雅黑" panose="020B0503020204020204" charset="-122"/>
+                </a:rPr>
+                <a:t>App </a:t>
+              </a:r>
+              <a:br>
+                <a:rPr lang="en-US" altLang="zh-CN" sz="1200">
+                  <a:latin typeface="微软雅黑" panose="020B0503020204020204" charset="-122"/>
+                  <a:ea typeface="微软雅黑" panose="020B0503020204020204" charset="-122"/>
+                </a:rPr>
+              </a:br>
+              <a:r>
+                <a:rPr lang="en-US" altLang="zh-CN" sz="1200">
+                  <a:latin typeface="微软雅黑" panose="020B0503020204020204" charset="-122"/>
+                  <a:ea typeface="微软雅黑" panose="020B0503020204020204" charset="-122"/>
+                </a:rPr>
+                <a:t>A</a:t>
+              </a:r>
+              <a:endParaRPr lang="en-US" altLang="zh-CN" sz="1200">
+                <a:latin typeface="微软雅黑" panose="020B0503020204020204" charset="-122"/>
+                <a:ea typeface="微软雅黑" panose="020B0503020204020204" charset="-122"/>
+              </a:endParaRPr>
+            </a:p>
+          </p:txBody>
+        </p:sp>
+        <p:sp>
+          <p:nvSpPr>
+            <p:cNvPr id="10" name="矩形 9"/>
+            <p:cNvSpPr/>
+            <p:nvPr/>
+          </p:nvSpPr>
+          <p:spPr>
+            <a:xfrm>
+              <a:off x="3549" y="2681"/>
+              <a:ext cx="1169" cy="989"/>
+            </a:xfrm>
+            <a:prstGeom prst="rect">
+              <a:avLst/>
+            </a:prstGeom>
+          </p:spPr>
+          <p:style>
+            <a:lnRef idx="1">
+              <a:schemeClr val="accent1"/>
+            </a:lnRef>
+            <a:fillRef idx="2">
+              <a:schemeClr val="accent1"/>
+            </a:fillRef>
+            <a:effectRef idx="1">
+              <a:schemeClr val="accent1"/>
+            </a:effectRef>
+            <a:fontRef idx="minor">
+              <a:schemeClr val="dk1"/>
+            </a:fontRef>
+          </p:style>
+          <p:txBody>
+            <a:bodyPr rtlCol="0" anchor="ctr"/>
+            <a:p>
+              <a:pPr algn="ctr"/>
+              <a:r>
+                <a:rPr lang="en-US" altLang="zh-CN" sz="1200">
+                  <a:latin typeface="微软雅黑" panose="020B0503020204020204" charset="-122"/>
+                  <a:ea typeface="微软雅黑" panose="020B0503020204020204" charset="-122"/>
+                </a:rPr>
+                <a:t>Bins/Libs</a:t>
+              </a:r>
+              <a:endParaRPr lang="en-US" altLang="zh-CN" sz="1200">
+                <a:latin typeface="微软雅黑" panose="020B0503020204020204" charset="-122"/>
+                <a:ea typeface="微软雅黑" panose="020B0503020204020204" charset="-122"/>
+              </a:endParaRPr>
+            </a:p>
+          </p:txBody>
+        </p:sp>
+        <p:sp>
+          <p:nvSpPr>
+            <p:cNvPr id="11" name="矩形 10"/>
+            <p:cNvSpPr/>
+            <p:nvPr/>
+          </p:nvSpPr>
+          <p:spPr>
+            <a:xfrm>
+              <a:off x="3549" y="3670"/>
+              <a:ext cx="1169" cy="1199"/>
+            </a:xfrm>
+            <a:prstGeom prst="rect">
+              <a:avLst/>
+            </a:prstGeom>
+          </p:spPr>
+          <p:style>
+            <a:lnRef idx="1">
+              <a:schemeClr val="accent1"/>
+            </a:lnRef>
+            <a:fillRef idx="2">
+              <a:schemeClr val="accent1"/>
+            </a:fillRef>
+            <a:effectRef idx="1">
+              <a:schemeClr val="accent1"/>
+            </a:effectRef>
+            <a:fontRef idx="minor">
+              <a:schemeClr val="dk1"/>
+            </a:fontRef>
+          </p:style>
+          <p:txBody>
+            <a:bodyPr rtlCol="0" anchor="ctr"/>
+            <a:p>
+              <a:pPr algn="ctr"/>
+              <a:r>
+                <a:rPr lang="en-US" altLang="zh-CN" sz="1200">
+                  <a:latin typeface="微软雅黑" panose="020B0503020204020204" charset="-122"/>
+                  <a:ea typeface="微软雅黑" panose="020B0503020204020204" charset="-122"/>
+                </a:rPr>
+                <a:t>Guset OS</a:t>
+              </a:r>
+              <a:endParaRPr lang="en-US" altLang="zh-CN" sz="1200">
+                <a:latin typeface="微软雅黑" panose="020B0503020204020204" charset="-122"/>
+                <a:ea typeface="微软雅黑" panose="020B0503020204020204" charset="-122"/>
+              </a:endParaRPr>
+            </a:p>
+          </p:txBody>
+        </p:sp>
+      </p:grpSp>
+      <p:grpSp>
+        <p:nvGrpSpPr>
+          <p:cNvPr id="12" name="组合 11"/>
+          <p:cNvGrpSpPr/>
+          <p:nvPr/>
+        </p:nvGrpSpPr>
+        <p:grpSpPr>
+          <a:xfrm>
+            <a:off x="4513580" y="1483995"/>
+            <a:ext cx="741680" cy="2016125"/>
+            <a:chOff x="3549" y="1693"/>
+            <a:chExt cx="1168" cy="3175"/>
+          </a:xfrm>
+        </p:grpSpPr>
+        <p:sp>
+          <p:nvSpPr>
+            <p:cNvPr id="13" name="矩形 12"/>
+            <p:cNvSpPr/>
+            <p:nvPr/>
+          </p:nvSpPr>
+          <p:spPr>
+            <a:xfrm>
+              <a:off x="3549" y="1693"/>
+              <a:ext cx="1169" cy="988"/>
+            </a:xfrm>
+            <a:prstGeom prst="rect">
+              <a:avLst/>
+            </a:prstGeom>
+          </p:spPr>
+          <p:style>
+            <a:lnRef idx="1">
+              <a:schemeClr val="accent1"/>
+            </a:lnRef>
+            <a:fillRef idx="2">
+              <a:schemeClr val="accent1"/>
+            </a:fillRef>
+            <a:effectRef idx="1">
+              <a:schemeClr val="accent1"/>
+            </a:effectRef>
+            <a:fontRef idx="minor">
+              <a:schemeClr val="dk1"/>
+            </a:fontRef>
+          </p:style>
+          <p:txBody>
+            <a:bodyPr rtlCol="0" anchor="ctr"/>
+            <a:p>
+              <a:pPr algn="ctr"/>
+              <a:r>
+                <a:rPr lang="en-US" altLang="zh-CN" sz="1200">
+                  <a:latin typeface="微软雅黑" panose="020B0503020204020204" charset="-122"/>
+                  <a:ea typeface="微软雅黑" panose="020B0503020204020204" charset="-122"/>
+                </a:rPr>
+                <a:t>App </a:t>
+              </a:r>
+              <a:br>
+                <a:rPr lang="en-US" altLang="zh-CN" sz="1200">
+                  <a:latin typeface="微软雅黑" panose="020B0503020204020204" charset="-122"/>
+                  <a:ea typeface="微软雅黑" panose="020B0503020204020204" charset="-122"/>
+                </a:rPr>
+              </a:br>
+              <a:r>
+                <a:rPr lang="en-US" altLang="zh-CN" sz="1200">
+                  <a:latin typeface="微软雅黑" panose="020B0503020204020204" charset="-122"/>
+                  <a:ea typeface="微软雅黑" panose="020B0503020204020204" charset="-122"/>
+                </a:rPr>
+                <a:t>A</a:t>
+              </a:r>
+              <a:endParaRPr lang="en-US" altLang="zh-CN" sz="1200">
+                <a:latin typeface="微软雅黑" panose="020B0503020204020204" charset="-122"/>
+                <a:ea typeface="微软雅黑" panose="020B0503020204020204" charset="-122"/>
+              </a:endParaRPr>
+            </a:p>
+          </p:txBody>
+        </p:sp>
+        <p:sp>
+          <p:nvSpPr>
+            <p:cNvPr id="14" name="矩形 13"/>
+            <p:cNvSpPr/>
+            <p:nvPr/>
+          </p:nvSpPr>
+          <p:spPr>
+            <a:xfrm>
+              <a:off x="3549" y="2681"/>
+              <a:ext cx="1169" cy="989"/>
+            </a:xfrm>
+            <a:prstGeom prst="rect">
+              <a:avLst/>
+            </a:prstGeom>
+          </p:spPr>
+          <p:style>
+            <a:lnRef idx="1">
+              <a:schemeClr val="accent1"/>
+            </a:lnRef>
+            <a:fillRef idx="2">
+              <a:schemeClr val="accent1"/>
+            </a:fillRef>
+            <a:effectRef idx="1">
+              <a:schemeClr val="accent1"/>
+            </a:effectRef>
+            <a:fontRef idx="minor">
+              <a:schemeClr val="dk1"/>
+            </a:fontRef>
+          </p:style>
+          <p:txBody>
+            <a:bodyPr rtlCol="0" anchor="ctr"/>
+            <a:p>
+              <a:pPr algn="ctr"/>
+              <a:r>
+                <a:rPr lang="en-US" altLang="zh-CN" sz="1200">
+                  <a:latin typeface="微软雅黑" panose="020B0503020204020204" charset="-122"/>
+                  <a:ea typeface="微软雅黑" panose="020B0503020204020204" charset="-122"/>
+                </a:rPr>
+                <a:t>Bins/Libs</a:t>
+              </a:r>
+              <a:endParaRPr lang="en-US" altLang="zh-CN" sz="1200">
+                <a:latin typeface="微软雅黑" panose="020B0503020204020204" charset="-122"/>
+                <a:ea typeface="微软雅黑" panose="020B0503020204020204" charset="-122"/>
+              </a:endParaRPr>
+            </a:p>
+          </p:txBody>
+        </p:sp>
+        <p:sp>
+          <p:nvSpPr>
+            <p:cNvPr id="15" name="矩形 14"/>
+            <p:cNvSpPr/>
+            <p:nvPr/>
+          </p:nvSpPr>
+          <p:spPr>
+            <a:xfrm>
+              <a:off x="3549" y="3670"/>
+              <a:ext cx="1169" cy="1199"/>
+            </a:xfrm>
+            <a:prstGeom prst="rect">
+              <a:avLst/>
+            </a:prstGeom>
+          </p:spPr>
+          <p:style>
+            <a:lnRef idx="1">
+              <a:schemeClr val="accent1"/>
+            </a:lnRef>
+            <a:fillRef idx="2">
+              <a:schemeClr val="accent1"/>
+            </a:fillRef>
+            <a:effectRef idx="1">
+              <a:schemeClr val="accent1"/>
+            </a:effectRef>
+            <a:fontRef idx="minor">
+              <a:schemeClr val="dk1"/>
+            </a:fontRef>
+          </p:style>
+          <p:txBody>
+            <a:bodyPr rtlCol="0" anchor="ctr"/>
+            <a:p>
+              <a:pPr algn="ctr"/>
+              <a:r>
+                <a:rPr lang="en-US" altLang="zh-CN" sz="1200">
+                  <a:latin typeface="微软雅黑" panose="020B0503020204020204" charset="-122"/>
+                  <a:ea typeface="微软雅黑" panose="020B0503020204020204" charset="-122"/>
+                </a:rPr>
+                <a:t>Guset OS</a:t>
+              </a:r>
+              <a:endParaRPr lang="en-US" altLang="zh-CN" sz="1200">
+                <a:latin typeface="微软雅黑" panose="020B0503020204020204" charset="-122"/>
+                <a:ea typeface="微软雅黑" panose="020B0503020204020204" charset="-122"/>
+              </a:endParaRPr>
+            </a:p>
+          </p:txBody>
+        </p:sp>
+      </p:grpSp>
+      <p:grpSp>
+        <p:nvGrpSpPr>
+          <p:cNvPr id="16" name="组合 15"/>
+          <p:cNvGrpSpPr/>
+          <p:nvPr/>
+        </p:nvGrpSpPr>
+        <p:grpSpPr>
+          <a:xfrm>
+            <a:off x="2120265" y="3500755"/>
+            <a:ext cx="3134995" cy="979805"/>
+            <a:chOff x="3549" y="1693"/>
+            <a:chExt cx="1168" cy="3175"/>
+          </a:xfrm>
+        </p:grpSpPr>
+        <p:sp>
+          <p:nvSpPr>
+            <p:cNvPr id="17" name="矩形 16"/>
+            <p:cNvSpPr/>
+            <p:nvPr/>
+          </p:nvSpPr>
+          <p:spPr>
+            <a:xfrm>
+              <a:off x="3549" y="1693"/>
+              <a:ext cx="1169" cy="988"/>
+            </a:xfrm>
+            <a:prstGeom prst="rect">
+              <a:avLst/>
+            </a:prstGeom>
+          </p:spPr>
+          <p:style>
+            <a:lnRef idx="1">
+              <a:schemeClr val="accent1"/>
+            </a:lnRef>
+            <a:fillRef idx="2">
+              <a:schemeClr val="accent1"/>
+            </a:fillRef>
+            <a:effectRef idx="1">
+              <a:schemeClr val="accent1"/>
+            </a:effectRef>
+            <a:fontRef idx="minor">
+              <a:schemeClr val="dk1"/>
+            </a:fontRef>
+          </p:style>
+          <p:txBody>
+            <a:bodyPr rtlCol="0" anchor="ctr"/>
+            <a:p>
+              <a:pPr algn="ctr"/>
+              <a:r>
+                <a:rPr lang="en-US" altLang="zh-CN" sz="1200">
+                  <a:latin typeface="微软雅黑" panose="020B0503020204020204" charset="-122"/>
+                  <a:ea typeface="微软雅黑" panose="020B0503020204020204" charset="-122"/>
+                </a:rPr>
+                <a:t>Hypervisor (type 2)</a:t>
+              </a:r>
+              <a:endParaRPr lang="en-US" altLang="zh-CN" sz="1200">
+                <a:latin typeface="微软雅黑" panose="020B0503020204020204" charset="-122"/>
+                <a:ea typeface="微软雅黑" panose="020B0503020204020204" charset="-122"/>
+              </a:endParaRPr>
+            </a:p>
+          </p:txBody>
+        </p:sp>
+        <p:sp>
+          <p:nvSpPr>
+            <p:cNvPr id="18" name="矩形 17"/>
+            <p:cNvSpPr/>
+            <p:nvPr/>
+          </p:nvSpPr>
+          <p:spPr>
+            <a:xfrm>
+              <a:off x="3549" y="2681"/>
+              <a:ext cx="1169" cy="989"/>
+            </a:xfrm>
+            <a:prstGeom prst="rect">
+              <a:avLst/>
+            </a:prstGeom>
+          </p:spPr>
+          <p:style>
+            <a:lnRef idx="1">
+              <a:schemeClr val="accent1"/>
+            </a:lnRef>
+            <a:fillRef idx="2">
+              <a:schemeClr val="accent1"/>
+            </a:fillRef>
+            <a:effectRef idx="1">
+              <a:schemeClr val="accent1"/>
+            </a:effectRef>
+            <a:fontRef idx="minor">
+              <a:schemeClr val="dk1"/>
+            </a:fontRef>
+          </p:style>
+          <p:txBody>
+            <a:bodyPr rtlCol="0" anchor="ctr"/>
+            <a:p>
+              <a:pPr algn="ctr"/>
+              <a:r>
+                <a:rPr lang="en-US" altLang="zh-CN" sz="1200">
+                  <a:latin typeface="微软雅黑" panose="020B0503020204020204" charset="-122"/>
+                  <a:ea typeface="微软雅黑" panose="020B0503020204020204" charset="-122"/>
+                </a:rPr>
+                <a:t>Host OS</a:t>
+              </a:r>
+              <a:endParaRPr lang="en-US" altLang="zh-CN" sz="1200">
+                <a:latin typeface="微软雅黑" panose="020B0503020204020204" charset="-122"/>
+                <a:ea typeface="微软雅黑" panose="020B0503020204020204" charset="-122"/>
+              </a:endParaRPr>
+            </a:p>
+          </p:txBody>
+        </p:sp>
+        <p:sp>
+          <p:nvSpPr>
+            <p:cNvPr id="19" name="矩形 18"/>
+            <p:cNvSpPr/>
+            <p:nvPr/>
+          </p:nvSpPr>
+          <p:spPr>
+            <a:xfrm>
+              <a:off x="3549" y="3670"/>
+              <a:ext cx="1169" cy="1199"/>
+            </a:xfrm>
+            <a:prstGeom prst="rect">
+              <a:avLst/>
+            </a:prstGeom>
+          </p:spPr>
+          <p:style>
+            <a:lnRef idx="1">
+              <a:schemeClr val="accent1"/>
+            </a:lnRef>
+            <a:fillRef idx="2">
+              <a:schemeClr val="accent1"/>
+            </a:fillRef>
+            <a:effectRef idx="1">
+              <a:schemeClr val="accent1"/>
+            </a:effectRef>
+            <a:fontRef idx="minor">
+              <a:schemeClr val="dk1"/>
+            </a:fontRef>
+          </p:style>
+          <p:txBody>
+            <a:bodyPr rtlCol="0" anchor="ctr"/>
+            <a:p>
+              <a:pPr algn="ctr"/>
+              <a:r>
+                <a:rPr lang="en-US" altLang="zh-CN" sz="1200">
+                  <a:latin typeface="微软雅黑" panose="020B0503020204020204" charset="-122"/>
+                  <a:ea typeface="微软雅黑" panose="020B0503020204020204" charset="-122"/>
+                </a:rPr>
+                <a:t>Server</a:t>
+              </a:r>
+              <a:endParaRPr lang="en-US" altLang="zh-CN" sz="1200">
+                <a:latin typeface="微软雅黑" panose="020B0503020204020204" charset="-122"/>
+                <a:ea typeface="微软雅黑" panose="020B0503020204020204" charset="-122"/>
+              </a:endParaRPr>
+            </a:p>
+          </p:txBody>
+        </p:sp>
+      </p:grpSp>
+      <p:sp>
+        <p:nvSpPr>
+          <p:cNvPr id="21" name="文本框 20"/>
+          <p:cNvSpPr txBox="1"/>
+          <p:nvPr/>
+        </p:nvSpPr>
+        <p:spPr>
+          <a:xfrm>
+            <a:off x="3147060" y="4583430"/>
+            <a:ext cx="1084580" cy="319405"/>
+          </a:xfrm>
+          <a:prstGeom prst="rect">
+            <a:avLst/>
+          </a:prstGeom>
+          <a:noFill/>
+        </p:spPr>
+        <p:txBody>
+          <a:bodyPr wrap="square" rtlCol="0">
+            <a:spAutoFit/>
+          </a:bodyPr>
+          <a:p>
+            <a:pPr algn="ctr"/>
+            <a:r>
+              <a:rPr lang="en-US" altLang="zh-CN" sz="1400">
+                <a:latin typeface="微软雅黑" panose="020B0503020204020204" charset="-122"/>
+                <a:ea typeface="微软雅黑" panose="020B0503020204020204" charset="-122"/>
+              </a:rPr>
+              <a:t>VM</a:t>
+            </a:r>
+            <a:endParaRPr lang="en-US" altLang="zh-CN" sz="1400">
+              <a:latin typeface="微软雅黑" panose="020B0503020204020204" charset="-122"/>
+              <a:ea typeface="微软雅黑" panose="020B0503020204020204" charset="-122"/>
+            </a:endParaRPr>
+          </a:p>
+        </p:txBody>
+      </p:sp>
+      <p:sp>
+        <p:nvSpPr>
+          <p:cNvPr id="23" name="矩形 22"/>
+          <p:cNvSpPr/>
+          <p:nvPr/>
+        </p:nvSpPr>
+        <p:spPr>
+          <a:xfrm>
+            <a:off x="5937250" y="1483995"/>
+            <a:ext cx="352425" cy="1710690"/>
+          </a:xfrm>
+          <a:prstGeom prst="rect">
+            <a:avLst/>
+          </a:prstGeom>
+        </p:spPr>
+        <p:style>
+          <a:lnRef idx="1">
+            <a:schemeClr val="accent1"/>
+          </a:lnRef>
+          <a:fillRef idx="2">
+            <a:schemeClr val="accent1"/>
+          </a:fillRef>
+          <a:effectRef idx="1">
+            <a:schemeClr val="accent1"/>
+          </a:effectRef>
+          <a:fontRef idx="minor">
+            <a:schemeClr val="dk1"/>
+          </a:fontRef>
+        </p:style>
+        <p:txBody>
+          <a:bodyPr vert="eaVert" rtlCol="0" anchor="ctr"/>
+          <a:p>
+            <a:pPr algn="ctr"/>
+            <a:r>
+              <a:rPr lang="en-US" altLang="zh-CN" sz="1200">
+                <a:latin typeface="微软雅黑" panose="020B0503020204020204" charset="-122"/>
+                <a:ea typeface="微软雅黑" panose="020B0503020204020204" charset="-122"/>
+              </a:rPr>
+              <a:t>App A</a:t>
+            </a:r>
+            <a:endParaRPr lang="en-US" altLang="zh-CN" sz="1200">
+              <a:latin typeface="微软雅黑" panose="020B0503020204020204" charset="-122"/>
+              <a:ea typeface="微软雅黑" panose="020B0503020204020204" charset="-122"/>
+            </a:endParaRPr>
+          </a:p>
+        </p:txBody>
+      </p:sp>
+      <p:sp>
+        <p:nvSpPr>
+          <p:cNvPr id="24" name="矩形 23"/>
+          <p:cNvSpPr/>
+          <p:nvPr/>
+        </p:nvSpPr>
+        <p:spPr>
+          <a:xfrm>
+            <a:off x="5937250" y="3194685"/>
+            <a:ext cx="979805" cy="306070"/>
+          </a:xfrm>
+          <a:prstGeom prst="rect">
+            <a:avLst/>
+          </a:prstGeom>
+        </p:spPr>
+        <p:style>
+          <a:lnRef idx="1">
+            <a:schemeClr val="accent1"/>
+          </a:lnRef>
+          <a:fillRef idx="2">
+            <a:schemeClr val="accent1"/>
+          </a:fillRef>
+          <a:effectRef idx="1">
+            <a:schemeClr val="accent1"/>
+          </a:effectRef>
+          <a:fontRef idx="minor">
+            <a:schemeClr val="dk1"/>
+          </a:fontRef>
+        </p:style>
+        <p:txBody>
+          <a:bodyPr rtlCol="0" anchor="ctr"/>
+          <a:p>
+            <a:pPr algn="ctr"/>
+            <a:r>
+              <a:rPr lang="en-US" altLang="zh-CN" sz="1200">
+                <a:latin typeface="微软雅黑" panose="020B0503020204020204" charset="-122"/>
+                <a:ea typeface="微软雅黑" panose="020B0503020204020204" charset="-122"/>
+              </a:rPr>
+              <a:t>Bins/Libs</a:t>
+            </a:r>
+            <a:endParaRPr lang="en-US" altLang="zh-CN" sz="1200">
+              <a:latin typeface="微软雅黑" panose="020B0503020204020204" charset="-122"/>
+              <a:ea typeface="微软雅黑" panose="020B0503020204020204" charset="-122"/>
+            </a:endParaRPr>
+          </a:p>
+        </p:txBody>
+      </p:sp>
+      <p:grpSp>
+        <p:nvGrpSpPr>
+          <p:cNvPr id="34" name="组合 33"/>
+          <p:cNvGrpSpPr/>
+          <p:nvPr/>
+        </p:nvGrpSpPr>
+        <p:grpSpPr>
+          <a:xfrm>
+            <a:off x="5937250" y="3500755"/>
+            <a:ext cx="2969260" cy="979805"/>
+            <a:chOff x="3549" y="1693"/>
+            <a:chExt cx="1168" cy="3175"/>
+          </a:xfrm>
+        </p:grpSpPr>
+        <p:sp>
+          <p:nvSpPr>
+            <p:cNvPr id="35" name="矩形 34"/>
+            <p:cNvSpPr/>
+            <p:nvPr/>
+          </p:nvSpPr>
+          <p:spPr>
+            <a:xfrm>
+              <a:off x="3549" y="1693"/>
+              <a:ext cx="1169" cy="988"/>
+            </a:xfrm>
+            <a:prstGeom prst="rect">
+              <a:avLst/>
+            </a:prstGeom>
+          </p:spPr>
+          <p:style>
+            <a:lnRef idx="1">
+              <a:schemeClr val="accent1"/>
+            </a:lnRef>
+            <a:fillRef idx="2">
+              <a:schemeClr val="accent1"/>
+            </a:fillRef>
+            <a:effectRef idx="1">
+              <a:schemeClr val="accent1"/>
+            </a:effectRef>
+            <a:fontRef idx="minor">
+              <a:schemeClr val="dk1"/>
+            </a:fontRef>
+          </p:style>
+          <p:txBody>
+            <a:bodyPr rtlCol="0" anchor="ctr"/>
+            <a:p>
+              <a:pPr algn="ctr"/>
+              <a:r>
+                <a:rPr lang="en-US" altLang="zh-CN" sz="1200">
+                  <a:latin typeface="微软雅黑" panose="020B0503020204020204" charset="-122"/>
+                  <a:ea typeface="微软雅黑" panose="020B0503020204020204" charset="-122"/>
+                </a:rPr>
+                <a:t>Docker Engine</a:t>
+              </a:r>
+              <a:endParaRPr lang="en-US" altLang="zh-CN" sz="1200">
+                <a:latin typeface="微软雅黑" panose="020B0503020204020204" charset="-122"/>
+                <a:ea typeface="微软雅黑" panose="020B0503020204020204" charset="-122"/>
+              </a:endParaRPr>
+            </a:p>
+          </p:txBody>
+        </p:sp>
+        <p:sp>
+          <p:nvSpPr>
+            <p:cNvPr id="36" name="矩形 35"/>
+            <p:cNvSpPr/>
+            <p:nvPr/>
+          </p:nvSpPr>
+          <p:spPr>
+            <a:xfrm>
+              <a:off x="3549" y="2681"/>
+              <a:ext cx="1169" cy="989"/>
+            </a:xfrm>
+            <a:prstGeom prst="rect">
+              <a:avLst/>
+            </a:prstGeom>
+          </p:spPr>
+          <p:style>
+            <a:lnRef idx="1">
+              <a:schemeClr val="accent1"/>
+            </a:lnRef>
+            <a:fillRef idx="2">
+              <a:schemeClr val="accent1"/>
+            </a:fillRef>
+            <a:effectRef idx="1">
+              <a:schemeClr val="accent1"/>
+            </a:effectRef>
+            <a:fontRef idx="minor">
+              <a:schemeClr val="dk1"/>
+            </a:fontRef>
+          </p:style>
+          <p:txBody>
+            <a:bodyPr rtlCol="0" anchor="ctr"/>
+            <a:p>
+              <a:pPr algn="ctr"/>
+              <a:r>
+                <a:rPr lang="en-US" altLang="zh-CN" sz="1200">
+                  <a:latin typeface="微软雅黑" panose="020B0503020204020204" charset="-122"/>
+                  <a:ea typeface="微软雅黑" panose="020B0503020204020204" charset="-122"/>
+                </a:rPr>
+                <a:t>Host OS</a:t>
+              </a:r>
+              <a:endParaRPr lang="en-US" altLang="zh-CN" sz="1200">
+                <a:latin typeface="微软雅黑" panose="020B0503020204020204" charset="-122"/>
+                <a:ea typeface="微软雅黑" panose="020B0503020204020204" charset="-122"/>
+              </a:endParaRPr>
+            </a:p>
+          </p:txBody>
+        </p:sp>
+        <p:sp>
+          <p:nvSpPr>
+            <p:cNvPr id="37" name="矩形 36"/>
+            <p:cNvSpPr/>
+            <p:nvPr/>
+          </p:nvSpPr>
+          <p:spPr>
+            <a:xfrm>
+              <a:off x="3549" y="3670"/>
+              <a:ext cx="1169" cy="1199"/>
+            </a:xfrm>
+            <a:prstGeom prst="rect">
+              <a:avLst/>
+            </a:prstGeom>
+          </p:spPr>
+          <p:style>
+            <a:lnRef idx="1">
+              <a:schemeClr val="accent1"/>
+            </a:lnRef>
+            <a:fillRef idx="2">
+              <a:schemeClr val="accent1"/>
+            </a:fillRef>
+            <a:effectRef idx="1">
+              <a:schemeClr val="accent1"/>
+            </a:effectRef>
+            <a:fontRef idx="minor">
+              <a:schemeClr val="dk1"/>
+            </a:fontRef>
+          </p:style>
+          <p:txBody>
+            <a:bodyPr rtlCol="0" anchor="ctr"/>
+            <a:p>
+              <a:pPr algn="ctr"/>
+              <a:r>
+                <a:rPr lang="en-US" altLang="zh-CN" sz="1200">
+                  <a:latin typeface="微软雅黑" panose="020B0503020204020204" charset="-122"/>
+                  <a:ea typeface="微软雅黑" panose="020B0503020204020204" charset="-122"/>
+                </a:rPr>
+                <a:t>Server</a:t>
+              </a:r>
+              <a:endParaRPr lang="en-US" altLang="zh-CN" sz="1200">
+                <a:latin typeface="微软雅黑" panose="020B0503020204020204" charset="-122"/>
+                <a:ea typeface="微软雅黑" panose="020B0503020204020204" charset="-122"/>
+              </a:endParaRPr>
+            </a:p>
+          </p:txBody>
+        </p:sp>
+      </p:grpSp>
+      <p:sp>
+        <p:nvSpPr>
+          <p:cNvPr id="38" name="文本框 37"/>
+          <p:cNvSpPr txBox="1"/>
+          <p:nvPr/>
+        </p:nvSpPr>
+        <p:spPr>
+          <a:xfrm>
+            <a:off x="6552565" y="4583430"/>
+            <a:ext cx="1741170" cy="319405"/>
+          </a:xfrm>
+          <a:prstGeom prst="rect">
+            <a:avLst/>
+          </a:prstGeom>
+          <a:noFill/>
+        </p:spPr>
+        <p:txBody>
+          <a:bodyPr wrap="square" rtlCol="0">
+            <a:spAutoFit/>
+          </a:bodyPr>
+          <a:p>
+            <a:pPr algn="ctr"/>
+            <a:r>
+              <a:rPr lang="en-US" altLang="zh-CN" sz="1400">
+                <a:latin typeface="微软雅黑" panose="020B0503020204020204" charset="-122"/>
+                <a:ea typeface="微软雅黑" panose="020B0503020204020204" charset="-122"/>
+              </a:rPr>
+              <a:t>Container</a:t>
+            </a:r>
+            <a:endParaRPr lang="en-US" altLang="zh-CN" sz="1400">
+              <a:latin typeface="微软雅黑" panose="020B0503020204020204" charset="-122"/>
+              <a:ea typeface="微软雅黑" panose="020B0503020204020204" charset="-122"/>
+            </a:endParaRPr>
+          </a:p>
+        </p:txBody>
+      </p:sp>
+      <p:sp>
+        <p:nvSpPr>
+          <p:cNvPr id="39" name="矩形 38"/>
+          <p:cNvSpPr/>
+          <p:nvPr/>
+        </p:nvSpPr>
+        <p:spPr>
+          <a:xfrm>
+            <a:off x="6564630" y="1483995"/>
+            <a:ext cx="352425" cy="1710690"/>
+          </a:xfrm>
+          <a:prstGeom prst="rect">
+            <a:avLst/>
+          </a:prstGeom>
+        </p:spPr>
+        <p:style>
+          <a:lnRef idx="1">
+            <a:schemeClr val="accent1"/>
+          </a:lnRef>
+          <a:fillRef idx="2">
+            <a:schemeClr val="accent1"/>
+          </a:fillRef>
+          <a:effectRef idx="1">
+            <a:schemeClr val="accent1"/>
+          </a:effectRef>
+          <a:fontRef idx="minor">
+            <a:schemeClr val="dk1"/>
+          </a:fontRef>
+        </p:style>
+        <p:txBody>
+          <a:bodyPr vert="eaVert" rtlCol="0" anchor="ctr"/>
+          <a:p>
+            <a:pPr algn="ctr"/>
+            <a:r>
+              <a:rPr lang="en-US" altLang="zh-CN" sz="1200">
+                <a:latin typeface="微软雅黑" panose="020B0503020204020204" charset="-122"/>
+                <a:ea typeface="微软雅黑" panose="020B0503020204020204" charset="-122"/>
+              </a:rPr>
+              <a:t>App A</a:t>
+            </a:r>
+            <a:endParaRPr lang="en-US" altLang="zh-CN" sz="1200">
+              <a:latin typeface="微软雅黑" panose="020B0503020204020204" charset="-122"/>
+              <a:ea typeface="微软雅黑" panose="020B0503020204020204" charset="-122"/>
+            </a:endParaRPr>
+          </a:p>
+        </p:txBody>
+      </p:sp>
+      <p:sp>
+        <p:nvSpPr>
+          <p:cNvPr id="40" name="矩形 39"/>
+          <p:cNvSpPr/>
+          <p:nvPr/>
+        </p:nvSpPr>
+        <p:spPr>
+          <a:xfrm>
+            <a:off x="7452995" y="1483995"/>
+            <a:ext cx="352425" cy="1710690"/>
+          </a:xfrm>
+          <a:prstGeom prst="rect">
+            <a:avLst/>
+          </a:prstGeom>
+        </p:spPr>
+        <p:style>
+          <a:lnRef idx="1">
+            <a:schemeClr val="accent1"/>
+          </a:lnRef>
+          <a:fillRef idx="2">
+            <a:schemeClr val="accent1"/>
+          </a:fillRef>
+          <a:effectRef idx="1">
+            <a:schemeClr val="accent1"/>
+          </a:effectRef>
+          <a:fontRef idx="minor">
+            <a:schemeClr val="dk1"/>
+          </a:fontRef>
+        </p:style>
+        <p:txBody>
+          <a:bodyPr vert="eaVert" rtlCol="0" anchor="ctr"/>
+          <a:p>
+            <a:pPr algn="ctr"/>
+            <a:r>
+              <a:rPr lang="en-US" altLang="zh-CN" sz="1200">
+                <a:latin typeface="微软雅黑" panose="020B0503020204020204" charset="-122"/>
+                <a:ea typeface="微软雅黑" panose="020B0503020204020204" charset="-122"/>
+              </a:rPr>
+              <a:t>App B</a:t>
+            </a:r>
+            <a:endParaRPr lang="en-US" altLang="zh-CN" sz="1200">
+              <a:latin typeface="微软雅黑" panose="020B0503020204020204" charset="-122"/>
+              <a:ea typeface="微软雅黑" panose="020B0503020204020204" charset="-122"/>
+            </a:endParaRPr>
+          </a:p>
+        </p:txBody>
+      </p:sp>
+      <p:sp>
+        <p:nvSpPr>
+          <p:cNvPr id="41" name="矩形 40"/>
+          <p:cNvSpPr/>
+          <p:nvPr/>
+        </p:nvSpPr>
+        <p:spPr>
+          <a:xfrm>
+            <a:off x="7452995" y="3194685"/>
+            <a:ext cx="1455420" cy="306070"/>
+          </a:xfrm>
+          <a:prstGeom prst="rect">
+            <a:avLst/>
+          </a:prstGeom>
+        </p:spPr>
+        <p:style>
+          <a:lnRef idx="1">
+            <a:schemeClr val="accent1"/>
+          </a:lnRef>
+          <a:fillRef idx="2">
+            <a:schemeClr val="accent1"/>
+          </a:fillRef>
+          <a:effectRef idx="1">
+            <a:schemeClr val="accent1"/>
+          </a:effectRef>
+          <a:fontRef idx="minor">
+            <a:schemeClr val="dk1"/>
+          </a:fontRef>
+        </p:style>
+        <p:txBody>
+          <a:bodyPr rtlCol="0" anchor="ctr"/>
+          <a:p>
+            <a:pPr algn="ctr"/>
+            <a:r>
+              <a:rPr lang="en-US" altLang="zh-CN" sz="1200">
+                <a:latin typeface="微软雅黑" panose="020B0503020204020204" charset="-122"/>
+                <a:ea typeface="微软雅黑" panose="020B0503020204020204" charset="-122"/>
+              </a:rPr>
+              <a:t>Bins/Libs</a:t>
+            </a:r>
+            <a:endParaRPr lang="en-US" altLang="zh-CN" sz="1200">
+              <a:latin typeface="微软雅黑" panose="020B0503020204020204" charset="-122"/>
+              <a:ea typeface="微软雅黑" panose="020B0503020204020204" charset="-122"/>
+            </a:endParaRPr>
+          </a:p>
+        </p:txBody>
+      </p:sp>
+      <p:sp>
+        <p:nvSpPr>
+          <p:cNvPr id="42" name="矩形 41"/>
+          <p:cNvSpPr/>
+          <p:nvPr/>
+        </p:nvSpPr>
+        <p:spPr>
+          <a:xfrm>
+            <a:off x="8555990" y="1483995"/>
+            <a:ext cx="352425" cy="1710690"/>
+          </a:xfrm>
+          <a:prstGeom prst="rect">
+            <a:avLst/>
+          </a:prstGeom>
+        </p:spPr>
+        <p:style>
+          <a:lnRef idx="1">
+            <a:schemeClr val="accent1"/>
+          </a:lnRef>
+          <a:fillRef idx="2">
+            <a:schemeClr val="accent1"/>
+          </a:fillRef>
+          <a:effectRef idx="1">
+            <a:schemeClr val="accent1"/>
+          </a:effectRef>
+          <a:fontRef idx="minor">
+            <a:schemeClr val="dk1"/>
+          </a:fontRef>
+        </p:style>
+        <p:txBody>
+          <a:bodyPr vert="eaVert" rtlCol="0" anchor="ctr"/>
+          <a:p>
+            <a:pPr algn="ctr"/>
+            <a:r>
+              <a:rPr lang="en-US" altLang="zh-CN" sz="1200">
+                <a:latin typeface="微软雅黑" panose="020B0503020204020204" charset="-122"/>
+                <a:ea typeface="微软雅黑" panose="020B0503020204020204" charset="-122"/>
+              </a:rPr>
+              <a:t>App B</a:t>
+            </a:r>
+            <a:endParaRPr lang="en-US" altLang="zh-CN" sz="1200">
+              <a:latin typeface="微软雅黑" panose="020B0503020204020204" charset="-122"/>
+              <a:ea typeface="微软雅黑" panose="020B0503020204020204" charset="-122"/>
+            </a:endParaRPr>
+          </a:p>
+        </p:txBody>
+      </p:sp>
+      <p:sp>
+        <p:nvSpPr>
+          <p:cNvPr id="43" name="矩形 42"/>
+          <p:cNvSpPr/>
+          <p:nvPr/>
+        </p:nvSpPr>
+        <p:spPr>
+          <a:xfrm>
+            <a:off x="8004175" y="1483995"/>
+            <a:ext cx="352425" cy="1710690"/>
+          </a:xfrm>
+          <a:prstGeom prst="rect">
+            <a:avLst/>
+          </a:prstGeom>
+        </p:spPr>
+        <p:style>
+          <a:lnRef idx="1">
+            <a:schemeClr val="accent1"/>
+          </a:lnRef>
+          <a:fillRef idx="2">
+            <a:schemeClr val="accent1"/>
+          </a:fillRef>
+          <a:effectRef idx="1">
+            <a:schemeClr val="accent1"/>
+          </a:effectRef>
+          <a:fontRef idx="minor">
+            <a:schemeClr val="dk1"/>
+          </a:fontRef>
+        </p:style>
+        <p:txBody>
+          <a:bodyPr vert="eaVert" rtlCol="0" anchor="ctr"/>
+          <a:p>
+            <a:pPr algn="ctr"/>
+            <a:r>
+              <a:rPr lang="en-US" altLang="zh-CN" sz="1200">
+                <a:latin typeface="微软雅黑" panose="020B0503020204020204" charset="-122"/>
+                <a:ea typeface="微软雅黑" panose="020B0503020204020204" charset="-122"/>
+              </a:rPr>
+              <a:t>App B</a:t>
+            </a:r>
+            <a:endParaRPr lang="en-US" altLang="zh-CN" sz="1200">
+              <a:latin typeface="微软雅黑" panose="020B0503020204020204" charset="-122"/>
+              <a:ea typeface="微软雅黑" panose="020B0503020204020204" charset="-122"/>
+            </a:endParaRPr>
+          </a:p>
+        </p:txBody>
+      </p:sp>
+    </p:spTree>
+  </p:cSld>
+  <p:clrMapOvr>
+    <a:masterClrMapping/>
+  </p:clrMapOvr>
+</p:sld>
+</file>
+
+<file path=ppt/slides/slide3.xml><?xml version="1.0" encoding="utf-8"?>
+<p:sld xmlns:a="http://schemas.openxmlformats.org/drawingml/2006/main" xmlns:r="http://schemas.openxmlformats.org/officeDocument/2006/relationships" xmlns:p="http://schemas.openxmlformats.org/presentationml/2006/main">
+  <p:cSld>
+    <p:spTree>
+      <p:nvGrpSpPr>
+        <p:cNvPr id="1" name=""/>
+        <p:cNvGrpSpPr/>
+        <p:nvPr/>
+      </p:nvGrpSpPr>
+      <p:grpSpPr/>
+      <p:sp>
+        <p:nvSpPr>
+          <p:cNvPr id="4" name="矩形 3"/>
+          <p:cNvSpPr/>
+          <p:nvPr/>
+        </p:nvSpPr>
+        <p:spPr>
+          <a:xfrm>
+            <a:off x="2265045" y="1112520"/>
+            <a:ext cx="6762115" cy="4194175"/>
+          </a:xfrm>
+          <a:prstGeom prst="rect">
+            <a:avLst/>
+          </a:prstGeom>
+          <a:solidFill>
+            <a:schemeClr val="bg1">
+              <a:lumMod val="95000"/>
+            </a:schemeClr>
+          </a:solidFill>
+        </p:spPr>
+        <p:style>
+          <a:lnRef idx="1">
+            <a:schemeClr val="accent3"/>
+          </a:lnRef>
+          <a:fillRef idx="2">
+            <a:schemeClr val="accent3"/>
+          </a:fillRef>
+          <a:effectRef idx="1">
+            <a:schemeClr val="accent3"/>
+          </a:effectRef>
+          <a:fontRef idx="minor">
+            <a:schemeClr val="dk1"/>
+          </a:fontRef>
+        </p:style>
+        <p:txBody>
+          <a:bodyPr rtlCol="0" anchor="ctr"/>
+          <a:p>
+            <a:pPr algn="ctr"/>
+            <a:endParaRPr lang="zh-CN" altLang="en-US" sz="1200">
+              <a:latin typeface="微软雅黑" panose="020B0503020204020204" charset="-122"/>
+              <a:ea typeface="微软雅黑" panose="020B0503020204020204" charset="-122"/>
+            </a:endParaRPr>
+          </a:p>
+        </p:txBody>
+      </p:sp>
+      <p:sp>
+        <p:nvSpPr>
+          <p:cNvPr id="5" name="矩形 4"/>
+          <p:cNvSpPr/>
+          <p:nvPr/>
+        </p:nvSpPr>
+        <p:spPr>
+          <a:xfrm>
+            <a:off x="2823845" y="1312545"/>
+            <a:ext cx="1131570" cy="979170"/>
+          </a:xfrm>
+          <a:prstGeom prst="rect">
+            <a:avLst/>
+          </a:prstGeom>
+          <a:noFill/>
+          <a:ln>
+            <a:prstDash val="dash"/>
+          </a:ln>
+          <a:extLst>
+            <a:ext uri="{909E8E84-426E-40DD-AFC4-6F175D3DCCD1}">
+              <a14:hiddenFill xmlns:a14="http://schemas.microsoft.com/office/drawing/2010/main">
+                <a:gradFill rotWithShape="1">
+                  <a:gsLst>
+                    <a:gs pos="0">
+                      <a:schemeClr val="accent1">
+                        <a:lumMod val="110000"/>
+                        <a:satMod val="105000"/>
+                        <a:tint val="67000"/>
+                      </a:schemeClr>
+                    </a:gs>
+                    <a:gs pos="50000">
+                      <a:schemeClr val="accent1">
+                        <a:lumMod val="105000"/>
+                        <a:satMod val="103000"/>
+                        <a:tint val="73000"/>
+                      </a:schemeClr>
+                    </a:gs>
+                    <a:gs pos="100000">
+                      <a:schemeClr val="accent1">
+                        <a:lumMod val="105000"/>
+                        <a:satMod val="109000"/>
+                        <a:tint val="81000"/>
+                      </a:schemeClr>
+                    </a:gs>
+                  </a:gsLst>
+                  <a:lin ang="5400000" scaled="0"/>
+                </a:gradFill>
+              </a14:hiddenFill>
+            </a:ext>
+          </a:extLst>
+        </p:spPr>
+        <p:style>
+          <a:lnRef idx="1">
+            <a:schemeClr val="accent1"/>
+          </a:lnRef>
+          <a:fillRef idx="2">
+            <a:schemeClr val="accent1"/>
+          </a:fillRef>
+          <a:effectRef idx="1">
+            <a:schemeClr val="accent1"/>
+          </a:effectRef>
+          <a:fontRef idx="minor">
+            <a:schemeClr val="dk1"/>
+          </a:fontRef>
+        </p:style>
+        <p:txBody>
+          <a:bodyPr rtlCol="0" anchor="ctr"/>
+          <a:p>
+            <a:pPr algn="ctr"/>
+            <a:r>
+              <a:rPr lang="en-US" altLang="zh-CN" sz="1200">
+                <a:latin typeface="微软雅黑" panose="020B0503020204020204" charset="-122"/>
+                <a:ea typeface="微软雅黑" panose="020B0503020204020204" charset="-122"/>
+              </a:rPr>
+              <a:t>Resource</a:t>
+            </a:r>
+            <a:br>
+              <a:rPr lang="en-US" altLang="zh-CN" sz="1200">
+                <a:latin typeface="微软雅黑" panose="020B0503020204020204" charset="-122"/>
+                <a:ea typeface="微软雅黑" panose="020B0503020204020204" charset="-122"/>
+              </a:rPr>
+            </a:br>
+            <a:r>
+              <a:rPr lang="en-US" altLang="zh-CN" sz="1200">
+                <a:latin typeface="微软雅黑" panose="020B0503020204020204" charset="-122"/>
+                <a:ea typeface="微软雅黑" panose="020B0503020204020204" charset="-122"/>
+              </a:rPr>
+              <a:t>Owner</a:t>
+            </a:r>
+            <a:endParaRPr lang="en-US" altLang="zh-CN" sz="1200">
+              <a:latin typeface="微软雅黑" panose="020B0503020204020204" charset="-122"/>
+              <a:ea typeface="微软雅黑" panose="020B0503020204020204" charset="-122"/>
+            </a:endParaRPr>
+          </a:p>
+        </p:txBody>
+      </p:sp>
+      <p:sp>
+        <p:nvSpPr>
+          <p:cNvPr id="7" name="文本框 6"/>
+          <p:cNvSpPr txBox="1"/>
+          <p:nvPr/>
+        </p:nvSpPr>
+        <p:spPr>
+          <a:xfrm>
+            <a:off x="3460750" y="2785745"/>
+            <a:ext cx="1726565" cy="469900"/>
+          </a:xfrm>
+          <a:prstGeom prst="rect">
+            <a:avLst/>
+          </a:prstGeom>
+          <a:noFill/>
+        </p:spPr>
+        <p:txBody>
+          <a:bodyPr wrap="none" rtlCol="0">
+            <a:spAutoFit/>
+          </a:bodyPr>
+          <a:p>
+            <a:r>
+              <a:rPr lang="en-US" altLang="zh-CN" sz="1200">
+                <a:latin typeface="微软雅黑" panose="020B0503020204020204" charset="-122"/>
+                <a:ea typeface="微软雅黑" panose="020B0503020204020204" charset="-122"/>
+              </a:rPr>
+              <a:t>(A) Resource Owner</a:t>
+            </a:r>
+            <a:br>
+              <a:rPr lang="en-US" altLang="zh-CN" sz="1200">
+                <a:latin typeface="微软雅黑" panose="020B0503020204020204" charset="-122"/>
+                <a:ea typeface="微软雅黑" panose="020B0503020204020204" charset="-122"/>
+              </a:rPr>
+            </a:br>
+            <a:r>
+              <a:rPr lang="en-US" altLang="zh-CN" sz="1200">
+                <a:latin typeface="微软雅黑" panose="020B0503020204020204" charset="-122"/>
+                <a:ea typeface="微软雅黑" panose="020B0503020204020204" charset="-122"/>
+              </a:rPr>
+              <a:t>Password Credentials</a:t>
+            </a:r>
+            <a:endParaRPr lang="en-US" altLang="zh-CN" sz="1200">
+              <a:latin typeface="微软雅黑" panose="020B0503020204020204" charset="-122"/>
+              <a:ea typeface="微软雅黑" panose="020B0503020204020204" charset="-122"/>
+            </a:endParaRPr>
+          </a:p>
+        </p:txBody>
+      </p:sp>
+      <p:sp>
+        <p:nvSpPr>
+          <p:cNvPr id="8" name="矩形 7"/>
+          <p:cNvSpPr/>
+          <p:nvPr/>
+        </p:nvSpPr>
+        <p:spPr>
+          <a:xfrm>
+            <a:off x="2823845" y="3750310"/>
+            <a:ext cx="1131570" cy="1197610"/>
+          </a:xfrm>
+          <a:prstGeom prst="rect">
+            <a:avLst/>
+          </a:prstGeom>
+          <a:noFill/>
+          <a:ln>
+            <a:prstDash val="dash"/>
+          </a:ln>
+          <a:extLst>
+            <a:ext uri="{909E8E84-426E-40DD-AFC4-6F175D3DCCD1}">
+              <a14:hiddenFill xmlns:a14="http://schemas.microsoft.com/office/drawing/2010/main">
+                <a:gradFill rotWithShape="1">
+                  <a:gsLst>
+                    <a:gs pos="0">
+                      <a:schemeClr val="accent1">
+                        <a:lumMod val="110000"/>
+                        <a:satMod val="105000"/>
+                        <a:tint val="67000"/>
+                      </a:schemeClr>
+                    </a:gs>
+                    <a:gs pos="50000">
+                      <a:schemeClr val="accent1">
+                        <a:lumMod val="105000"/>
+                        <a:satMod val="103000"/>
+                        <a:tint val="73000"/>
+                      </a:schemeClr>
+                    </a:gs>
+                    <a:gs pos="100000">
+                      <a:schemeClr val="accent1">
+                        <a:lumMod val="105000"/>
+                        <a:satMod val="109000"/>
+                        <a:tint val="81000"/>
+                      </a:schemeClr>
+                    </a:gs>
+                  </a:gsLst>
+                  <a:lin ang="5400000" scaled="0"/>
+                </a:gradFill>
+              </a14:hiddenFill>
+            </a:ext>
+          </a:extLst>
+        </p:spPr>
+        <p:style>
+          <a:lnRef idx="1">
+            <a:schemeClr val="accent1"/>
+          </a:lnRef>
+          <a:fillRef idx="2">
+            <a:schemeClr val="accent1"/>
+          </a:fillRef>
+          <a:effectRef idx="1">
+            <a:schemeClr val="accent1"/>
+          </a:effectRef>
+          <a:fontRef idx="minor">
+            <a:schemeClr val="dk1"/>
+          </a:fontRef>
+        </p:style>
+        <p:txBody>
+          <a:bodyPr rtlCol="0" anchor="ctr"/>
+          <a:p>
+            <a:pPr algn="ctr"/>
+            <a:r>
+              <a:rPr lang="en-US" altLang="zh-CN" sz="1200">
+                <a:latin typeface="微软雅黑" panose="020B0503020204020204" charset="-122"/>
+                <a:ea typeface="微软雅黑" panose="020B0503020204020204" charset="-122"/>
+              </a:rPr>
+              <a:t>Client</a:t>
+            </a:r>
+            <a:endParaRPr lang="en-US" altLang="zh-CN" sz="1200">
+              <a:latin typeface="微软雅黑" panose="020B0503020204020204" charset="-122"/>
+              <a:ea typeface="微软雅黑" panose="020B0503020204020204" charset="-122"/>
+            </a:endParaRPr>
+          </a:p>
+        </p:txBody>
+      </p:sp>
+      <p:sp>
+        <p:nvSpPr>
+          <p:cNvPr id="9" name="矩形 8"/>
+          <p:cNvSpPr/>
+          <p:nvPr/>
+        </p:nvSpPr>
+        <p:spPr>
+          <a:xfrm>
+            <a:off x="7334885" y="3750310"/>
+            <a:ext cx="1131570" cy="1197610"/>
+          </a:xfrm>
+          <a:prstGeom prst="rect">
+            <a:avLst/>
+          </a:prstGeom>
+          <a:noFill/>
+          <a:ln>
+            <a:prstDash val="dash"/>
+          </a:ln>
+          <a:extLst>
+            <a:ext uri="{909E8E84-426E-40DD-AFC4-6F175D3DCCD1}">
+              <a14:hiddenFill xmlns:a14="http://schemas.microsoft.com/office/drawing/2010/main">
+                <a:gradFill rotWithShape="1">
+                  <a:gsLst>
+                    <a:gs pos="0">
+                      <a:schemeClr val="accent1">
+                        <a:lumMod val="110000"/>
+                        <a:satMod val="105000"/>
+                        <a:tint val="67000"/>
+                      </a:schemeClr>
+                    </a:gs>
+                    <a:gs pos="50000">
+                      <a:schemeClr val="accent1">
+                        <a:lumMod val="105000"/>
+                        <a:satMod val="103000"/>
+                        <a:tint val="73000"/>
+                      </a:schemeClr>
+                    </a:gs>
+                    <a:gs pos="100000">
+                      <a:schemeClr val="accent1">
+                        <a:lumMod val="105000"/>
+                        <a:satMod val="109000"/>
+                        <a:tint val="81000"/>
+                      </a:schemeClr>
+                    </a:gs>
+                  </a:gsLst>
+                  <a:lin ang="5400000" scaled="0"/>
+                </a:gradFill>
+              </a14:hiddenFill>
+            </a:ext>
+          </a:extLst>
+        </p:spPr>
+        <p:style>
+          <a:lnRef idx="1">
+            <a:schemeClr val="accent1"/>
+          </a:lnRef>
+          <a:fillRef idx="2">
+            <a:schemeClr val="accent1"/>
+          </a:fillRef>
+          <a:effectRef idx="1">
+            <a:schemeClr val="accent1"/>
+          </a:effectRef>
+          <a:fontRef idx="minor">
+            <a:schemeClr val="dk1"/>
+          </a:fontRef>
+        </p:style>
+        <p:txBody>
+          <a:bodyPr rtlCol="0" anchor="ctr"/>
+          <a:p>
+            <a:pPr algn="ctr"/>
+            <a:r>
+              <a:rPr lang="en-US" altLang="zh-CN" sz="1200">
+                <a:latin typeface="微软雅黑" panose="020B0503020204020204" charset="-122"/>
+                <a:ea typeface="微软雅黑" panose="020B0503020204020204" charset="-122"/>
+              </a:rPr>
+              <a:t>Auth</a:t>
+            </a:r>
+            <a:br>
+              <a:rPr lang="en-US" altLang="zh-CN" sz="1200">
+                <a:latin typeface="微软雅黑" panose="020B0503020204020204" charset="-122"/>
+                <a:ea typeface="微软雅黑" panose="020B0503020204020204" charset="-122"/>
+              </a:rPr>
+            </a:br>
+            <a:r>
+              <a:rPr lang="en-US" altLang="zh-CN" sz="1200">
+                <a:latin typeface="微软雅黑" panose="020B0503020204020204" charset="-122"/>
+                <a:ea typeface="微软雅黑" panose="020B0503020204020204" charset="-122"/>
+              </a:rPr>
+              <a:t>Server</a:t>
+            </a:r>
+            <a:endParaRPr lang="en-US" altLang="zh-CN" sz="1200">
+              <a:latin typeface="微软雅黑" panose="020B0503020204020204" charset="-122"/>
+              <a:ea typeface="微软雅黑" panose="020B0503020204020204" charset="-122"/>
+            </a:endParaRPr>
+          </a:p>
+        </p:txBody>
+      </p:sp>
+      <p:cxnSp>
+        <p:nvCxnSpPr>
+          <p:cNvPr id="10" name="直接箭头连接符 9"/>
+          <p:cNvCxnSpPr>
+            <a:stCxn id="5" idx="2"/>
+            <a:endCxn id="8" idx="0"/>
+          </p:cNvCxnSpPr>
+          <p:nvPr/>
+        </p:nvCxnSpPr>
+        <p:spPr>
+          <a:xfrm>
+            <a:off x="3389630" y="2291715"/>
+            <a:ext cx="0" cy="1458595"/>
+          </a:xfrm>
+          <a:prstGeom prst="straightConnector1">
+            <a:avLst/>
+          </a:prstGeom>
+          <a:ln>
+            <a:solidFill>
+              <a:schemeClr val="accent1"/>
+            </a:solidFill>
+            <a:headEnd type="diamond" w="med" len="med"/>
+            <a:tailEnd type="triangle" w="med" len="med"/>
+          </a:ln>
+        </p:spPr>
+        <p:style>
+          <a:lnRef idx="1">
+            <a:schemeClr val="accent1"/>
+          </a:lnRef>
+          <a:fillRef idx="0">
+            <a:schemeClr val="accent1"/>
+          </a:fillRef>
+          <a:effectRef idx="0">
+            <a:schemeClr val="accent1"/>
+          </a:effectRef>
+          <a:fontRef idx="minor">
+            <a:schemeClr val="tx1"/>
+          </a:fontRef>
+        </p:style>
+      </p:cxnSp>
+      <p:cxnSp>
+        <p:nvCxnSpPr>
+          <p:cNvPr id="11" name="直接箭头连接符 10"/>
+          <p:cNvCxnSpPr/>
+          <p:nvPr/>
+        </p:nvCxnSpPr>
+        <p:spPr>
+          <a:xfrm>
+            <a:off x="3955415" y="4100195"/>
+            <a:ext cx="3379470" cy="0"/>
+          </a:xfrm>
+          <a:prstGeom prst="straightConnector1">
+            <a:avLst/>
+          </a:prstGeom>
+          <a:ln cap="sq">
+            <a:bevel/>
+            <a:headEnd type="diamond" w="med" len="med"/>
+            <a:tailEnd type="triangle" w="med" len="med"/>
+          </a:ln>
+        </p:spPr>
+        <p:style>
+          <a:lnRef idx="1">
+            <a:schemeClr val="accent1"/>
+          </a:lnRef>
+          <a:fillRef idx="0">
+            <a:schemeClr val="accent1"/>
+          </a:fillRef>
+          <a:effectRef idx="0">
+            <a:schemeClr val="accent1"/>
+          </a:effectRef>
+          <a:fontRef idx="minor">
+            <a:schemeClr val="tx1"/>
+          </a:fontRef>
+        </p:style>
+      </p:cxnSp>
+      <p:cxnSp>
+        <p:nvCxnSpPr>
+          <p:cNvPr id="12" name="直接箭头连接符 11"/>
+          <p:cNvCxnSpPr/>
+          <p:nvPr/>
+        </p:nvCxnSpPr>
+        <p:spPr>
+          <a:xfrm flipH="1">
+            <a:off x="3955415" y="4589145"/>
+            <a:ext cx="3379470" cy="0"/>
+          </a:xfrm>
+          <a:prstGeom prst="straightConnector1">
+            <a:avLst/>
+          </a:prstGeom>
+          <a:ln>
+            <a:headEnd type="diamond" w="med" len="med"/>
+            <a:tailEnd type="triangle" w="med" len="med"/>
+          </a:ln>
+        </p:spPr>
+        <p:style>
+          <a:lnRef idx="1">
+            <a:schemeClr val="accent1"/>
+          </a:lnRef>
+          <a:fillRef idx="0">
+            <a:schemeClr val="accent1"/>
+          </a:fillRef>
+          <a:effectRef idx="0">
+            <a:schemeClr val="accent1"/>
+          </a:effectRef>
+          <a:fontRef idx="minor">
+            <a:schemeClr val="tx1"/>
+          </a:fontRef>
+        </p:style>
+      </p:cxnSp>
+      <p:sp>
+        <p:nvSpPr>
+          <p:cNvPr id="13" name="文本框 12"/>
+          <p:cNvSpPr txBox="1"/>
+          <p:nvPr/>
+        </p:nvSpPr>
+        <p:spPr>
+          <a:xfrm>
+            <a:off x="4782185" y="3569970"/>
+            <a:ext cx="1726565" cy="469900"/>
+          </a:xfrm>
+          <a:prstGeom prst="rect">
+            <a:avLst/>
+          </a:prstGeom>
+          <a:noFill/>
+        </p:spPr>
+        <p:txBody>
+          <a:bodyPr wrap="none" rtlCol="0">
+            <a:spAutoFit/>
+          </a:bodyPr>
+          <a:p>
+            <a:r>
+              <a:rPr lang="en-US" altLang="zh-CN" sz="1200">
+                <a:latin typeface="微软雅黑" panose="020B0503020204020204" charset="-122"/>
+                <a:ea typeface="微软雅黑" panose="020B0503020204020204" charset="-122"/>
+              </a:rPr>
+              <a:t>(B) Resource Owner</a:t>
+            </a:r>
+            <a:br>
+              <a:rPr lang="en-US" altLang="zh-CN" sz="1200">
+                <a:latin typeface="微软雅黑" panose="020B0503020204020204" charset="-122"/>
+                <a:ea typeface="微软雅黑" panose="020B0503020204020204" charset="-122"/>
+              </a:rPr>
+            </a:br>
+            <a:r>
+              <a:rPr lang="en-US" altLang="zh-CN" sz="1200">
+                <a:latin typeface="微软雅黑" panose="020B0503020204020204" charset="-122"/>
+                <a:ea typeface="微软雅黑" panose="020B0503020204020204" charset="-122"/>
+              </a:rPr>
+              <a:t>Password Credentials</a:t>
+            </a:r>
+            <a:endParaRPr lang="en-US" altLang="zh-CN" sz="1200">
+              <a:latin typeface="微软雅黑" panose="020B0503020204020204" charset="-122"/>
+              <a:ea typeface="微软雅黑" panose="020B0503020204020204" charset="-122"/>
+            </a:endParaRPr>
+          </a:p>
+        </p:txBody>
+      </p:sp>
+      <p:sp>
+        <p:nvSpPr>
+          <p:cNvPr id="14" name="文本框 13"/>
+          <p:cNvSpPr txBox="1"/>
+          <p:nvPr/>
+        </p:nvSpPr>
+        <p:spPr>
+          <a:xfrm>
+            <a:off x="4697730" y="4606925"/>
+            <a:ext cx="1896110" cy="469900"/>
+          </a:xfrm>
+          <a:prstGeom prst="rect">
+            <a:avLst/>
+          </a:prstGeom>
+          <a:noFill/>
+        </p:spPr>
+        <p:txBody>
+          <a:bodyPr wrap="none" rtlCol="0">
+            <a:spAutoFit/>
+          </a:bodyPr>
+          <a:p>
+            <a:r>
+              <a:rPr lang="en-US" altLang="zh-CN" sz="1200">
+                <a:latin typeface="微软雅黑" panose="020B0503020204020204" charset="-122"/>
+                <a:ea typeface="微软雅黑" panose="020B0503020204020204" charset="-122"/>
+              </a:rPr>
+              <a:t>(C) Access Token</a:t>
+            </a:r>
+            <a:br>
+              <a:rPr lang="en-US" altLang="zh-CN" sz="1200">
+                <a:latin typeface="微软雅黑" panose="020B0503020204020204" charset="-122"/>
+                <a:ea typeface="微软雅黑" panose="020B0503020204020204" charset="-122"/>
+              </a:rPr>
+            </a:br>
+            <a:r>
+              <a:rPr lang="en-US" altLang="zh-CN" sz="1200">
+                <a:latin typeface="微软雅黑" panose="020B0503020204020204" charset="-122"/>
+                <a:ea typeface="微软雅黑" panose="020B0503020204020204" charset="-122"/>
+              </a:rPr>
+              <a:t>(optional refresh token)</a:t>
+            </a:r>
+            <a:endParaRPr lang="en-US" altLang="zh-CN" sz="1200">
+              <a:latin typeface="微软雅黑" panose="020B0503020204020204" charset="-122"/>
+              <a:ea typeface="微软雅黑" panose="020B0503020204020204" charset="-122"/>
+            </a:endParaRPr>
+          </a:p>
+        </p:txBody>
+      </p:sp>
+    </p:spTree>
+  </p:cSld>
+  <p:clrMapOvr>
+    <a:masterClrMapping/>
+  </p:clrMapOvr>
+</p:sld>
+</file>
+
+<file path=ppt/slides/slide4.xml><?xml version="1.0" encoding="utf-8"?>
+<p:sld xmlns:a="http://schemas.openxmlformats.org/drawingml/2006/main" xmlns:r="http://schemas.openxmlformats.org/officeDocument/2006/relationships" xmlns:p="http://schemas.openxmlformats.org/presentationml/2006/main">
+  <p:cSld>
+    <p:spTree>
+      <p:nvGrpSpPr>
+        <p:cNvPr id="1" name=""/>
+        <p:cNvGrpSpPr/>
+        <p:nvPr/>
+      </p:nvGrpSpPr>
+      <p:grpSpPr/>
+      <p:sp>
+        <p:nvSpPr>
+          <p:cNvPr id="4" name="矩形 3"/>
+          <p:cNvSpPr/>
+          <p:nvPr/>
+        </p:nvSpPr>
+        <p:spPr>
+          <a:xfrm>
+            <a:off x="2265045" y="1112520"/>
+            <a:ext cx="6762115" cy="4194175"/>
+          </a:xfrm>
+          <a:prstGeom prst="rect">
+            <a:avLst/>
+          </a:prstGeom>
+          <a:solidFill>
+            <a:schemeClr val="bg1">
+              <a:lumMod val="95000"/>
+            </a:schemeClr>
+          </a:solidFill>
+        </p:spPr>
+        <p:style>
+          <a:lnRef idx="1">
+            <a:schemeClr val="accent3"/>
+          </a:lnRef>
+          <a:fillRef idx="2">
+            <a:schemeClr val="accent3"/>
+          </a:fillRef>
+          <a:effectRef idx="1">
+            <a:schemeClr val="accent3"/>
+          </a:effectRef>
+          <a:fontRef idx="minor">
+            <a:schemeClr val="dk1"/>
+          </a:fontRef>
+        </p:style>
+        <p:txBody>
+          <a:bodyPr rtlCol="0" anchor="ctr"/>
+          <a:p>
+            <a:pPr algn="ctr"/>
+            <a:endParaRPr lang="zh-CN" altLang="en-US" sz="1200">
+              <a:latin typeface="微软雅黑" panose="020B0503020204020204" charset="-122"/>
+              <a:ea typeface="微软雅黑" panose="020B0503020204020204" charset="-122"/>
+            </a:endParaRPr>
+          </a:p>
+        </p:txBody>
+      </p:sp>
+      <p:sp>
+        <p:nvSpPr>
+          <p:cNvPr id="5" name="矩形 4"/>
+          <p:cNvSpPr/>
+          <p:nvPr/>
+        </p:nvSpPr>
+        <p:spPr>
+          <a:xfrm>
+            <a:off x="2823845" y="1312545"/>
+            <a:ext cx="1131570" cy="979170"/>
+          </a:xfrm>
+          <a:prstGeom prst="rect">
+            <a:avLst/>
+          </a:prstGeom>
+          <a:noFill/>
+          <a:ln>
+            <a:prstDash val="dash"/>
+          </a:ln>
+          <a:extLst>
+            <a:ext uri="{909E8E84-426E-40DD-AFC4-6F175D3DCCD1}">
+              <a14:hiddenFill xmlns:a14="http://schemas.microsoft.com/office/drawing/2010/main">
+                <a:gradFill rotWithShape="1">
+                  <a:gsLst>
+                    <a:gs pos="0">
+                      <a:schemeClr val="accent1">
+                        <a:lumMod val="110000"/>
+                        <a:satMod val="105000"/>
+                        <a:tint val="67000"/>
+                      </a:schemeClr>
+                    </a:gs>
+                    <a:gs pos="50000">
+                      <a:schemeClr val="accent1">
+                        <a:lumMod val="105000"/>
+                        <a:satMod val="103000"/>
+                        <a:tint val="73000"/>
+                      </a:schemeClr>
+                    </a:gs>
+                    <a:gs pos="100000">
+                      <a:schemeClr val="accent1">
+                        <a:lumMod val="105000"/>
+                        <a:satMod val="109000"/>
+                        <a:tint val="81000"/>
+                      </a:schemeClr>
+                    </a:gs>
+                  </a:gsLst>
+                  <a:lin ang="5400000" scaled="0"/>
+                </a:gradFill>
+              </a14:hiddenFill>
+            </a:ext>
+          </a:extLst>
+        </p:spPr>
+        <p:style>
+          <a:lnRef idx="1">
+            <a:schemeClr val="accent1"/>
+          </a:lnRef>
+          <a:fillRef idx="2">
+            <a:schemeClr val="accent1"/>
+          </a:fillRef>
+          <a:effectRef idx="1">
+            <a:schemeClr val="accent1"/>
+          </a:effectRef>
+          <a:fontRef idx="minor">
+            <a:schemeClr val="dk1"/>
+          </a:fontRef>
+        </p:style>
+        <p:txBody>
+          <a:bodyPr rtlCol="0" anchor="ctr"/>
+          <a:p>
+            <a:pPr algn="ctr"/>
+            <a:r>
+              <a:rPr lang="en-US" altLang="zh-CN" sz="1200">
+                <a:latin typeface="微软雅黑" panose="020B0503020204020204" charset="-122"/>
+                <a:ea typeface="微软雅黑" panose="020B0503020204020204" charset="-122"/>
+              </a:rPr>
+              <a:t>Resource</a:t>
+            </a:r>
+            <a:br>
+              <a:rPr lang="en-US" altLang="zh-CN" sz="1200">
+                <a:latin typeface="微软雅黑" panose="020B0503020204020204" charset="-122"/>
+                <a:ea typeface="微软雅黑" panose="020B0503020204020204" charset="-122"/>
+              </a:rPr>
+            </a:br>
+            <a:r>
+              <a:rPr lang="en-US" altLang="zh-CN" sz="1200">
+                <a:latin typeface="微软雅黑" panose="020B0503020204020204" charset="-122"/>
+                <a:ea typeface="微软雅黑" panose="020B0503020204020204" charset="-122"/>
+              </a:rPr>
+              <a:t>Owner</a:t>
+            </a:r>
+            <a:endParaRPr lang="en-US" altLang="zh-CN" sz="1200">
+              <a:latin typeface="微软雅黑" panose="020B0503020204020204" charset="-122"/>
+              <a:ea typeface="微软雅黑" panose="020B0503020204020204" charset="-122"/>
+            </a:endParaRPr>
+          </a:p>
+        </p:txBody>
+      </p:sp>
+      <p:sp>
+        <p:nvSpPr>
+          <p:cNvPr id="7" name="文本框 6"/>
+          <p:cNvSpPr txBox="1"/>
+          <p:nvPr/>
+        </p:nvSpPr>
+        <p:spPr>
+          <a:xfrm>
+            <a:off x="3460750" y="2785745"/>
+            <a:ext cx="1726565" cy="469900"/>
+          </a:xfrm>
+          <a:prstGeom prst="rect">
+            <a:avLst/>
+          </a:prstGeom>
+          <a:noFill/>
+        </p:spPr>
+        <p:txBody>
+          <a:bodyPr wrap="none" rtlCol="0">
+            <a:spAutoFit/>
+          </a:bodyPr>
+          <a:p>
+            <a:r>
+              <a:rPr lang="en-US" altLang="zh-CN" sz="1200">
+                <a:latin typeface="微软雅黑" panose="020B0503020204020204" charset="-122"/>
+                <a:ea typeface="微软雅黑" panose="020B0503020204020204" charset="-122"/>
+              </a:rPr>
+              <a:t>(A) Resource Owner</a:t>
+            </a:r>
+            <a:br>
+              <a:rPr lang="en-US" altLang="zh-CN" sz="1200">
+                <a:latin typeface="微软雅黑" panose="020B0503020204020204" charset="-122"/>
+                <a:ea typeface="微软雅黑" panose="020B0503020204020204" charset="-122"/>
+              </a:rPr>
+            </a:br>
+            <a:r>
+              <a:rPr lang="en-US" altLang="zh-CN" sz="1200">
+                <a:latin typeface="微软雅黑" panose="020B0503020204020204" charset="-122"/>
+                <a:ea typeface="微软雅黑" panose="020B0503020204020204" charset="-122"/>
+              </a:rPr>
+              <a:t>Password Credentials</a:t>
+            </a:r>
+            <a:endParaRPr lang="en-US" altLang="zh-CN" sz="1200">
+              <a:latin typeface="微软雅黑" panose="020B0503020204020204" charset="-122"/>
+              <a:ea typeface="微软雅黑" panose="020B0503020204020204" charset="-122"/>
+            </a:endParaRPr>
+          </a:p>
+        </p:txBody>
+      </p:sp>
+      <p:sp>
+        <p:nvSpPr>
+          <p:cNvPr id="8" name="矩形 7"/>
+          <p:cNvSpPr/>
+          <p:nvPr/>
+        </p:nvSpPr>
+        <p:spPr>
+          <a:xfrm>
+            <a:off x="2823845" y="3750310"/>
+            <a:ext cx="1131570" cy="1197610"/>
+          </a:xfrm>
+          <a:prstGeom prst="rect">
+            <a:avLst/>
+          </a:prstGeom>
+          <a:noFill/>
+          <a:ln>
+            <a:prstDash val="dash"/>
+          </a:ln>
+          <a:extLst>
+            <a:ext uri="{909E8E84-426E-40DD-AFC4-6F175D3DCCD1}">
+              <a14:hiddenFill xmlns:a14="http://schemas.microsoft.com/office/drawing/2010/main">
+                <a:gradFill rotWithShape="1">
+                  <a:gsLst>
+                    <a:gs pos="0">
+                      <a:schemeClr val="accent1">
+                        <a:lumMod val="110000"/>
+                        <a:satMod val="105000"/>
+                        <a:tint val="67000"/>
+                      </a:schemeClr>
+                    </a:gs>
+                    <a:gs pos="50000">
+                      <a:schemeClr val="accent1">
+                        <a:lumMod val="105000"/>
+                        <a:satMod val="103000"/>
+                        <a:tint val="73000"/>
+                      </a:schemeClr>
+                    </a:gs>
+                    <a:gs pos="100000">
+                      <a:schemeClr val="accent1">
+                        <a:lumMod val="105000"/>
+                        <a:satMod val="109000"/>
+                        <a:tint val="81000"/>
+                      </a:schemeClr>
+                    </a:gs>
+                  </a:gsLst>
+                  <a:lin ang="5400000" scaled="0"/>
+                </a:gradFill>
+              </a14:hiddenFill>
+            </a:ext>
+          </a:extLst>
+        </p:spPr>
+        <p:style>
+          <a:lnRef idx="1">
+            <a:schemeClr val="accent1"/>
+          </a:lnRef>
+          <a:fillRef idx="2">
+            <a:schemeClr val="accent1"/>
+          </a:fillRef>
+          <a:effectRef idx="1">
+            <a:schemeClr val="accent1"/>
+          </a:effectRef>
+          <a:fontRef idx="minor">
+            <a:schemeClr val="dk1"/>
+          </a:fontRef>
+        </p:style>
+        <p:txBody>
+          <a:bodyPr rtlCol="0" anchor="ctr"/>
+          <a:p>
+            <a:pPr algn="ctr"/>
+            <a:r>
+              <a:rPr lang="en-US" altLang="zh-CN" sz="1200">
+                <a:latin typeface="微软雅黑" panose="020B0503020204020204" charset="-122"/>
+                <a:ea typeface="微软雅黑" panose="020B0503020204020204" charset="-122"/>
+              </a:rPr>
+              <a:t>Client</a:t>
+            </a:r>
+            <a:endParaRPr lang="en-US" altLang="zh-CN" sz="1200">
+              <a:latin typeface="微软雅黑" panose="020B0503020204020204" charset="-122"/>
+              <a:ea typeface="微软雅黑" panose="020B0503020204020204" charset="-122"/>
+            </a:endParaRPr>
+          </a:p>
+        </p:txBody>
+      </p:sp>
+      <p:sp>
+        <p:nvSpPr>
+          <p:cNvPr id="9" name="矩形 8"/>
+          <p:cNvSpPr/>
+          <p:nvPr/>
+        </p:nvSpPr>
+        <p:spPr>
+          <a:xfrm>
+            <a:off x="7334885" y="3750310"/>
+            <a:ext cx="1131570" cy="1197610"/>
+          </a:xfrm>
+          <a:prstGeom prst="rect">
+            <a:avLst/>
+          </a:prstGeom>
+          <a:noFill/>
+          <a:ln>
+            <a:prstDash val="dash"/>
+          </a:ln>
+          <a:extLst>
+            <a:ext uri="{909E8E84-426E-40DD-AFC4-6F175D3DCCD1}">
+              <a14:hiddenFill xmlns:a14="http://schemas.microsoft.com/office/drawing/2010/main">
+                <a:gradFill rotWithShape="1">
+                  <a:gsLst>
+                    <a:gs pos="0">
+                      <a:schemeClr val="accent1">
+                        <a:lumMod val="110000"/>
+                        <a:satMod val="105000"/>
+                        <a:tint val="67000"/>
+                      </a:schemeClr>
+                    </a:gs>
+                    <a:gs pos="50000">
+                      <a:schemeClr val="accent1">
+                        <a:lumMod val="105000"/>
+                        <a:satMod val="103000"/>
+                        <a:tint val="73000"/>
+                      </a:schemeClr>
+                    </a:gs>
+                    <a:gs pos="100000">
+                      <a:schemeClr val="accent1">
+                        <a:lumMod val="105000"/>
+                        <a:satMod val="109000"/>
+                        <a:tint val="81000"/>
+                      </a:schemeClr>
+                    </a:gs>
+                  </a:gsLst>
+                  <a:lin ang="5400000" scaled="0"/>
+                </a:gradFill>
+              </a14:hiddenFill>
+            </a:ext>
+          </a:extLst>
+        </p:spPr>
+        <p:style>
+          <a:lnRef idx="1">
+            <a:schemeClr val="accent1"/>
+          </a:lnRef>
+          <a:fillRef idx="2">
+            <a:schemeClr val="accent1"/>
+          </a:fillRef>
+          <a:effectRef idx="1">
+            <a:schemeClr val="accent1"/>
+          </a:effectRef>
+          <a:fontRef idx="minor">
+            <a:schemeClr val="dk1"/>
+          </a:fontRef>
+        </p:style>
+        <p:txBody>
+          <a:bodyPr rtlCol="0" anchor="ctr"/>
+          <a:p>
+            <a:pPr algn="ctr"/>
+            <a:r>
+              <a:rPr lang="en-US" altLang="zh-CN" sz="1200">
+                <a:latin typeface="微软雅黑" panose="020B0503020204020204" charset="-122"/>
+                <a:ea typeface="微软雅黑" panose="020B0503020204020204" charset="-122"/>
+              </a:rPr>
+              <a:t>Auth</a:t>
+            </a:r>
+            <a:br>
+              <a:rPr lang="en-US" altLang="zh-CN" sz="1200">
+                <a:latin typeface="微软雅黑" panose="020B0503020204020204" charset="-122"/>
+                <a:ea typeface="微软雅黑" panose="020B0503020204020204" charset="-122"/>
+              </a:rPr>
+            </a:br>
+            <a:r>
+              <a:rPr lang="en-US" altLang="zh-CN" sz="1200">
+                <a:latin typeface="微软雅黑" panose="020B0503020204020204" charset="-122"/>
+                <a:ea typeface="微软雅黑" panose="020B0503020204020204" charset="-122"/>
+              </a:rPr>
+              <a:t>Server</a:t>
+            </a:r>
+            <a:endParaRPr lang="en-US" altLang="zh-CN" sz="1200">
+              <a:latin typeface="微软雅黑" panose="020B0503020204020204" charset="-122"/>
+              <a:ea typeface="微软雅黑" panose="020B0503020204020204" charset="-122"/>
+            </a:endParaRPr>
+          </a:p>
+        </p:txBody>
+      </p:sp>
+      <p:cxnSp>
+        <p:nvCxnSpPr>
+          <p:cNvPr id="10" name="直接箭头连接符 9"/>
+          <p:cNvCxnSpPr>
+            <a:stCxn id="5" idx="2"/>
+            <a:endCxn id="8" idx="0"/>
+          </p:cNvCxnSpPr>
+          <p:nvPr/>
+        </p:nvCxnSpPr>
+        <p:spPr>
+          <a:xfrm>
+            <a:off x="3389630" y="2291715"/>
+            <a:ext cx="0" cy="1458595"/>
+          </a:xfrm>
+          <a:prstGeom prst="straightConnector1">
+            <a:avLst/>
+          </a:prstGeom>
+          <a:ln>
+            <a:solidFill>
+              <a:schemeClr val="accent1"/>
+            </a:solidFill>
+            <a:headEnd type="diamond" w="med" len="med"/>
+            <a:tailEnd type="triangle" w="med" len="med"/>
+          </a:ln>
+        </p:spPr>
+        <p:style>
+          <a:lnRef idx="1">
+            <a:schemeClr val="accent1"/>
+          </a:lnRef>
+          <a:fillRef idx="0">
+            <a:schemeClr val="accent1"/>
+          </a:fillRef>
+          <a:effectRef idx="0">
+            <a:schemeClr val="accent1"/>
+          </a:effectRef>
+          <a:fontRef idx="minor">
+            <a:schemeClr val="tx1"/>
+          </a:fontRef>
+        </p:style>
+      </p:cxnSp>
+      <p:cxnSp>
+        <p:nvCxnSpPr>
+          <p:cNvPr id="11" name="直接箭头连接符 10"/>
+          <p:cNvCxnSpPr/>
+          <p:nvPr/>
+        </p:nvCxnSpPr>
+        <p:spPr>
+          <a:xfrm>
+            <a:off x="3955415" y="4100195"/>
+            <a:ext cx="3379470" cy="0"/>
+          </a:xfrm>
+          <a:prstGeom prst="straightConnector1">
+            <a:avLst/>
+          </a:prstGeom>
+          <a:ln cap="sq">
+            <a:bevel/>
+            <a:headEnd type="diamond" w="med" len="med"/>
+            <a:tailEnd type="triangle" w="med" len="med"/>
+          </a:ln>
+        </p:spPr>
+        <p:style>
+          <a:lnRef idx="1">
+            <a:schemeClr val="accent1"/>
+          </a:lnRef>
+          <a:fillRef idx="0">
+            <a:schemeClr val="accent1"/>
+          </a:fillRef>
+          <a:effectRef idx="0">
+            <a:schemeClr val="accent1"/>
+          </a:effectRef>
+          <a:fontRef idx="minor">
+            <a:schemeClr val="tx1"/>
+          </a:fontRef>
+        </p:style>
+      </p:cxnSp>
+      <p:cxnSp>
+        <p:nvCxnSpPr>
+          <p:cNvPr id="12" name="直接箭头连接符 11"/>
+          <p:cNvCxnSpPr/>
+          <p:nvPr/>
+        </p:nvCxnSpPr>
+        <p:spPr>
+          <a:xfrm flipH="1">
+            <a:off x="3955415" y="4589145"/>
+            <a:ext cx="3379470" cy="0"/>
+          </a:xfrm>
+          <a:prstGeom prst="straightConnector1">
+            <a:avLst/>
+          </a:prstGeom>
+          <a:ln>
+            <a:headEnd type="diamond" w="med" len="med"/>
+            <a:tailEnd type="triangle" w="med" len="med"/>
+          </a:ln>
+        </p:spPr>
+        <p:style>
+          <a:lnRef idx="1">
+            <a:schemeClr val="accent1"/>
+          </a:lnRef>
+          <a:fillRef idx="0">
+            <a:schemeClr val="accent1"/>
+          </a:fillRef>
+          <a:effectRef idx="0">
+            <a:schemeClr val="accent1"/>
+          </a:effectRef>
+          <a:fontRef idx="minor">
+            <a:schemeClr val="tx1"/>
+          </a:fontRef>
+        </p:style>
+      </p:cxnSp>
+      <p:sp>
+        <p:nvSpPr>
+          <p:cNvPr id="13" name="文本框 12"/>
+          <p:cNvSpPr txBox="1"/>
+          <p:nvPr/>
+        </p:nvSpPr>
+        <p:spPr>
+          <a:xfrm>
+            <a:off x="4782185" y="3569970"/>
+            <a:ext cx="1726565" cy="469900"/>
+          </a:xfrm>
+          <a:prstGeom prst="rect">
+            <a:avLst/>
+          </a:prstGeom>
+          <a:noFill/>
+        </p:spPr>
+        <p:txBody>
+          <a:bodyPr wrap="none" rtlCol="0">
+            <a:spAutoFit/>
+          </a:bodyPr>
+          <a:p>
+            <a:r>
+              <a:rPr lang="en-US" altLang="zh-CN" sz="1200">
+                <a:latin typeface="微软雅黑" panose="020B0503020204020204" charset="-122"/>
+                <a:ea typeface="微软雅黑" panose="020B0503020204020204" charset="-122"/>
+              </a:rPr>
+              <a:t>(B) Resource Owner</a:t>
+            </a:r>
+            <a:br>
+              <a:rPr lang="en-US" altLang="zh-CN" sz="1200">
+                <a:latin typeface="微软雅黑" panose="020B0503020204020204" charset="-122"/>
+                <a:ea typeface="微软雅黑" panose="020B0503020204020204" charset="-122"/>
+              </a:rPr>
+            </a:br>
+            <a:r>
+              <a:rPr lang="en-US" altLang="zh-CN" sz="1200">
+                <a:latin typeface="微软雅黑" panose="020B0503020204020204" charset="-122"/>
+                <a:ea typeface="微软雅黑" panose="020B0503020204020204" charset="-122"/>
+              </a:rPr>
+              <a:t>Password Credentials</a:t>
+            </a:r>
+            <a:endParaRPr lang="en-US" altLang="zh-CN" sz="1200">
+              <a:latin typeface="微软雅黑" panose="020B0503020204020204" charset="-122"/>
+              <a:ea typeface="微软雅黑" panose="020B0503020204020204" charset="-122"/>
+            </a:endParaRPr>
+          </a:p>
+        </p:txBody>
+      </p:sp>
+      <p:sp>
+        <p:nvSpPr>
+          <p:cNvPr id="14" name="文本框 13"/>
+          <p:cNvSpPr txBox="1"/>
+          <p:nvPr/>
+        </p:nvSpPr>
+        <p:spPr>
+          <a:xfrm>
+            <a:off x="4697730" y="4606925"/>
+            <a:ext cx="1896110" cy="469900"/>
+          </a:xfrm>
+          <a:prstGeom prst="rect">
+            <a:avLst/>
+          </a:prstGeom>
+          <a:noFill/>
+        </p:spPr>
+        <p:txBody>
+          <a:bodyPr wrap="none" rtlCol="0">
+            <a:spAutoFit/>
+          </a:bodyPr>
+          <a:p>
+            <a:r>
+              <a:rPr lang="en-US" altLang="zh-CN" sz="1200">
+                <a:latin typeface="微软雅黑" panose="020B0503020204020204" charset="-122"/>
+                <a:ea typeface="微软雅黑" panose="020B0503020204020204" charset="-122"/>
+              </a:rPr>
+              <a:t>(C) Access Token</a:t>
+            </a:r>
+            <a:br>
+              <a:rPr lang="en-US" altLang="zh-CN" sz="1200">
+                <a:latin typeface="微软雅黑" panose="020B0503020204020204" charset="-122"/>
+                <a:ea typeface="微软雅黑" panose="020B0503020204020204" charset="-122"/>
+              </a:rPr>
+            </a:br>
+            <a:r>
+              <a:rPr lang="en-US" altLang="zh-CN" sz="1200">
+                <a:latin typeface="微软雅黑" panose="020B0503020204020204" charset="-122"/>
+                <a:ea typeface="微软雅黑" panose="020B0503020204020204" charset="-122"/>
+              </a:rPr>
+              <a:t>(optional refresh token)</a:t>
+            </a:r>
+            <a:endParaRPr lang="en-US" altLang="zh-CN" sz="1200">
+              <a:latin typeface="微软雅黑" panose="020B0503020204020204" charset="-122"/>
+              <a:ea typeface="微软雅黑" panose="020B0503020204020204" charset="-122"/>
+            </a:endParaRPr>
+          </a:p>
+        </p:txBody>
+      </p:sp>
+    </p:spTree>
+  </p:cSld>
+  <p:clrMapOvr>
+    <a:masterClrMapping/>
+  </p:clrMapOvr>
+</p:sld>
+</file>
+
+<file path=ppt/slides/slide5.xml><?xml version="1.0" encoding="utf-8"?>
+<p:sld xmlns:a="http://schemas.openxmlformats.org/drawingml/2006/main" xmlns:r="http://schemas.openxmlformats.org/officeDocument/2006/relationships" xmlns:p="http://schemas.openxmlformats.org/presentationml/2006/main">
+  <p:cSld>
+    <p:spTree>
+      <p:nvGrpSpPr>
+        <p:cNvPr id="1" name=""/>
+        <p:cNvGrpSpPr/>
+        <p:nvPr/>
+      </p:nvGrpSpPr>
+      <p:grpSpPr/>
+      <p:sp>
+        <p:nvSpPr>
+          <p:cNvPr id="4" name="矩形 3"/>
+          <p:cNvSpPr/>
+          <p:nvPr/>
+        </p:nvSpPr>
+        <p:spPr>
+          <a:xfrm>
+            <a:off x="1745615" y="1234440"/>
+            <a:ext cx="2187575" cy="390525"/>
+          </a:xfrm>
+          <a:prstGeom prst="rect">
+            <a:avLst/>
+          </a:prstGeom>
+          <a:solidFill>
+            <a:schemeClr val="tx1">
+              <a:lumMod val="75000"/>
+              <a:lumOff val="25000"/>
+            </a:schemeClr>
+          </a:solidFill>
+        </p:spPr>
+        <p:style>
+          <a:lnRef idx="2">
+            <a:schemeClr val="dk1">
+              <a:shade val="50000"/>
+            </a:schemeClr>
+          </a:lnRef>
+          <a:fillRef idx="1">
+            <a:schemeClr val="dk1"/>
+          </a:fillRef>
+          <a:effectRef idx="0">
+            <a:schemeClr val="dk1"/>
+          </a:effectRef>
+          <a:fontRef idx="minor">
+            <a:schemeClr val="lt1"/>
+          </a:fontRef>
+        </p:style>
+        <p:txBody>
+          <a:bodyPr rtlCol="0" anchor="ctr"/>
+          <a:p>
+            <a:pPr algn="ctr"/>
+            <a:r>
+              <a:rPr lang="en-US" altLang="zh-CN"/>
+              <a:t>Client Application</a:t>
+            </a:r>
+            <a:endParaRPr lang="en-US" altLang="zh-CN"/>
+          </a:p>
+        </p:txBody>
+      </p:sp>
+      <p:sp>
+        <p:nvSpPr>
+          <p:cNvPr id="5" name="矩形 4"/>
+          <p:cNvSpPr/>
+          <p:nvPr/>
+        </p:nvSpPr>
+        <p:spPr>
+          <a:xfrm>
+            <a:off x="1745615" y="1646555"/>
+            <a:ext cx="2187575" cy="390525"/>
+          </a:xfrm>
+          <a:prstGeom prst="rect">
+            <a:avLst/>
+          </a:prstGeom>
+          <a:solidFill>
+            <a:schemeClr val="tx1">
+              <a:lumMod val="75000"/>
+              <a:lumOff val="25000"/>
+            </a:schemeClr>
+          </a:solidFill>
+        </p:spPr>
+        <p:style>
+          <a:lnRef idx="2">
+            <a:schemeClr val="dk1">
+              <a:shade val="50000"/>
+            </a:schemeClr>
+          </a:lnRef>
+          <a:fillRef idx="1">
+            <a:schemeClr val="dk1"/>
+          </a:fillRef>
+          <a:effectRef idx="0">
+            <a:schemeClr val="dk1"/>
+          </a:effectRef>
+          <a:fontRef idx="minor">
+            <a:schemeClr val="lt1"/>
+          </a:fontRef>
+        </p:style>
+        <p:txBody>
+          <a:bodyPr rtlCol="0" anchor="ctr"/>
+          <a:p>
+            <a:pPr algn="ctr"/>
+            <a:r>
+              <a:rPr lang="en-US" altLang="zh-CN"/>
+              <a:t>Driver</a:t>
+            </a:r>
+            <a:endParaRPr lang="en-US" altLang="zh-CN"/>
+          </a:p>
+        </p:txBody>
+      </p:sp>
+      <p:sp>
+        <p:nvSpPr>
+          <p:cNvPr id="6" name="文本框 5"/>
+          <p:cNvSpPr txBox="1"/>
+          <p:nvPr/>
+        </p:nvSpPr>
+        <p:spPr>
+          <a:xfrm>
+            <a:off x="2065655" y="2118995"/>
+            <a:ext cx="789305" cy="368300"/>
+          </a:xfrm>
+          <a:prstGeom prst="rect">
+            <a:avLst/>
+          </a:prstGeom>
+          <a:noFill/>
+        </p:spPr>
+        <p:txBody>
+          <a:bodyPr wrap="none" rtlCol="0">
+            <a:spAutoFit/>
+          </a:bodyPr>
+          <a:p>
+            <a:r>
+              <a:rPr lang="en-US" altLang="zh-CN">
+                <a:solidFill>
+                  <a:schemeClr val="accent1"/>
+                </a:solidFill>
+                <a:effectLst>
+                  <a:outerShdw blurRad="38100" dist="25400" dir="5400000" algn="ctr" rotWithShape="0">
+                    <a:srgbClr val="6E747A">
+                      <a:alpha val="43000"/>
+                    </a:srgbClr>
+                  </a:outerShdw>
+                </a:effectLst>
+              </a:rPr>
+              <a:t>Writes</a:t>
+            </a:r>
+            <a:endParaRPr lang="en-US" altLang="zh-CN">
+              <a:solidFill>
+                <a:schemeClr val="accent1"/>
+              </a:solidFill>
+              <a:effectLst>
+                <a:outerShdw blurRad="38100" dist="25400" dir="5400000" algn="ctr" rotWithShape="0">
+                  <a:srgbClr val="6E747A">
+                    <a:alpha val="43000"/>
+                  </a:srgbClr>
+                </a:outerShdw>
+              </a:effectLst>
+            </a:endParaRPr>
+          </a:p>
+        </p:txBody>
+      </p:sp>
+      <p:sp>
+        <p:nvSpPr>
+          <p:cNvPr id="7" name="文本框 6"/>
+          <p:cNvSpPr txBox="1"/>
+          <p:nvPr/>
+        </p:nvSpPr>
+        <p:spPr>
+          <a:xfrm>
+            <a:off x="2861945" y="2118995"/>
+            <a:ext cx="734695" cy="368300"/>
+          </a:xfrm>
+          <a:prstGeom prst="rect">
+            <a:avLst/>
+          </a:prstGeom>
+          <a:noFill/>
+        </p:spPr>
+        <p:txBody>
+          <a:bodyPr wrap="none" rtlCol="0">
+            <a:spAutoFit/>
+          </a:bodyPr>
+          <a:p>
+            <a:r>
+              <a:rPr lang="en-US" altLang="zh-CN"/>
+              <a:t>Reads</a:t>
+            </a:r>
+            <a:endParaRPr lang="en-US" altLang="zh-CN"/>
+          </a:p>
+        </p:txBody>
+      </p:sp>
+      <p:sp>
+        <p:nvSpPr>
+          <p:cNvPr id="8" name="矩形 7"/>
+          <p:cNvSpPr/>
+          <p:nvPr/>
+        </p:nvSpPr>
+        <p:spPr>
+          <a:xfrm>
+            <a:off x="2065655" y="2990850"/>
+            <a:ext cx="1565275" cy="390525"/>
+          </a:xfrm>
+          <a:prstGeom prst="rect">
+            <a:avLst/>
+          </a:prstGeom>
+        </p:spPr>
+        <p:style>
+          <a:lnRef idx="3">
+            <a:schemeClr val="lt1"/>
+          </a:lnRef>
+          <a:fillRef idx="1">
+            <a:schemeClr val="accent1"/>
+          </a:fillRef>
+          <a:effectRef idx="1">
+            <a:schemeClr val="accent1"/>
+          </a:effectRef>
+          <a:fontRef idx="minor">
+            <a:schemeClr val="lt1"/>
+          </a:fontRef>
+        </p:style>
+        <p:txBody>
+          <a:bodyPr rtlCol="0" anchor="ctr"/>
+          <a:p>
+            <a:pPr algn="ctr"/>
+            <a:r>
+              <a:rPr lang="en-US" altLang="zh-CN"/>
+              <a:t>Primary</a:t>
+            </a:r>
+            <a:endParaRPr lang="en-US" altLang="zh-CN"/>
+          </a:p>
+        </p:txBody>
+      </p:sp>
+      <p:sp>
+        <p:nvSpPr>
+          <p:cNvPr id="9" name="矩形 8"/>
+          <p:cNvSpPr/>
+          <p:nvPr/>
+        </p:nvSpPr>
+        <p:spPr>
+          <a:xfrm>
+            <a:off x="889000" y="4630420"/>
+            <a:ext cx="1570355" cy="390525"/>
+          </a:xfrm>
+          <a:prstGeom prst="rect">
+            <a:avLst/>
+          </a:prstGeom>
+        </p:spPr>
+        <p:style>
+          <a:lnRef idx="3">
+            <a:schemeClr val="lt1"/>
+          </a:lnRef>
+          <a:fillRef idx="1">
+            <a:schemeClr val="accent6"/>
+          </a:fillRef>
+          <a:effectRef idx="1">
+            <a:schemeClr val="accent6"/>
+          </a:effectRef>
+          <a:fontRef idx="minor">
+            <a:schemeClr val="lt1"/>
+          </a:fontRef>
+        </p:style>
+        <p:txBody>
+          <a:bodyPr rtlCol="0" anchor="ctr"/>
+          <a:p>
+            <a:pPr algn="ctr"/>
+            <a:r>
+              <a:rPr lang="en-US" altLang="zh-CN"/>
+              <a:t>Secondary</a:t>
+            </a:r>
+            <a:endParaRPr lang="en-US" altLang="zh-CN"/>
+          </a:p>
+        </p:txBody>
+      </p:sp>
+      <p:cxnSp>
+        <p:nvCxnSpPr>
+          <p:cNvPr id="11" name="直接箭头连接符 10"/>
+          <p:cNvCxnSpPr/>
+          <p:nvPr/>
+        </p:nvCxnSpPr>
+        <p:spPr>
+          <a:xfrm flipH="1">
+            <a:off x="2459355" y="2460625"/>
+            <a:ext cx="1270" cy="517525"/>
+          </a:xfrm>
+          <a:prstGeom prst="straightConnector1">
+            <a:avLst/>
+          </a:prstGeom>
+          <a:ln>
+            <a:headEnd type="none"/>
+            <a:tailEnd type="triangle" w="med" len="med"/>
+          </a:ln>
+        </p:spPr>
+        <p:style>
+          <a:lnRef idx="1">
+            <a:schemeClr val="accent1"/>
+          </a:lnRef>
+          <a:fillRef idx="0">
+            <a:schemeClr val="accent1"/>
+          </a:fillRef>
+          <a:effectRef idx="0">
+            <a:schemeClr val="accent1"/>
+          </a:effectRef>
+          <a:fontRef idx="minor">
+            <a:schemeClr val="tx1"/>
+          </a:fontRef>
+        </p:style>
+      </p:cxnSp>
+      <p:cxnSp>
+        <p:nvCxnSpPr>
+          <p:cNvPr id="12" name="直接箭头连接符 11"/>
+          <p:cNvCxnSpPr/>
+          <p:nvPr/>
+        </p:nvCxnSpPr>
+        <p:spPr>
+          <a:xfrm>
+            <a:off x="3229610" y="2469515"/>
+            <a:ext cx="0" cy="508000"/>
+          </a:xfrm>
+          <a:prstGeom prst="straightConnector1">
+            <a:avLst/>
+          </a:prstGeom>
+          <a:ln>
+            <a:solidFill>
+              <a:schemeClr val="tx1"/>
+            </a:solidFill>
+            <a:headEnd type="none"/>
+            <a:tailEnd type="triangle" w="med" len="med"/>
+          </a:ln>
+        </p:spPr>
+        <p:style>
+          <a:lnRef idx="1">
+            <a:schemeClr val="accent1"/>
+          </a:lnRef>
+          <a:fillRef idx="0">
+            <a:schemeClr val="accent1"/>
+          </a:fillRef>
+          <a:effectRef idx="0">
+            <a:schemeClr val="accent1"/>
+          </a:effectRef>
+          <a:fontRef idx="minor">
+            <a:schemeClr val="tx1"/>
+          </a:fontRef>
+        </p:style>
+      </p:cxnSp>
+      <p:sp>
+        <p:nvSpPr>
+          <p:cNvPr id="13" name="矩形 12"/>
+          <p:cNvSpPr/>
+          <p:nvPr/>
+        </p:nvSpPr>
+        <p:spPr>
+          <a:xfrm>
+            <a:off x="3229610" y="4630420"/>
+            <a:ext cx="1570355" cy="390525"/>
+          </a:xfrm>
+          <a:prstGeom prst="rect">
+            <a:avLst/>
+          </a:prstGeom>
+        </p:spPr>
+        <p:style>
+          <a:lnRef idx="3">
+            <a:schemeClr val="lt1"/>
+          </a:lnRef>
+          <a:fillRef idx="1">
+            <a:schemeClr val="accent6"/>
+          </a:fillRef>
+          <a:effectRef idx="1">
+            <a:schemeClr val="accent6"/>
+          </a:effectRef>
+          <a:fontRef idx="minor">
+            <a:schemeClr val="lt1"/>
+          </a:fontRef>
+        </p:style>
+        <p:txBody>
+          <a:bodyPr rtlCol="0" anchor="ctr"/>
+          <a:p>
+            <a:pPr algn="ctr"/>
+            <a:r>
+              <a:rPr lang="en-US" altLang="zh-CN"/>
+              <a:t>Secondary</a:t>
+            </a:r>
+            <a:endParaRPr lang="en-US" altLang="zh-CN"/>
+          </a:p>
+        </p:txBody>
+      </p:sp>
+      <p:cxnSp>
+        <p:nvCxnSpPr>
+          <p:cNvPr id="14" name="直接箭头连接符 13"/>
+          <p:cNvCxnSpPr>
+            <a:endCxn id="9" idx="0"/>
+          </p:cNvCxnSpPr>
+          <p:nvPr/>
+        </p:nvCxnSpPr>
+        <p:spPr>
+          <a:xfrm flipH="1">
+            <a:off x="1683385" y="3337560"/>
+            <a:ext cx="784860" cy="1292860"/>
+          </a:xfrm>
+          <a:prstGeom prst="straightConnector1">
+            <a:avLst/>
+          </a:prstGeom>
+          <a:ln>
+            <a:headEnd type="none"/>
+            <a:tailEnd type="triangle" w="med" len="med"/>
+          </a:ln>
+        </p:spPr>
+        <p:style>
+          <a:lnRef idx="1">
+            <a:schemeClr val="accent1"/>
+          </a:lnRef>
+          <a:fillRef idx="0">
+            <a:schemeClr val="accent1"/>
+          </a:fillRef>
+          <a:effectRef idx="0">
+            <a:schemeClr val="accent1"/>
+          </a:effectRef>
+          <a:fontRef idx="minor">
+            <a:schemeClr val="tx1"/>
+          </a:fontRef>
+        </p:style>
+      </p:cxnSp>
+      <p:cxnSp>
+        <p:nvCxnSpPr>
+          <p:cNvPr id="15" name="直接箭头连接符 14"/>
+          <p:cNvCxnSpPr>
+            <a:endCxn id="13" idx="0"/>
+          </p:cNvCxnSpPr>
+          <p:nvPr/>
+        </p:nvCxnSpPr>
+        <p:spPr>
+          <a:xfrm>
+            <a:off x="3209925" y="3356610"/>
+            <a:ext cx="814070" cy="1273810"/>
+          </a:xfrm>
+          <a:prstGeom prst="straightConnector1">
+            <a:avLst/>
+          </a:prstGeom>
+          <a:ln>
+            <a:headEnd type="none"/>
+            <a:tailEnd type="triangle" w="med" len="med"/>
+          </a:ln>
+        </p:spPr>
+        <p:style>
+          <a:lnRef idx="1">
+            <a:schemeClr val="accent1"/>
+          </a:lnRef>
+          <a:fillRef idx="0">
+            <a:schemeClr val="accent1"/>
+          </a:fillRef>
+          <a:effectRef idx="0">
+            <a:schemeClr val="accent1"/>
+          </a:effectRef>
+          <a:fontRef idx="minor">
+            <a:schemeClr val="tx1"/>
+          </a:fontRef>
+        </p:style>
+      </p:cxnSp>
+      <p:sp>
+        <p:nvSpPr>
+          <p:cNvPr id="16" name="文本框 15"/>
+          <p:cNvSpPr txBox="1"/>
+          <p:nvPr/>
+        </p:nvSpPr>
+        <p:spPr>
+          <a:xfrm rot="18180000">
+            <a:off x="1193800" y="3709035"/>
+            <a:ext cx="1212850" cy="368300"/>
+          </a:xfrm>
+          <a:prstGeom prst="rect">
+            <a:avLst/>
+          </a:prstGeom>
+          <a:noFill/>
+        </p:spPr>
+        <p:txBody>
+          <a:bodyPr wrap="none" rtlCol="0">
+            <a:spAutoFit/>
+          </a:bodyPr>
+          <a:p>
+            <a:r>
+              <a:rPr lang="en-US" altLang="zh-CN">
+                <a:solidFill>
+                  <a:schemeClr val="accent1"/>
+                </a:solidFill>
+                <a:effectLst>
+                  <a:outerShdw blurRad="38100" dist="25400" dir="5400000" algn="ctr" rotWithShape="0">
+                    <a:srgbClr val="6E747A">
+                      <a:alpha val="43000"/>
+                    </a:srgbClr>
+                  </a:outerShdw>
+                </a:effectLst>
+              </a:rPr>
+              <a:t>Replication</a:t>
+            </a:r>
+            <a:endParaRPr lang="en-US" altLang="zh-CN">
+              <a:solidFill>
+                <a:schemeClr val="accent1"/>
+              </a:solidFill>
+              <a:effectLst>
+                <a:outerShdw blurRad="38100" dist="25400" dir="5400000" algn="ctr" rotWithShape="0">
+                  <a:srgbClr val="6E747A">
+                    <a:alpha val="43000"/>
+                  </a:srgbClr>
+                </a:outerShdw>
+              </a:effectLst>
+            </a:endParaRPr>
+          </a:p>
+        </p:txBody>
+      </p:sp>
+      <p:sp>
+        <p:nvSpPr>
+          <p:cNvPr id="17" name="文本框 16"/>
+          <p:cNvSpPr txBox="1"/>
+          <p:nvPr/>
+        </p:nvSpPr>
+        <p:spPr>
+          <a:xfrm rot="3480000">
+            <a:off x="3261360" y="3712210"/>
+            <a:ext cx="1212850" cy="368300"/>
+          </a:xfrm>
+          <a:prstGeom prst="rect">
+            <a:avLst/>
+          </a:prstGeom>
+          <a:noFill/>
+        </p:spPr>
+        <p:txBody>
+          <a:bodyPr wrap="none" rtlCol="0">
+            <a:spAutoFit/>
+          </a:bodyPr>
+          <a:p>
+            <a:r>
+              <a:rPr lang="en-US" altLang="zh-CN">
+                <a:solidFill>
+                  <a:schemeClr val="accent1"/>
+                </a:solidFill>
+                <a:effectLst>
+                  <a:outerShdw blurRad="38100" dist="25400" dir="5400000" algn="ctr" rotWithShape="0">
+                    <a:srgbClr val="6E747A">
+                      <a:alpha val="43000"/>
+                    </a:srgbClr>
+                  </a:outerShdw>
+                </a:effectLst>
+              </a:rPr>
+              <a:t>Replication</a:t>
+            </a:r>
+            <a:endParaRPr lang="en-US" altLang="zh-CN">
+              <a:solidFill>
+                <a:schemeClr val="accent1"/>
+              </a:solidFill>
+              <a:effectLst>
+                <a:outerShdw blurRad="38100" dist="25400" dir="5400000" algn="ctr" rotWithShape="0">
+                  <a:srgbClr val="6E747A">
+                    <a:alpha val="43000"/>
+                  </a:srgbClr>
+                </a:outerShdw>
+              </a:effectLst>
+            </a:endParaRPr>
+          </a:p>
+        </p:txBody>
+      </p:sp>
+    </p:spTree>
+  </p:cSld>
+  <p:clrMapOvr>
+    <a:masterClrMapping/>
+  </p:clrMapOvr>
+</p:sld>
+</file>
+
+<file path=ppt/slides/slide6.xml><?xml version="1.0" encoding="utf-8"?>
+<p:sld xmlns:a="http://schemas.openxmlformats.org/drawingml/2006/main" xmlns:r="http://schemas.openxmlformats.org/officeDocument/2006/relationships" xmlns:p="http://schemas.openxmlformats.org/presentationml/2006/main">
+  <p:cSld>
+    <p:spTree>
+      <p:nvGrpSpPr>
+        <p:cNvPr id="1" name=""/>
+        <p:cNvGrpSpPr/>
+        <p:nvPr/>
+      </p:nvGrpSpPr>
+      <p:grpSpPr/>
+      <p:sp>
+        <p:nvSpPr>
+          <p:cNvPr id="6" name="文本框 5"/>
+          <p:cNvSpPr txBox="1"/>
+          <p:nvPr/>
+        </p:nvSpPr>
+        <p:spPr>
+          <a:xfrm>
+            <a:off x="1852930" y="4292600"/>
+            <a:ext cx="1591310" cy="337820"/>
+          </a:xfrm>
+          <a:prstGeom prst="rect">
+            <a:avLst/>
+          </a:prstGeom>
+          <a:noFill/>
+        </p:spPr>
+        <p:txBody>
+          <a:bodyPr wrap="none" rtlCol="0">
+            <a:spAutoFit/>
+          </a:bodyPr>
+          <a:p>
+            <a:r>
+              <a:rPr lang="en-US" altLang="zh-CN" sz="1600">
+                <a:solidFill>
+                  <a:schemeClr val="accent6"/>
+                </a:solidFill>
+                <a:effectLst>
+                  <a:outerShdw blurRad="38100" dist="25400" dir="5400000" algn="ctr" rotWithShape="0">
+                    <a:srgbClr val="6E747A">
+                      <a:alpha val="43000"/>
+                    </a:srgbClr>
+                  </a:outerShdw>
+                </a:effectLst>
+              </a:rPr>
+              <a:t>2 or more Shards</a:t>
+            </a:r>
+            <a:endParaRPr lang="en-US" altLang="zh-CN" sz="1600">
+              <a:solidFill>
+                <a:schemeClr val="accent6"/>
+              </a:solidFill>
+              <a:effectLst>
+                <a:outerShdw blurRad="38100" dist="25400" dir="5400000" algn="ctr" rotWithShape="0">
+                  <a:srgbClr val="6E747A">
+                    <a:alpha val="43000"/>
+                  </a:srgbClr>
+                </a:outerShdw>
+              </a:effectLst>
+            </a:endParaRPr>
+          </a:p>
+        </p:txBody>
+      </p:sp>
+      <p:sp>
+        <p:nvSpPr>
+          <p:cNvPr id="9" name="矩形 8"/>
+          <p:cNvSpPr/>
+          <p:nvPr/>
+        </p:nvSpPr>
+        <p:spPr>
+          <a:xfrm>
+            <a:off x="883920" y="4630420"/>
+            <a:ext cx="1570355" cy="653415"/>
+          </a:xfrm>
+          <a:prstGeom prst="rect">
+            <a:avLst/>
+          </a:prstGeom>
+        </p:spPr>
+        <p:style>
+          <a:lnRef idx="3">
+            <a:schemeClr val="lt1"/>
+          </a:lnRef>
+          <a:fillRef idx="1">
+            <a:schemeClr val="accent6"/>
+          </a:fillRef>
+          <a:effectRef idx="1">
+            <a:schemeClr val="accent6"/>
+          </a:effectRef>
+          <a:fontRef idx="minor">
+            <a:schemeClr val="lt1"/>
+          </a:fontRef>
+        </p:style>
+        <p:txBody>
+          <a:bodyPr rtlCol="0" anchor="ctr"/>
+          <a:p>
+            <a:pPr algn="ctr"/>
+            <a:r>
+              <a:rPr lang="en-US" altLang="zh-CN"/>
+              <a:t>Shard</a:t>
+            </a:r>
+            <a:br>
+              <a:rPr lang="en-US" altLang="zh-CN"/>
+            </a:br>
+            <a:r>
+              <a:rPr lang="en-US" altLang="zh-CN"/>
+              <a:t>(relica set)</a:t>
+            </a:r>
+            <a:endParaRPr lang="en-US" altLang="zh-CN"/>
+          </a:p>
+        </p:txBody>
+      </p:sp>
+      <p:cxnSp>
+        <p:nvCxnSpPr>
+          <p:cNvPr id="11" name="直接箭头连接符 10"/>
+          <p:cNvCxnSpPr/>
+          <p:nvPr/>
+        </p:nvCxnSpPr>
+        <p:spPr>
+          <a:xfrm>
+            <a:off x="2646680" y="2767330"/>
+            <a:ext cx="3810" cy="1156335"/>
+          </a:xfrm>
+          <a:prstGeom prst="straightConnector1">
+            <a:avLst/>
+          </a:prstGeom>
+          <a:ln w="28575">
+            <a:solidFill>
+              <a:schemeClr val="tx1"/>
+            </a:solidFill>
+            <a:headEnd type="triangle" w="med" len="med"/>
+            <a:tailEnd type="triangle" w="med" len="med"/>
+          </a:ln>
+        </p:spPr>
+        <p:style>
+          <a:lnRef idx="1">
+            <a:schemeClr val="accent1"/>
+          </a:lnRef>
+          <a:fillRef idx="0">
+            <a:schemeClr val="accent1"/>
+          </a:fillRef>
+          <a:effectRef idx="0">
+            <a:schemeClr val="accent1"/>
+          </a:effectRef>
+          <a:fontRef idx="minor">
+            <a:schemeClr val="tx1"/>
+          </a:fontRef>
+        </p:style>
+      </p:cxnSp>
+      <p:grpSp>
+        <p:nvGrpSpPr>
+          <p:cNvPr id="26" name="组合 25"/>
+          <p:cNvGrpSpPr/>
+          <p:nvPr/>
+        </p:nvGrpSpPr>
+        <p:grpSpPr>
+          <a:xfrm>
+            <a:off x="837565" y="926465"/>
+            <a:ext cx="1673860" cy="1083310"/>
+            <a:chOff x="1319" y="1459"/>
+            <a:chExt cx="2636" cy="1706"/>
+          </a:xfrm>
+        </p:grpSpPr>
+        <p:sp>
+          <p:nvSpPr>
+            <p:cNvPr id="18" name="矩形 17"/>
+            <p:cNvSpPr/>
+            <p:nvPr/>
+          </p:nvSpPr>
+          <p:spPr>
+            <a:xfrm>
+              <a:off x="1319" y="1459"/>
+              <a:ext cx="2636" cy="1707"/>
+            </a:xfrm>
+            <a:prstGeom prst="rect">
+              <a:avLst/>
+            </a:prstGeom>
+            <a:ln>
+              <a:solidFill>
+                <a:schemeClr val="tx1"/>
+              </a:solidFill>
+              <a:prstDash val="dash"/>
+            </a:ln>
+          </p:spPr>
+          <p:style>
+            <a:lnRef idx="2">
+              <a:schemeClr val="accent6"/>
+            </a:lnRef>
+            <a:fillRef idx="1">
+              <a:schemeClr val="lt1"/>
+            </a:fillRef>
+            <a:effectRef idx="0">
+              <a:schemeClr val="accent6"/>
+            </a:effectRef>
+            <a:fontRef idx="minor">
+              <a:schemeClr val="dk1"/>
+            </a:fontRef>
+          </p:style>
+          <p:txBody>
+            <a:bodyPr rtlCol="0" anchor="ctr"/>
+            <a:p>
+              <a:pPr algn="ctr"/>
+              <a:endParaRPr lang="zh-CN" altLang="en-US"/>
+            </a:p>
+          </p:txBody>
+        </p:sp>
+        <p:sp>
+          <p:nvSpPr>
+            <p:cNvPr id="8" name="矩形 7"/>
+            <p:cNvSpPr/>
+            <p:nvPr/>
+          </p:nvSpPr>
+          <p:spPr>
+            <a:xfrm>
+              <a:off x="1400" y="2060"/>
+              <a:ext cx="2465" cy="1078"/>
+            </a:xfrm>
+            <a:prstGeom prst="rect">
+              <a:avLst/>
+            </a:prstGeom>
+          </p:spPr>
+          <p:style>
+            <a:lnRef idx="3">
+              <a:schemeClr val="lt1"/>
+            </a:lnRef>
+            <a:fillRef idx="1">
+              <a:schemeClr val="accent1"/>
+            </a:fillRef>
+            <a:effectRef idx="1">
+              <a:schemeClr val="accent1"/>
+            </a:effectRef>
+            <a:fontRef idx="minor">
+              <a:schemeClr val="lt1"/>
+            </a:fontRef>
+          </p:style>
+          <p:txBody>
+            <a:bodyPr rtlCol="0" anchor="ctr"/>
+            <a:p>
+              <a:pPr algn="ctr"/>
+              <a:r>
+                <a:rPr lang="en-US" altLang="zh-CN"/>
+                <a:t>Router</a:t>
+              </a:r>
+              <a:br>
+                <a:rPr lang="en-US" altLang="zh-CN"/>
+              </a:br>
+              <a:r>
+                <a:rPr lang="en-US" altLang="zh-CN"/>
+                <a:t>(mongos)</a:t>
+              </a:r>
+              <a:endParaRPr lang="en-US" altLang="zh-CN"/>
+            </a:p>
+          </p:txBody>
+        </p:sp>
+        <p:sp>
+          <p:nvSpPr>
+            <p:cNvPr id="19" name="文本框 18"/>
+            <p:cNvSpPr txBox="1"/>
+            <p:nvPr/>
+          </p:nvSpPr>
+          <p:spPr>
+            <a:xfrm>
+              <a:off x="1319" y="1480"/>
+              <a:ext cx="1892" cy="580"/>
+            </a:xfrm>
+            <a:prstGeom prst="rect">
+              <a:avLst/>
+            </a:prstGeom>
+            <a:noFill/>
+          </p:spPr>
+          <p:txBody>
+            <a:bodyPr wrap="none" rtlCol="0">
+              <a:spAutoFit/>
+            </a:bodyPr>
+            <a:p>
+              <a:r>
+                <a:rPr lang="en-US" altLang="zh-CN"/>
+                <a:t>App Server</a:t>
+              </a:r>
+              <a:endParaRPr lang="en-US" altLang="zh-CN"/>
+            </a:p>
+          </p:txBody>
+        </p:sp>
+      </p:grpSp>
+      <p:grpSp>
+        <p:nvGrpSpPr>
+          <p:cNvPr id="27" name="组合 26"/>
+          <p:cNvGrpSpPr/>
+          <p:nvPr/>
+        </p:nvGrpSpPr>
+        <p:grpSpPr>
+          <a:xfrm>
+            <a:off x="2813685" y="926465"/>
+            <a:ext cx="1673860" cy="1083310"/>
+            <a:chOff x="1319" y="1459"/>
+            <a:chExt cx="2636" cy="1706"/>
+          </a:xfrm>
+        </p:grpSpPr>
+        <p:sp>
+          <p:nvSpPr>
+            <p:cNvPr id="28" name="矩形 27"/>
+            <p:cNvSpPr/>
+            <p:nvPr/>
+          </p:nvSpPr>
+          <p:spPr>
+            <a:xfrm>
+              <a:off x="1319" y="1459"/>
+              <a:ext cx="2636" cy="1707"/>
+            </a:xfrm>
+            <a:prstGeom prst="rect">
+              <a:avLst/>
+            </a:prstGeom>
+            <a:ln>
+              <a:solidFill>
+                <a:schemeClr val="tx1"/>
+              </a:solidFill>
+              <a:prstDash val="dash"/>
+            </a:ln>
+          </p:spPr>
+          <p:style>
+            <a:lnRef idx="2">
+              <a:schemeClr val="accent6"/>
+            </a:lnRef>
+            <a:fillRef idx="1">
+              <a:schemeClr val="lt1"/>
+            </a:fillRef>
+            <a:effectRef idx="0">
+              <a:schemeClr val="accent6"/>
+            </a:effectRef>
+            <a:fontRef idx="minor">
+              <a:schemeClr val="dk1"/>
+            </a:fontRef>
+          </p:style>
+          <p:txBody>
+            <a:bodyPr rtlCol="0" anchor="ctr"/>
+            <a:p>
+              <a:pPr algn="ctr"/>
+              <a:endParaRPr lang="zh-CN" altLang="en-US"/>
+            </a:p>
+          </p:txBody>
+        </p:sp>
+        <p:sp>
+          <p:nvSpPr>
+            <p:cNvPr id="29" name="矩形 28"/>
+            <p:cNvSpPr/>
+            <p:nvPr/>
+          </p:nvSpPr>
+          <p:spPr>
+            <a:xfrm>
+              <a:off x="1400" y="2060"/>
+              <a:ext cx="2465" cy="1078"/>
+            </a:xfrm>
+            <a:prstGeom prst="rect">
+              <a:avLst/>
+            </a:prstGeom>
+          </p:spPr>
+          <p:style>
+            <a:lnRef idx="3">
+              <a:schemeClr val="lt1"/>
+            </a:lnRef>
+            <a:fillRef idx="1">
+              <a:schemeClr val="accent1"/>
+            </a:fillRef>
+            <a:effectRef idx="1">
+              <a:schemeClr val="accent1"/>
+            </a:effectRef>
+            <a:fontRef idx="minor">
+              <a:schemeClr val="lt1"/>
+            </a:fontRef>
+          </p:style>
+          <p:txBody>
+            <a:bodyPr rtlCol="0" anchor="ctr"/>
+            <a:p>
+              <a:pPr algn="ctr"/>
+              <a:r>
+                <a:rPr lang="en-US" altLang="zh-CN"/>
+                <a:t>Router</a:t>
+              </a:r>
+              <a:br>
+                <a:rPr lang="en-US" altLang="zh-CN"/>
+              </a:br>
+              <a:r>
+                <a:rPr lang="en-US" altLang="zh-CN"/>
+                <a:t>(mongos)</a:t>
+              </a:r>
+              <a:endParaRPr lang="en-US" altLang="zh-CN"/>
+            </a:p>
+          </p:txBody>
+        </p:sp>
+        <p:sp>
+          <p:nvSpPr>
+            <p:cNvPr id="30" name="文本框 29"/>
+            <p:cNvSpPr txBox="1"/>
+            <p:nvPr/>
+          </p:nvSpPr>
+          <p:spPr>
+            <a:xfrm>
+              <a:off x="1319" y="1480"/>
+              <a:ext cx="1892" cy="580"/>
+            </a:xfrm>
+            <a:prstGeom prst="rect">
+              <a:avLst/>
+            </a:prstGeom>
+            <a:noFill/>
+          </p:spPr>
+          <p:txBody>
+            <a:bodyPr wrap="none" rtlCol="0">
+              <a:spAutoFit/>
+            </a:bodyPr>
+            <a:p>
+              <a:r>
+                <a:rPr lang="en-US" altLang="zh-CN"/>
+                <a:t>App Server</a:t>
+              </a:r>
+              <a:endParaRPr lang="en-US" altLang="zh-CN"/>
+            </a:p>
+          </p:txBody>
+        </p:sp>
+      </p:grpSp>
+      <p:sp>
+        <p:nvSpPr>
+          <p:cNvPr id="31" name="矩形 30"/>
+          <p:cNvSpPr/>
+          <p:nvPr/>
+        </p:nvSpPr>
+        <p:spPr>
+          <a:xfrm>
+            <a:off x="2865755" y="4630420"/>
+            <a:ext cx="1570355" cy="653415"/>
+          </a:xfrm>
+          <a:prstGeom prst="rect">
+            <a:avLst/>
+          </a:prstGeom>
+        </p:spPr>
+        <p:style>
+          <a:lnRef idx="3">
+            <a:schemeClr val="lt1"/>
+          </a:lnRef>
+          <a:fillRef idx="1">
+            <a:schemeClr val="accent6"/>
+          </a:fillRef>
+          <a:effectRef idx="1">
+            <a:schemeClr val="accent6"/>
+          </a:effectRef>
+          <a:fontRef idx="minor">
+            <a:schemeClr val="lt1"/>
+          </a:fontRef>
+        </p:style>
+        <p:txBody>
+          <a:bodyPr rtlCol="0" anchor="ctr"/>
+          <a:p>
+            <a:pPr algn="ctr"/>
+            <a:r>
+              <a:rPr lang="en-US" altLang="zh-CN"/>
+              <a:t>Shard</a:t>
+            </a:r>
+            <a:br>
+              <a:rPr lang="en-US" altLang="zh-CN"/>
+            </a:br>
+            <a:r>
+              <a:rPr lang="en-US" altLang="zh-CN"/>
+              <a:t>(relica set)</a:t>
+            </a:r>
+            <a:endParaRPr lang="en-US" altLang="zh-CN"/>
+          </a:p>
+        </p:txBody>
+      </p:sp>
+      <p:sp>
+        <p:nvSpPr>
+          <p:cNvPr id="32" name="矩形 31"/>
+          <p:cNvSpPr/>
+          <p:nvPr/>
+        </p:nvSpPr>
+        <p:spPr>
+          <a:xfrm>
+            <a:off x="3954145" y="2931160"/>
+            <a:ext cx="1693545" cy="653415"/>
+          </a:xfrm>
+          <a:prstGeom prst="rect">
+            <a:avLst/>
+          </a:prstGeom>
+        </p:spPr>
+        <p:style>
+          <a:lnRef idx="3">
+            <a:schemeClr val="lt1"/>
+          </a:lnRef>
+          <a:fillRef idx="1">
+            <a:schemeClr val="accent4"/>
+          </a:fillRef>
+          <a:effectRef idx="1">
+            <a:schemeClr val="accent4"/>
+          </a:effectRef>
+          <a:fontRef idx="minor">
+            <a:schemeClr val="lt1"/>
+          </a:fontRef>
+        </p:style>
+        <p:txBody>
+          <a:bodyPr rtlCol="0" anchor="ctr"/>
+          <a:p>
+            <a:pPr algn="ctr"/>
+            <a:r>
+              <a:rPr lang="en-US" altLang="zh-CN"/>
+              <a:t>Config Servers</a:t>
+            </a:r>
+            <a:br>
+              <a:rPr lang="en-US" altLang="zh-CN"/>
+            </a:br>
+            <a:r>
+              <a:rPr lang="en-US" altLang="zh-CN"/>
+              <a:t>(relica set)</a:t>
+            </a:r>
+            <a:endParaRPr lang="en-US" altLang="zh-CN"/>
+          </a:p>
+        </p:txBody>
+      </p:sp>
+      <p:sp>
+        <p:nvSpPr>
+          <p:cNvPr id="33" name="文本框 32"/>
+          <p:cNvSpPr txBox="1"/>
+          <p:nvPr/>
+        </p:nvSpPr>
+        <p:spPr>
+          <a:xfrm>
+            <a:off x="1852930" y="2010410"/>
+            <a:ext cx="1673225" cy="337820"/>
+          </a:xfrm>
+          <a:prstGeom prst="rect">
+            <a:avLst/>
+          </a:prstGeom>
+          <a:noFill/>
+        </p:spPr>
+        <p:txBody>
+          <a:bodyPr wrap="none" rtlCol="0">
+            <a:spAutoFit/>
+          </a:bodyPr>
+          <a:p>
+            <a:r>
+              <a:rPr lang="en-US" altLang="zh-CN" sz="1600">
+                <a:solidFill>
+                  <a:schemeClr val="accent1"/>
+                </a:solidFill>
+                <a:effectLst>
+                  <a:outerShdw blurRad="38100" dist="25400" dir="5400000" algn="ctr" rotWithShape="0">
+                    <a:srgbClr val="6E747A">
+                      <a:alpha val="43000"/>
+                    </a:srgbClr>
+                  </a:outerShdw>
+                </a:effectLst>
+              </a:rPr>
+              <a:t>1 or more Routers</a:t>
+            </a:r>
+            <a:endParaRPr lang="en-US" altLang="zh-CN" sz="1600">
+              <a:solidFill>
+                <a:schemeClr val="accent1"/>
+              </a:solidFill>
+              <a:effectLst>
+                <a:outerShdw blurRad="38100" dist="25400" dir="5400000" algn="ctr" rotWithShape="0">
+                  <a:srgbClr val="6E747A">
+                    <a:alpha val="43000"/>
+                  </a:srgbClr>
+                </a:outerShdw>
+              </a:effectLst>
+            </a:endParaRPr>
+          </a:p>
+        </p:txBody>
+      </p:sp>
+      <p:sp>
+        <p:nvSpPr>
+          <p:cNvPr id="36" name="左大括号 35"/>
+          <p:cNvSpPr/>
+          <p:nvPr/>
+        </p:nvSpPr>
+        <p:spPr>
+          <a:xfrm rot="5400000">
+            <a:off x="2336165" y="3336925"/>
+            <a:ext cx="610870" cy="1976120"/>
+          </a:xfrm>
+          <a:prstGeom prst="leftBrace">
+            <a:avLst/>
+          </a:prstGeom>
+        </p:spPr>
+        <p:style>
+          <a:lnRef idx="3">
+            <a:schemeClr val="accent6"/>
+          </a:lnRef>
+          <a:fillRef idx="0">
+            <a:schemeClr val="accent6"/>
+          </a:fillRef>
+          <a:effectRef idx="2">
+            <a:schemeClr val="accent6"/>
+          </a:effectRef>
+          <a:fontRef idx="minor">
+            <a:schemeClr val="tx1"/>
+          </a:fontRef>
+        </p:style>
+        <p:txBody>
+          <a:bodyPr rtlCol="0" anchor="ctr"/>
+          <a:p>
+            <a:pPr algn="ctr"/>
             <a:endParaRPr lang="zh-CN" altLang="en-US"/>
           </a:p>
         </p:txBody>
       </p:sp>
       <p:sp>
         <p:nvSpPr>
-          <p:cNvPr id="3" name="内容占位符 2"/>
-          <p:cNvSpPr>
-            <a:spLocks noGrp="1"/>
-          </p:cNvSpPr>
-          <p:nvPr>
-            <p:ph idx="1"/>
-          </p:nvPr>
-        </p:nvSpPr>
-        <p:spPr/>
-        <p:txBody>
-          <a:bodyPr/>
-          <a:p>
+          <p:cNvPr id="37" name="左大括号 36"/>
+          <p:cNvSpPr/>
+          <p:nvPr/>
+        </p:nvSpPr>
+        <p:spPr>
+          <a:xfrm rot="16200000">
+            <a:off x="2343150" y="1377315"/>
+            <a:ext cx="610870" cy="1976120"/>
+          </a:xfrm>
+          <a:prstGeom prst="leftBrace">
+            <a:avLst/>
+          </a:prstGeom>
+          <a:ln>
+            <a:solidFill>
+              <a:schemeClr val="accent1"/>
+            </a:solidFill>
+          </a:ln>
+        </p:spPr>
+        <p:style>
+          <a:lnRef idx="3">
+            <a:schemeClr val="accent6"/>
+          </a:lnRef>
+          <a:fillRef idx="0">
+            <a:schemeClr val="accent6"/>
+          </a:fillRef>
+          <a:effectRef idx="2">
+            <a:schemeClr val="accent6"/>
+          </a:effectRef>
+          <a:fontRef idx="minor">
+            <a:schemeClr val="tx1"/>
+          </a:fontRef>
+        </p:style>
+        <p:txBody>
+          <a:bodyPr rtlCol="0" anchor="ctr"/>
+          <a:p>
+            <a:pPr algn="ctr"/>
             <a:endParaRPr lang="zh-CN" altLang="en-US"/>
           </a:p>
         </p:txBody>
       </p:sp>
+      <p:cxnSp>
+        <p:nvCxnSpPr>
+          <p:cNvPr id="38" name="直接箭头连接符 37"/>
+          <p:cNvCxnSpPr>
+            <a:endCxn id="32" idx="1"/>
+          </p:cNvCxnSpPr>
+          <p:nvPr/>
+        </p:nvCxnSpPr>
+        <p:spPr>
+          <a:xfrm>
+            <a:off x="2728595" y="2800350"/>
+            <a:ext cx="1225550" cy="457835"/>
+          </a:xfrm>
+          <a:prstGeom prst="straightConnector1">
+            <a:avLst/>
+          </a:prstGeom>
+          <a:ln w="28575">
+            <a:solidFill>
+              <a:schemeClr val="accent4"/>
+            </a:solidFill>
+            <a:prstDash val="dash"/>
+            <a:headEnd type="triangle" w="med" len="med"/>
+            <a:tailEnd type="triangle" w="med" len="med"/>
+          </a:ln>
+        </p:spPr>
+        <p:style>
+          <a:lnRef idx="1">
+            <a:schemeClr val="accent1"/>
+          </a:lnRef>
+          <a:fillRef idx="0">
+            <a:schemeClr val="accent1"/>
+          </a:fillRef>
+          <a:effectRef idx="0">
+            <a:schemeClr val="accent1"/>
+          </a:effectRef>
+          <a:fontRef idx="minor">
+            <a:schemeClr val="tx1"/>
+          </a:fontRef>
+        </p:style>
+      </p:cxnSp>
+      <p:cxnSp>
+        <p:nvCxnSpPr>
+          <p:cNvPr id="39" name="直接箭头连接符 38"/>
+          <p:cNvCxnSpPr>
+            <a:endCxn id="32" idx="1"/>
+          </p:cNvCxnSpPr>
+          <p:nvPr/>
+        </p:nvCxnSpPr>
+        <p:spPr>
+          <a:xfrm flipV="1">
+            <a:off x="2757170" y="3258185"/>
+            <a:ext cx="1196975" cy="617220"/>
+          </a:xfrm>
+          <a:prstGeom prst="straightConnector1">
+            <a:avLst/>
+          </a:prstGeom>
+          <a:ln w="28575">
+            <a:solidFill>
+              <a:schemeClr val="accent4"/>
+            </a:solidFill>
+            <a:prstDash val="dash"/>
+            <a:headEnd type="triangle" w="med" len="med"/>
+            <a:tailEnd type="triangle" w="med" len="med"/>
+          </a:ln>
+        </p:spPr>
+        <p:style>
+          <a:lnRef idx="1">
+            <a:schemeClr val="accent1"/>
+          </a:lnRef>
+          <a:fillRef idx="0">
+            <a:schemeClr val="accent1"/>
+          </a:fillRef>
+          <a:effectRef idx="0">
+            <a:schemeClr val="accent1"/>
+          </a:effectRef>
+          <a:fontRef idx="minor">
+            <a:schemeClr val="tx1"/>
+          </a:fontRef>
+        </p:style>
+      </p:cxnSp>
     </p:spTree>
   </p:cSld>
   <p:clrMapOvr>

--- a/doc/Charts.pptx
+++ b/doc/Charts.pptx
@@ -5,15 +5,15 @@
     <p:sldMasterId id="2147483648" r:id="rId1"/>
   </p:sldMasterIdLst>
   <p:sldIdLst>
-    <p:sldId id="256" r:id="rId3"/>
-    <p:sldId id="257" r:id="rId4"/>
-    <p:sldId id="258" r:id="rId5"/>
-    <p:sldId id="261" r:id="rId6"/>
-    <p:sldId id="259" r:id="rId7"/>
-    <p:sldId id="260" r:id="rId8"/>
+    <p:sldId id="256" r:id="rId2"/>
+    <p:sldId id="257" r:id="rId3"/>
+    <p:sldId id="258" r:id="rId4"/>
+    <p:sldId id="261" r:id="rId5"/>
+    <p:sldId id="259" r:id="rId6"/>
+    <p:sldId id="260" r:id="rId7"/>
   </p:sldIdLst>
   <p:sldSz cx="12192000" cy="6858000"/>
-  <p:notesSz cx="7103745" cy="10234295"/>
+  <p:notesSz cx="7104063" cy="10234613"/>
   <p:defaultTextStyle>
     <a:defPPr>
       <a:defRPr lang="zh-CN"/>
@@ -109,6 +109,11 @@
       </a:defRPr>
     </a:lvl9pPr>
   </p:defaultTextStyle>
+  <p:extLst>
+    <p:ext uri="{EFAFB233-063F-42B5-8137-9DF3F51BA10A}">
+      <p15:sldGuideLst xmlns:p15="http://schemas.microsoft.com/office/powerpoint/2012/main"/>
+    </p:ext>
+  </p:extLst>
 </p:presentation>
 </file>
 
@@ -243,6 +248,7 @@
           <a:p>
             <a:fld id="{82F288E0-7875-42C4-84C8-98DBBD3BF4D2}" type="datetimeFigureOut">
               <a:rPr lang="zh-CN" altLang="en-US" smtClean="0"/>
+              <a:t>2017/5/8</a:t>
             </a:fld>
             <a:endParaRPr lang="zh-CN" altLang="en-US"/>
           </a:p>
@@ -284,6 +290,7 @@
           <a:p>
             <a:fld id="{7D9BB5D0-35E4-459D-AEF3-FE4D7C45CC19}" type="slidenum">
               <a:rPr lang="zh-CN" altLang="en-US" smtClean="0"/>
+              <a:t>‹#›</a:t>
             </a:fld>
             <a:endParaRPr lang="zh-CN" altLang="en-US"/>
           </a:p>
@@ -339,7 +346,6 @@
               <a:rPr lang="zh-CN" altLang="en-US" smtClean="0"/>
               <a:t>单击此处编辑母版文本样式</a:t>
             </a:r>
-            <a:endParaRPr lang="zh-CN" altLang="en-US" smtClean="0"/>
           </a:p>
           <a:p>
             <a:pPr lvl="1"/>
@@ -347,7 +353,6 @@
               <a:rPr lang="zh-CN" altLang="en-US" smtClean="0"/>
               <a:t>第二级</a:t>
             </a:r>
-            <a:endParaRPr lang="zh-CN" altLang="en-US" smtClean="0"/>
           </a:p>
           <a:p>
             <a:pPr lvl="2"/>
@@ -355,7 +360,6 @@
               <a:rPr lang="zh-CN" altLang="en-US" smtClean="0"/>
               <a:t>第三级</a:t>
             </a:r>
-            <a:endParaRPr lang="zh-CN" altLang="en-US" smtClean="0"/>
           </a:p>
           <a:p>
             <a:pPr lvl="3"/>
@@ -363,7 +367,6 @@
               <a:rPr lang="zh-CN" altLang="en-US" smtClean="0"/>
               <a:t>第四级</a:t>
             </a:r>
-            <a:endParaRPr lang="zh-CN" altLang="en-US" smtClean="0"/>
           </a:p>
           <a:p>
             <a:pPr lvl="4"/>
@@ -392,6 +395,7 @@
           <a:p>
             <a:fld id="{82F288E0-7875-42C4-84C8-98DBBD3BF4D2}" type="datetimeFigureOut">
               <a:rPr lang="zh-CN" altLang="en-US" smtClean="0"/>
+              <a:t>2017/5/8</a:t>
             </a:fld>
             <a:endParaRPr lang="zh-CN" altLang="en-US"/>
           </a:p>
@@ -433,6 +437,7 @@
           <a:p>
             <a:fld id="{7D9BB5D0-35E4-459D-AEF3-FE4D7C45CC19}" type="slidenum">
               <a:rPr lang="zh-CN" altLang="en-US" smtClean="0"/>
+              <a:t>‹#›</a:t>
             </a:fld>
             <a:endParaRPr lang="zh-CN" altLang="en-US"/>
           </a:p>
@@ -506,7 +511,6 @@
               <a:rPr lang="zh-CN" altLang="en-US" smtClean="0"/>
               <a:t>单击此处编辑母版文本样式</a:t>
             </a:r>
-            <a:endParaRPr lang="zh-CN" altLang="en-US" smtClean="0"/>
           </a:p>
           <a:p>
             <a:pPr lvl="1"/>
@@ -514,7 +518,6 @@
               <a:rPr lang="zh-CN" altLang="en-US" smtClean="0"/>
               <a:t>第二级</a:t>
             </a:r>
-            <a:endParaRPr lang="zh-CN" altLang="en-US" smtClean="0"/>
           </a:p>
           <a:p>
             <a:pPr lvl="2"/>
@@ -522,7 +525,6 @@
               <a:rPr lang="zh-CN" altLang="en-US" smtClean="0"/>
               <a:t>第三级</a:t>
             </a:r>
-            <a:endParaRPr lang="zh-CN" altLang="en-US" smtClean="0"/>
           </a:p>
           <a:p>
             <a:pPr lvl="3"/>
@@ -530,7 +532,6 @@
               <a:rPr lang="zh-CN" altLang="en-US" smtClean="0"/>
               <a:t>第四级</a:t>
             </a:r>
-            <a:endParaRPr lang="zh-CN" altLang="en-US" smtClean="0"/>
           </a:p>
           <a:p>
             <a:pPr lvl="4"/>
@@ -559,6 +560,7 @@
           <a:p>
             <a:fld id="{82F288E0-7875-42C4-84C8-98DBBD3BF4D2}" type="datetimeFigureOut">
               <a:rPr lang="zh-CN" altLang="en-US" smtClean="0"/>
+              <a:t>2017/5/8</a:t>
             </a:fld>
             <a:endParaRPr lang="zh-CN" altLang="en-US"/>
           </a:p>
@@ -600,6 +602,7 @@
           <a:p>
             <a:fld id="{7D9BB5D0-35E4-459D-AEF3-FE4D7C45CC19}" type="slidenum">
               <a:rPr lang="zh-CN" altLang="en-US" smtClean="0"/>
+              <a:t>‹#›</a:t>
             </a:fld>
             <a:endParaRPr lang="zh-CN" altLang="en-US"/>
           </a:p>
@@ -778,7 +781,6 @@
               <a:rPr lang="zh-CN" altLang="en-US" smtClean="0"/>
               <a:t>单击此处编辑母版文本样式</a:t>
             </a:r>
-            <a:endParaRPr lang="zh-CN" altLang="en-US" smtClean="0"/>
           </a:p>
         </p:txBody>
       </p:sp>
@@ -799,6 +801,7 @@
           <a:p>
             <a:fld id="{82F288E0-7875-42C4-84C8-98DBBD3BF4D2}" type="datetimeFigureOut">
               <a:rPr lang="zh-CN" altLang="en-US" smtClean="0"/>
+              <a:t>2017/5/8</a:t>
             </a:fld>
             <a:endParaRPr lang="zh-CN" altLang="en-US"/>
           </a:p>
@@ -840,6 +843,7 @@
           <a:p>
             <a:fld id="{7D9BB5D0-35E4-459D-AEF3-FE4D7C45CC19}" type="slidenum">
               <a:rPr lang="zh-CN" altLang="en-US" smtClean="0"/>
+              <a:t>‹#›</a:t>
             </a:fld>
             <a:endParaRPr lang="zh-CN" altLang="en-US"/>
           </a:p>
@@ -918,7 +922,6 @@
               <a:rPr lang="zh-CN" altLang="en-US" smtClean="0"/>
               <a:t>单击此处编辑母版文本样式</a:t>
             </a:r>
-            <a:endParaRPr lang="zh-CN" altLang="en-US" smtClean="0"/>
           </a:p>
           <a:p>
             <a:pPr lvl="1"/>
@@ -926,7 +929,6 @@
               <a:rPr lang="zh-CN" altLang="en-US" smtClean="0"/>
               <a:t>第二级</a:t>
             </a:r>
-            <a:endParaRPr lang="zh-CN" altLang="en-US" smtClean="0"/>
           </a:p>
           <a:p>
             <a:pPr lvl="2"/>
@@ -934,7 +936,6 @@
               <a:rPr lang="zh-CN" altLang="en-US" smtClean="0"/>
               <a:t>第三级</a:t>
             </a:r>
-            <a:endParaRPr lang="zh-CN" altLang="en-US" smtClean="0"/>
           </a:p>
           <a:p>
             <a:pPr lvl="3"/>
@@ -942,7 +943,6 @@
               <a:rPr lang="zh-CN" altLang="en-US" smtClean="0"/>
               <a:t>第四级</a:t>
             </a:r>
-            <a:endParaRPr lang="zh-CN" altLang="en-US" smtClean="0"/>
           </a:p>
           <a:p>
             <a:pPr lvl="4"/>
@@ -979,7 +979,6 @@
               <a:rPr lang="zh-CN" altLang="en-US" smtClean="0"/>
               <a:t>单击此处编辑母版文本样式</a:t>
             </a:r>
-            <a:endParaRPr lang="zh-CN" altLang="en-US" smtClean="0"/>
           </a:p>
           <a:p>
             <a:pPr lvl="1"/>
@@ -987,7 +986,6 @@
               <a:rPr lang="zh-CN" altLang="en-US" smtClean="0"/>
               <a:t>第二级</a:t>
             </a:r>
-            <a:endParaRPr lang="zh-CN" altLang="en-US" smtClean="0"/>
           </a:p>
           <a:p>
             <a:pPr lvl="2"/>
@@ -995,7 +993,6 @@
               <a:rPr lang="zh-CN" altLang="en-US" smtClean="0"/>
               <a:t>第三级</a:t>
             </a:r>
-            <a:endParaRPr lang="zh-CN" altLang="en-US" smtClean="0"/>
           </a:p>
           <a:p>
             <a:pPr lvl="3"/>
@@ -1003,7 +1000,6 @@
               <a:rPr lang="zh-CN" altLang="en-US" smtClean="0"/>
               <a:t>第四级</a:t>
             </a:r>
-            <a:endParaRPr lang="zh-CN" altLang="en-US" smtClean="0"/>
           </a:p>
           <a:p>
             <a:pPr lvl="4"/>
@@ -1032,6 +1028,7 @@
           <a:p>
             <a:fld id="{82F288E0-7875-42C4-84C8-98DBBD3BF4D2}" type="datetimeFigureOut">
               <a:rPr lang="zh-CN" altLang="en-US" smtClean="0"/>
+              <a:t>2017/5/8</a:t>
             </a:fld>
             <a:endParaRPr lang="zh-CN" altLang="en-US"/>
           </a:p>
@@ -1073,6 +1070,7 @@
           <a:p>
             <a:fld id="{7D9BB5D0-35E4-459D-AEF3-FE4D7C45CC19}" type="slidenum">
               <a:rPr lang="zh-CN" altLang="en-US" smtClean="0"/>
+              <a:t>‹#›</a:t>
             </a:fld>
             <a:endParaRPr lang="zh-CN" altLang="en-US"/>
           </a:p>
@@ -1193,7 +1191,6 @@
               <a:rPr lang="zh-CN" altLang="en-US" smtClean="0"/>
               <a:t>单击此处编辑母版文本样式</a:t>
             </a:r>
-            <a:endParaRPr lang="zh-CN" altLang="en-US" smtClean="0"/>
           </a:p>
         </p:txBody>
       </p:sp>
@@ -1222,7 +1219,6 @@
               <a:rPr lang="zh-CN" altLang="en-US" smtClean="0"/>
               <a:t>单击此处编辑母版文本样式</a:t>
             </a:r>
-            <a:endParaRPr lang="zh-CN" altLang="en-US" smtClean="0"/>
           </a:p>
           <a:p>
             <a:pPr lvl="1"/>
@@ -1230,7 +1226,6 @@
               <a:rPr lang="zh-CN" altLang="en-US" smtClean="0"/>
               <a:t>第二级</a:t>
             </a:r>
-            <a:endParaRPr lang="zh-CN" altLang="en-US" smtClean="0"/>
           </a:p>
           <a:p>
             <a:pPr lvl="2"/>
@@ -1238,7 +1233,6 @@
               <a:rPr lang="zh-CN" altLang="en-US" smtClean="0"/>
               <a:t>第三级</a:t>
             </a:r>
-            <a:endParaRPr lang="zh-CN" altLang="en-US" smtClean="0"/>
           </a:p>
           <a:p>
             <a:pPr lvl="3"/>
@@ -1246,7 +1240,6 @@
               <a:rPr lang="zh-CN" altLang="en-US" smtClean="0"/>
               <a:t>第四级</a:t>
             </a:r>
-            <a:endParaRPr lang="zh-CN" altLang="en-US" smtClean="0"/>
           </a:p>
           <a:p>
             <a:pPr lvl="4"/>
@@ -1320,7 +1313,6 @@
               <a:rPr lang="zh-CN" altLang="en-US" smtClean="0"/>
               <a:t>单击此处编辑母版文本样式</a:t>
             </a:r>
-            <a:endParaRPr lang="zh-CN" altLang="en-US" smtClean="0"/>
           </a:p>
         </p:txBody>
       </p:sp>
@@ -1349,7 +1341,6 @@
               <a:rPr lang="zh-CN" altLang="en-US" smtClean="0"/>
               <a:t>单击此处编辑母版文本样式</a:t>
             </a:r>
-            <a:endParaRPr lang="zh-CN" altLang="en-US" smtClean="0"/>
           </a:p>
           <a:p>
             <a:pPr lvl="1"/>
@@ -1357,7 +1348,6 @@
               <a:rPr lang="zh-CN" altLang="en-US" smtClean="0"/>
               <a:t>第二级</a:t>
             </a:r>
-            <a:endParaRPr lang="zh-CN" altLang="en-US" smtClean="0"/>
           </a:p>
           <a:p>
             <a:pPr lvl="2"/>
@@ -1365,7 +1355,6 @@
               <a:rPr lang="zh-CN" altLang="en-US" smtClean="0"/>
               <a:t>第三级</a:t>
             </a:r>
-            <a:endParaRPr lang="zh-CN" altLang="en-US" smtClean="0"/>
           </a:p>
           <a:p>
             <a:pPr lvl="3"/>
@@ -1373,7 +1362,6 @@
               <a:rPr lang="zh-CN" altLang="en-US" smtClean="0"/>
               <a:t>第四级</a:t>
             </a:r>
-            <a:endParaRPr lang="zh-CN" altLang="en-US" smtClean="0"/>
           </a:p>
           <a:p>
             <a:pPr lvl="4"/>
@@ -1402,6 +1390,7 @@
           <a:p>
             <a:fld id="{82F288E0-7875-42C4-84C8-98DBBD3BF4D2}" type="datetimeFigureOut">
               <a:rPr lang="zh-CN" altLang="en-US" smtClean="0"/>
+              <a:t>2017/5/8</a:t>
             </a:fld>
             <a:endParaRPr lang="zh-CN" altLang="en-US"/>
           </a:p>
@@ -1443,6 +1432,7 @@
           <a:p>
             <a:fld id="{7D9BB5D0-35E4-459D-AEF3-FE4D7C45CC19}" type="slidenum">
               <a:rPr lang="zh-CN" altLang="en-US" smtClean="0"/>
+              <a:t>‹#›</a:t>
             </a:fld>
             <a:endParaRPr lang="zh-CN" altLang="en-US"/>
           </a:p>
@@ -1513,6 +1503,7 @@
           <a:p>
             <a:fld id="{82F288E0-7875-42C4-84C8-98DBBD3BF4D2}" type="datetimeFigureOut">
               <a:rPr lang="zh-CN" altLang="en-US" smtClean="0"/>
+              <a:t>2017/5/8</a:t>
             </a:fld>
             <a:endParaRPr lang="zh-CN" altLang="en-US"/>
           </a:p>
@@ -1554,6 +1545,7 @@
           <a:p>
             <a:fld id="{7D9BB5D0-35E4-459D-AEF3-FE4D7C45CC19}" type="slidenum">
               <a:rPr lang="zh-CN" altLang="en-US" smtClean="0"/>
+              <a:t>‹#›</a:t>
             </a:fld>
             <a:endParaRPr lang="zh-CN" altLang="en-US"/>
           </a:p>
@@ -1601,6 +1593,7 @@
           <a:p>
             <a:fld id="{82F288E0-7875-42C4-84C8-98DBBD3BF4D2}" type="datetimeFigureOut">
               <a:rPr lang="zh-CN" altLang="en-US" smtClean="0"/>
+              <a:t>2017/5/8</a:t>
             </a:fld>
             <a:endParaRPr lang="zh-CN" altLang="en-US"/>
           </a:p>
@@ -1642,6 +1635,7 @@
           <a:p>
             <a:fld id="{7D9BB5D0-35E4-459D-AEF3-FE4D7C45CC19}" type="slidenum">
               <a:rPr lang="zh-CN" altLang="en-US" smtClean="0"/>
+              <a:t>‹#›</a:t>
             </a:fld>
             <a:endParaRPr lang="zh-CN" altLang="en-US"/>
           </a:p>
@@ -1827,7 +1821,6 @@
               <a:rPr lang="zh-CN" altLang="en-US" smtClean="0"/>
               <a:t>单击此处编辑母版文本样式</a:t>
             </a:r>
-            <a:endParaRPr lang="zh-CN" altLang="en-US" smtClean="0"/>
           </a:p>
         </p:txBody>
       </p:sp>
@@ -1848,6 +1841,7 @@
           <a:p>
             <a:fld id="{82F288E0-7875-42C4-84C8-98DBBD3BF4D2}" type="datetimeFigureOut">
               <a:rPr lang="zh-CN" altLang="en-US" smtClean="0"/>
+              <a:t>2017/5/8</a:t>
             </a:fld>
             <a:endParaRPr lang="zh-CN" altLang="en-US"/>
           </a:p>
@@ -1889,6 +1883,7 @@
           <a:p>
             <a:fld id="{7D9BB5D0-35E4-459D-AEF3-FE4D7C45CC19}" type="slidenum">
               <a:rPr lang="zh-CN" altLang="en-US" smtClean="0"/>
+              <a:t>‹#›</a:t>
             </a:fld>
             <a:endParaRPr lang="zh-CN" altLang="en-US"/>
           </a:p>
@@ -1972,7 +1967,6 @@
               <a:rPr lang="zh-CN" altLang="en-US" smtClean="0"/>
               <a:t>单击此处编辑母版文本样式</a:t>
             </a:r>
-            <a:endParaRPr lang="zh-CN" altLang="en-US" smtClean="0"/>
           </a:p>
           <a:p>
             <a:pPr lvl="1"/>
@@ -1980,7 +1974,6 @@
               <a:rPr lang="zh-CN" altLang="en-US" smtClean="0"/>
               <a:t>第二级</a:t>
             </a:r>
-            <a:endParaRPr lang="zh-CN" altLang="en-US" smtClean="0"/>
           </a:p>
           <a:p>
             <a:pPr lvl="2"/>
@@ -1988,7 +1981,6 @@
               <a:rPr lang="zh-CN" altLang="en-US" smtClean="0"/>
               <a:t>第三级</a:t>
             </a:r>
-            <a:endParaRPr lang="zh-CN" altLang="en-US" smtClean="0"/>
           </a:p>
           <a:p>
             <a:pPr lvl="3"/>
@@ -1996,7 +1988,6 @@
               <a:rPr lang="zh-CN" altLang="en-US" smtClean="0"/>
               <a:t>第四级</a:t>
             </a:r>
-            <a:endParaRPr lang="zh-CN" altLang="en-US" smtClean="0"/>
           </a:p>
           <a:p>
             <a:pPr lvl="4"/>
@@ -2025,6 +2016,7 @@
           <a:p>
             <a:fld id="{82F288E0-7875-42C4-84C8-98DBBD3BF4D2}" type="datetimeFigureOut">
               <a:rPr lang="zh-CN" altLang="en-US" smtClean="0"/>
+              <a:t>2017/5/8</a:t>
             </a:fld>
             <a:endParaRPr lang="zh-CN" altLang="en-US"/>
           </a:p>
@@ -2066,6 +2058,7 @@
           <a:p>
             <a:fld id="{7D9BB5D0-35E4-459D-AEF3-FE4D7C45CC19}" type="slidenum">
               <a:rPr lang="zh-CN" altLang="en-US" smtClean="0"/>
+              <a:t>‹#›</a:t>
             </a:fld>
             <a:endParaRPr lang="zh-CN" altLang="en-US"/>
           </a:p>
@@ -2164,7 +2157,6 @@
               <a:rPr lang="zh-CN" altLang="en-US" smtClean="0"/>
               <a:t>单击此处编辑母版文本样式</a:t>
             </a:r>
-            <a:endParaRPr lang="zh-CN" altLang="en-US" smtClean="0"/>
           </a:p>
           <a:p>
             <a:pPr lvl="1"/>
@@ -2172,7 +2164,6 @@
               <a:rPr lang="zh-CN" altLang="en-US" smtClean="0"/>
               <a:t>第二级</a:t>
             </a:r>
-            <a:endParaRPr lang="zh-CN" altLang="en-US" smtClean="0"/>
           </a:p>
           <a:p>
             <a:pPr lvl="2"/>
@@ -2180,7 +2171,6 @@
               <a:rPr lang="zh-CN" altLang="en-US" smtClean="0"/>
               <a:t>第三级</a:t>
             </a:r>
-            <a:endParaRPr lang="zh-CN" altLang="en-US" smtClean="0"/>
           </a:p>
           <a:p>
             <a:pPr lvl="3"/>
@@ -2188,7 +2178,6 @@
               <a:rPr lang="zh-CN" altLang="en-US" smtClean="0"/>
               <a:t>第四级</a:t>
             </a:r>
-            <a:endParaRPr lang="zh-CN" altLang="en-US" smtClean="0"/>
           </a:p>
           <a:p>
             <a:pPr lvl="4"/>
@@ -2235,6 +2224,7 @@
           <a:p>
             <a:fld id="{82F288E0-7875-42C4-84C8-98DBBD3BF4D2}" type="datetimeFigureOut">
               <a:rPr lang="zh-CN" altLang="en-US" smtClean="0"/>
+              <a:t>2017/5/8</a:t>
             </a:fld>
             <a:endParaRPr lang="zh-CN" altLang="en-US"/>
           </a:p>
@@ -2312,6 +2302,7 @@
           <a:p>
             <a:fld id="{7D9BB5D0-35E4-459D-AEF3-FE4D7C45CC19}" type="slidenum">
               <a:rPr lang="zh-CN" altLang="en-US" smtClean="0"/>
+              <a:t>‹#›</a:t>
             </a:fld>
             <a:endParaRPr lang="zh-CN" altLang="en-US"/>
           </a:p>
@@ -2624,7 +2615,14 @@
         <p:cNvGrpSpPr/>
         <p:nvPr/>
       </p:nvGrpSpPr>
-      <p:grpSpPr/>
+      <p:grpSpPr>
+        <a:xfrm>
+          <a:off x="0" y="0"/>
+          <a:ext cx="0" cy="0"/>
+          <a:chOff x="0" y="0"/>
+          <a:chExt cx="0" cy="0"/>
+        </a:xfrm>
+      </p:grpSpPr>
       <p:sp>
         <p:nvSpPr>
           <p:cNvPr id="4" name="圆角矩形 3"/>
@@ -2665,6 +2663,7 @@
         </p:style>
         <p:txBody>
           <a:bodyPr rtlCol="0" anchor="ctr"/>
+          <a:lstStyle/>
           <a:p>
             <a:pPr algn="ctr"/>
             <a:r>
@@ -2674,10 +2673,6 @@
               </a:rPr>
               <a:t>Application Clients</a:t>
             </a:r>
-            <a:endParaRPr lang="en-US" altLang="zh-CN" sz="1400">
-              <a:latin typeface="微软雅黑" panose="020B0503020204020204" charset="-122"/>
-              <a:ea typeface="微软雅黑" panose="020B0503020204020204" charset="-122"/>
-            </a:endParaRPr>
           </a:p>
         </p:txBody>
       </p:sp>
@@ -2712,6 +2707,7 @@
         </p:style>
         <p:txBody>
           <a:bodyPr rtlCol="0" anchor="ctr"/>
+          <a:lstStyle/>
           <a:p>
             <a:pPr algn="ctr"/>
             <a:endParaRPr lang="zh-CN" altLang="en-US" sz="1400">
@@ -2741,6 +2737,7 @@
           <a:bodyPr wrap="square" rtlCol="0">
             <a:spAutoFit/>
           </a:bodyPr>
+          <a:lstStyle/>
           <a:p>
             <a:r>
               <a:rPr lang="en-US" altLang="zh-CN" sz="1400">
@@ -2749,10 +2746,6 @@
               </a:rPr>
               <a:t>Server Side</a:t>
             </a:r>
-            <a:endParaRPr lang="en-US" altLang="zh-CN" sz="1400">
-              <a:latin typeface="微软雅黑" panose="020B0503020204020204" charset="-122"/>
-              <a:ea typeface="微软雅黑" panose="020B0503020204020204" charset="-122"/>
-            </a:endParaRPr>
           </a:p>
         </p:txBody>
       </p:sp>
@@ -2796,6 +2789,7 @@
         </p:style>
         <p:txBody>
           <a:bodyPr rtlCol="0" anchor="ctr"/>
+          <a:lstStyle/>
           <a:p>
             <a:pPr algn="ctr"/>
             <a:r>
@@ -2805,10 +2799,6 @@
               </a:rPr>
               <a:t>Nginx Server</a:t>
             </a:r>
-            <a:endParaRPr lang="en-US" altLang="zh-CN" sz="1400">
-              <a:latin typeface="微软雅黑" panose="020B0503020204020204" charset="-122"/>
-              <a:ea typeface="微软雅黑" panose="020B0503020204020204" charset="-122"/>
-            </a:endParaRPr>
           </a:p>
         </p:txBody>
       </p:sp>
@@ -2843,6 +2833,7 @@
         </p:style>
         <p:txBody>
           <a:bodyPr rtlCol="0" anchor="ctr"/>
+          <a:lstStyle/>
           <a:p>
             <a:pPr algn="ctr"/>
             <a:endParaRPr lang="zh-CN" altLang="en-US" sz="1400">
@@ -2932,6 +2923,7 @@
         </p:style>
         <p:txBody>
           <a:bodyPr rtlCol="0" anchor="ctr"/>
+          <a:lstStyle/>
           <a:p>
             <a:pPr algn="ctr"/>
             <a:r>
@@ -2956,10 +2948,6 @@
               </a:rPr>
               <a:t> Server Swarm</a:t>
             </a:r>
-            <a:endParaRPr lang="en-US" altLang="zh-CN" sz="1400">
-              <a:latin typeface="微软雅黑" panose="020B0503020204020204" charset="-122"/>
-              <a:ea typeface="微软雅黑" panose="020B0503020204020204" charset="-122"/>
-            </a:endParaRPr>
           </a:p>
         </p:txBody>
       </p:sp>
@@ -3020,6 +3008,7 @@
           <a:bodyPr wrap="square" rtlCol="0">
             <a:spAutoFit/>
           </a:bodyPr>
+          <a:lstStyle/>
           <a:p>
             <a:r>
               <a:rPr lang="en-US" altLang="zh-CN" sz="1400">
@@ -3028,10 +3017,6 @@
               </a:rPr>
               <a:t>Register</a:t>
             </a:r>
-            <a:endParaRPr lang="en-US" altLang="zh-CN" sz="1400">
-              <a:latin typeface="微软雅黑" panose="020B0503020204020204" charset="-122"/>
-              <a:ea typeface="微软雅黑" panose="020B0503020204020204" charset="-122"/>
-            </a:endParaRPr>
           </a:p>
         </p:txBody>
       </p:sp>
@@ -3055,6 +3040,7 @@
           <a:bodyPr wrap="square" rtlCol="0">
             <a:spAutoFit/>
           </a:bodyPr>
+          <a:lstStyle/>
           <a:p>
             <a:r>
               <a:rPr lang="en-US" altLang="zh-CN" sz="1400">
@@ -3071,10 +3057,6 @@
               </a:rPr>
               <a:t> Manager</a:t>
             </a:r>
-            <a:endParaRPr lang="en-US" altLang="zh-CN" sz="1400">
-              <a:latin typeface="微软雅黑" panose="020B0503020204020204" charset="-122"/>
-              <a:ea typeface="微软雅黑" panose="020B0503020204020204" charset="-122"/>
-            </a:endParaRPr>
           </a:p>
         </p:txBody>
       </p:sp>
@@ -3137,6 +3119,7 @@
           <a:bodyPr wrap="square" rtlCol="0">
             <a:spAutoFit/>
           </a:bodyPr>
+          <a:lstStyle/>
           <a:p>
             <a:r>
               <a:rPr lang="en-US" altLang="zh-CN" sz="1400">
@@ -3145,10 +3128,6 @@
               </a:rPr>
               <a:t>Service Qualifier</a:t>
             </a:r>
-            <a:endParaRPr lang="en-US" altLang="zh-CN" sz="1400">
-              <a:latin typeface="微软雅黑" panose="020B0503020204020204" charset="-122"/>
-              <a:ea typeface="微软雅黑" panose="020B0503020204020204" charset="-122"/>
-            </a:endParaRPr>
           </a:p>
         </p:txBody>
       </p:sp>
@@ -3192,6 +3171,7 @@
         </p:style>
         <p:txBody>
           <a:bodyPr rtlCol="0" anchor="ctr"/>
+          <a:lstStyle/>
           <a:p>
             <a:pPr algn="ctr"/>
             <a:r>
@@ -3201,10 +3181,6 @@
               </a:rPr>
               <a:t>Auth Server Swarm</a:t>
             </a:r>
-            <a:endParaRPr lang="en-US" altLang="zh-CN" sz="1400">
-              <a:latin typeface="微软雅黑" panose="020B0503020204020204" charset="-122"/>
-              <a:ea typeface="微软雅黑" panose="020B0503020204020204" charset="-122"/>
-            </a:endParaRPr>
           </a:p>
         </p:txBody>
       </p:sp>
@@ -3286,6 +3262,7 @@
         </p:style>
         <p:txBody>
           <a:bodyPr rtlCol="0" anchor="ctr"/>
+          <a:lstStyle/>
           <a:p>
             <a:pPr algn="ctr"/>
             <a:endParaRPr lang="zh-CN" altLang="en-US" sz="1400">
@@ -3315,6 +3292,7 @@
           <a:bodyPr wrap="square" rtlCol="0">
             <a:spAutoFit/>
           </a:bodyPr>
+          <a:lstStyle/>
           <a:p>
             <a:r>
               <a:rPr lang="en-US" altLang="zh-CN" sz="1400">
@@ -3323,10 +3301,6 @@
               </a:rPr>
               <a:t>Sign, Toekn, Session</a:t>
             </a:r>
-            <a:endParaRPr lang="en-US" altLang="zh-CN" sz="1400">
-              <a:latin typeface="微软雅黑" panose="020B0503020204020204" charset="-122"/>
-              <a:ea typeface="微软雅黑" panose="020B0503020204020204" charset="-122"/>
-            </a:endParaRPr>
           </a:p>
         </p:txBody>
       </p:sp>
@@ -3387,6 +3361,7 @@
           <a:bodyPr wrap="square" rtlCol="0">
             <a:spAutoFit/>
           </a:bodyPr>
+          <a:lstStyle/>
           <a:p>
             <a:r>
               <a:rPr lang="en-US" altLang="zh-CN" sz="1400">
@@ -3403,11 +3378,6 @@
               </a:rPr>
               <a:t>run,</a:t>
             </a:r>
-            <a:endParaRPr lang="en-US" altLang="zh-CN" sz="1400">
-              <a:latin typeface="微软雅黑" panose="020B0503020204020204" charset="-122"/>
-              <a:ea typeface="微软雅黑" panose="020B0503020204020204" charset="-122"/>
-              <a:sym typeface="+mn-ea"/>
-            </a:endParaRPr>
           </a:p>
           <a:p>
             <a:r>
@@ -3443,10 +3413,6 @@
               </a:rPr>
               <a:t>swarms </a:t>
             </a:r>
-            <a:endParaRPr lang="en-US" altLang="zh-CN" sz="1400">
-              <a:latin typeface="微软雅黑" panose="020B0503020204020204" charset="-122"/>
-              <a:ea typeface="微软雅黑" panose="020B0503020204020204" charset="-122"/>
-            </a:endParaRPr>
           </a:p>
         </p:txBody>
       </p:sp>
@@ -3470,6 +3436,7 @@
           <a:bodyPr wrap="square" rtlCol="0">
             <a:spAutoFit/>
           </a:bodyPr>
+          <a:lstStyle/>
           <a:p>
             <a:r>
               <a:rPr lang="en-US" altLang="zh-CN" sz="1400">
@@ -3478,10 +3445,6 @@
               </a:rPr>
               <a:t>Container Services</a:t>
             </a:r>
-            <a:endParaRPr lang="en-US" altLang="zh-CN" sz="1400">
-              <a:latin typeface="微软雅黑" panose="020B0503020204020204" charset="-122"/>
-              <a:ea typeface="微软雅黑" panose="020B0503020204020204" charset="-122"/>
-            </a:endParaRPr>
           </a:p>
         </p:txBody>
       </p:sp>
@@ -3526,6 +3489,7 @@
         </p:style>
         <p:txBody>
           <a:bodyPr rtlCol="0" anchor="ctr"/>
+          <a:lstStyle/>
           <a:p>
             <a:pPr algn="ctr"/>
             <a:endParaRPr lang="zh-CN" altLang="en-US" sz="1400">
@@ -3575,6 +3539,7 @@
         </p:style>
         <p:txBody>
           <a:bodyPr vert="eaVert" rtlCol="0" anchor="ctr"/>
+          <a:lstStyle/>
           <a:p>
             <a:pPr algn="ctr"/>
             <a:r>
@@ -3584,10 +3549,6 @@
               </a:rPr>
               <a:t>Log Server Swarm</a:t>
             </a:r>
-            <a:endParaRPr lang="en-US" altLang="zh-CN" sz="1400">
-              <a:latin typeface="微软雅黑" panose="020B0503020204020204" charset="-122"/>
-              <a:ea typeface="微软雅黑" panose="020B0503020204020204" charset="-122"/>
-            </a:endParaRPr>
           </a:p>
         </p:txBody>
       </p:sp>
@@ -3611,6 +3572,7 @@
           <a:bodyPr wrap="square" rtlCol="0">
             <a:spAutoFit/>
           </a:bodyPr>
+          <a:lstStyle/>
           <a:p>
             <a:r>
               <a:rPr lang="en-US" altLang="zh-CN" sz="1400">
@@ -3619,10 +3581,6 @@
               </a:rPr>
               <a:t>Watch</a:t>
             </a:r>
-            <a:endParaRPr lang="en-US" altLang="zh-CN" sz="1400">
-              <a:latin typeface="微软雅黑" panose="020B0503020204020204" charset="-122"/>
-              <a:ea typeface="微软雅黑" panose="020B0503020204020204" charset="-122"/>
-            </a:endParaRPr>
           </a:p>
         </p:txBody>
       </p:sp>
@@ -3646,6 +3604,7 @@
           <a:bodyPr wrap="square" rtlCol="0">
             <a:spAutoFit/>
           </a:bodyPr>
+          <a:lstStyle/>
           <a:p>
             <a:pPr algn="ctr"/>
             <a:r>
@@ -3656,11 +3615,6 @@
               </a:rPr>
               <a:t>authorization</a:t>
             </a:r>
-            <a:endParaRPr lang="zh-CN" altLang="en-US" sz="1400">
-              <a:latin typeface="微软雅黑" panose="020B0503020204020204" charset="-122"/>
-              <a:ea typeface="微软雅黑" panose="020B0503020204020204" charset="-122"/>
-              <a:sym typeface="+mn-ea"/>
-            </a:endParaRPr>
           </a:p>
         </p:txBody>
       </p:sp>
@@ -3754,6 +3708,7 @@
           <a:bodyPr wrap="square" rtlCol="0">
             <a:spAutoFit/>
           </a:bodyPr>
+          <a:lstStyle/>
           <a:p>
             <a:pPr algn="ctr"/>
             <a:r>
@@ -3764,11 +3719,6 @@
               </a:rPr>
               <a:t>Verify</a:t>
             </a:r>
-            <a:endParaRPr lang="en-US" sz="1400">
-              <a:latin typeface="微软雅黑" panose="020B0503020204020204" charset="-122"/>
-              <a:ea typeface="微软雅黑" panose="020B0503020204020204" charset="-122"/>
-              <a:sym typeface="+mn-ea"/>
-            </a:endParaRPr>
           </a:p>
         </p:txBody>
       </p:sp>
@@ -3792,6 +3742,7 @@
           <a:bodyPr wrap="square" rtlCol="0">
             <a:spAutoFit/>
           </a:bodyPr>
+          <a:lstStyle/>
           <a:p>
             <a:pPr algn="ctr"/>
             <a:r>
@@ -3802,11 +3753,6 @@
               </a:rPr>
               <a:t>Restful Api Request</a:t>
             </a:r>
-            <a:endParaRPr lang="en-US" sz="1400">
-              <a:latin typeface="微软雅黑" panose="020B0503020204020204" charset="-122"/>
-              <a:ea typeface="微软雅黑" panose="020B0503020204020204" charset="-122"/>
-              <a:sym typeface="+mn-ea"/>
-            </a:endParaRPr>
           </a:p>
         </p:txBody>
       </p:sp>
@@ -3898,6 +3844,7 @@
           <a:bodyPr wrap="square" rtlCol="0">
             <a:spAutoFit/>
           </a:bodyPr>
+          <a:lstStyle/>
           <a:p>
             <a:pPr algn="ctr"/>
             <a:r>
@@ -3908,11 +3855,6 @@
               </a:rPr>
               <a:t>Json Body &amp; Status Code Response</a:t>
             </a:r>
-            <a:endParaRPr lang="en-US" sz="1400">
-              <a:latin typeface="微软雅黑" panose="020B0503020204020204" charset="-122"/>
-              <a:ea typeface="微软雅黑" panose="020B0503020204020204" charset="-122"/>
-              <a:sym typeface="+mn-ea"/>
-            </a:endParaRPr>
           </a:p>
         </p:txBody>
       </p:sp>
@@ -3936,6 +3878,7 @@
           <a:bodyPr wrap="square" rtlCol="0">
             <a:spAutoFit/>
           </a:bodyPr>
+          <a:lstStyle/>
           <a:p>
             <a:pPr algn="ctr"/>
             <a:r>
@@ -3946,11 +3889,6 @@
               </a:rPr>
               <a:t>Load Balance &amp; Reverse Proxy</a:t>
             </a:r>
-            <a:endParaRPr lang="en-US" sz="1400">
-              <a:latin typeface="微软雅黑" panose="020B0503020204020204" charset="-122"/>
-              <a:ea typeface="微软雅黑" panose="020B0503020204020204" charset="-122"/>
-              <a:sym typeface="+mn-ea"/>
-            </a:endParaRPr>
           </a:p>
         </p:txBody>
       </p:sp>
@@ -3995,6 +3933,7 @@
         </p:style>
         <p:txBody>
           <a:bodyPr rtlCol="0" anchor="ctr"/>
+          <a:lstStyle/>
           <a:p>
             <a:pPr algn="ctr"/>
             <a:endParaRPr lang="zh-CN" altLang="en-US" sz="1400">
@@ -4011,7 +3950,7 @@
           <p:nvPr/>
         </p:nvGrpSpPr>
         <p:grpSpPr>
-          <a:xfrm rot="0">
+          <a:xfrm>
             <a:off x="3789045" y="4771390"/>
             <a:ext cx="3251200" cy="766445"/>
             <a:chOff x="5941" y="6140"/>
@@ -4058,6 +3997,7 @@
           </p:style>
           <p:txBody>
             <a:bodyPr rtlCol="0" anchor="ctr"/>
+            <a:lstStyle/>
             <a:p>
               <a:pPr algn="ctr"/>
               <a:r>
@@ -4067,10 +4007,6 @@
                 </a:rPr>
                 <a:t>Slave Database Swarm</a:t>
               </a:r>
-              <a:endParaRPr lang="en-US" altLang="zh-CN" sz="1400">
-                <a:latin typeface="微软雅黑" panose="020B0503020204020204" charset="-122"/>
-                <a:ea typeface="微软雅黑" panose="020B0503020204020204" charset="-122"/>
-              </a:endParaRPr>
             </a:p>
           </p:txBody>
         </p:sp>
@@ -4114,6 +4050,7 @@
           </p:style>
           <p:txBody>
             <a:bodyPr rtlCol="0" anchor="ctr"/>
+            <a:lstStyle/>
             <a:p>
               <a:pPr algn="ctr"/>
               <a:r>
@@ -4123,10 +4060,6 @@
                 </a:rPr>
                 <a:t>Master Database Swarm</a:t>
               </a:r>
-              <a:endParaRPr lang="en-US" altLang="zh-CN" sz="1400">
-                <a:latin typeface="微软雅黑" panose="020B0503020204020204" charset="-122"/>
-                <a:ea typeface="微软雅黑" panose="020B0503020204020204" charset="-122"/>
-              </a:endParaRPr>
             </a:p>
           </p:txBody>
         </p:sp>
@@ -4151,6 +4084,7 @@
           <a:bodyPr wrap="square" rtlCol="0">
             <a:spAutoFit/>
           </a:bodyPr>
+          <a:lstStyle/>
           <a:p>
             <a:pPr algn="ctr"/>
             <a:r>
@@ -4161,11 +4095,6 @@
               </a:rPr>
               <a:t>CRUD</a:t>
             </a:r>
-            <a:endParaRPr lang="en-US" sz="1400">
-              <a:latin typeface="微软雅黑" panose="020B0503020204020204" charset="-122"/>
-              <a:ea typeface="微软雅黑" panose="020B0503020204020204" charset="-122"/>
-              <a:sym typeface="+mn-ea"/>
-            </a:endParaRPr>
           </a:p>
         </p:txBody>
       </p:sp>
@@ -4176,7 +4105,7 @@
           <p:nvPr/>
         </p:nvGrpSpPr>
         <p:grpSpPr>
-          <a:xfrm rot="0">
+          <a:xfrm>
             <a:off x="3646805" y="3302635"/>
             <a:ext cx="4990465" cy="613410"/>
             <a:chOff x="5743" y="4907"/>
@@ -4223,6 +4152,7 @@
           </p:style>
           <p:txBody>
             <a:bodyPr rtlCol="0" anchor="ctr"/>
+            <a:lstStyle/>
             <a:p>
               <a:pPr algn="ctr"/>
               <a:r>
@@ -4232,10 +4162,6 @@
                 </a:rPr>
                 <a:t>Api Service 3 Server Swarm</a:t>
               </a:r>
-              <a:endParaRPr lang="en-US" altLang="zh-CN" sz="1400">
-                <a:latin typeface="微软雅黑" panose="020B0503020204020204" charset="-122"/>
-                <a:ea typeface="微软雅黑" panose="020B0503020204020204" charset="-122"/>
-              </a:endParaRPr>
             </a:p>
           </p:txBody>
         </p:sp>
@@ -4279,6 +4205,7 @@
           </p:style>
           <p:txBody>
             <a:bodyPr rtlCol="0" anchor="ctr"/>
+            <a:lstStyle/>
             <a:p>
               <a:pPr algn="ctr"/>
               <a:r>
@@ -4288,10 +4215,6 @@
                 </a:rPr>
                 <a:t>Api Service1 Server Swarm</a:t>
               </a:r>
-              <a:endParaRPr lang="en-US" altLang="zh-CN" sz="1400">
-                <a:latin typeface="微软雅黑" panose="020B0503020204020204" charset="-122"/>
-                <a:ea typeface="微软雅黑" panose="020B0503020204020204" charset="-122"/>
-              </a:endParaRPr>
             </a:p>
           </p:txBody>
         </p:sp>
@@ -4335,6 +4258,7 @@
           </p:style>
           <p:txBody>
             <a:bodyPr rtlCol="0" anchor="ctr"/>
+            <a:lstStyle/>
             <a:p>
               <a:pPr algn="ctr"/>
               <a:r>
@@ -4344,10 +4268,6 @@
                 </a:rPr>
                 <a:t>Api Service2 Server Swarm</a:t>
               </a:r>
-              <a:endParaRPr lang="en-US" altLang="zh-CN" sz="1400">
-                <a:latin typeface="微软雅黑" panose="020B0503020204020204" charset="-122"/>
-                <a:ea typeface="微软雅黑" panose="020B0503020204020204" charset="-122"/>
-              </a:endParaRPr>
             </a:p>
           </p:txBody>
         </p:sp>
@@ -4512,6 +4432,7 @@
         </p:style>
         <p:txBody>
           <a:bodyPr rtlCol="0" anchor="ctr"/>
+          <a:lstStyle/>
           <a:p>
             <a:pPr algn="ctr"/>
             <a:r>
@@ -4521,10 +4442,6 @@
               </a:rPr>
               <a:t>Slave Database Swarm</a:t>
             </a:r>
-            <a:endParaRPr lang="en-US" altLang="zh-CN" sz="1400">
-              <a:latin typeface="微软雅黑" panose="020B0503020204020204" charset="-122"/>
-              <a:ea typeface="微软雅黑" panose="020B0503020204020204" charset="-122"/>
-            </a:endParaRPr>
           </a:p>
         </p:txBody>
       </p:sp>
@@ -4706,6 +4623,7 @@
           <a:bodyPr wrap="square" rtlCol="0">
             <a:spAutoFit/>
           </a:bodyPr>
+          <a:lstStyle/>
           <a:p>
             <a:pPr algn="ctr"/>
             <a:r>
@@ -4716,11 +4634,6 @@
               </a:rPr>
               <a:t>...</a:t>
             </a:r>
-            <a:endParaRPr lang="en-US" sz="1400" b="1">
-              <a:latin typeface="微软雅黑" panose="020B0503020204020204" charset="-122"/>
-              <a:ea typeface="微软雅黑" panose="020B0503020204020204" charset="-122"/>
-              <a:sym typeface="+mn-ea"/>
-            </a:endParaRPr>
           </a:p>
         </p:txBody>
       </p:sp>
@@ -4741,7 +4654,14 @@
         <p:cNvGrpSpPr/>
         <p:nvPr/>
       </p:nvGrpSpPr>
-      <p:grpSpPr/>
+      <p:grpSpPr>
+        <a:xfrm>
+          <a:off x="0" y="0"/>
+          <a:ext cx="0" cy="0"/>
+          <a:chOff x="0" y="0"/>
+          <a:chExt cx="0" cy="0"/>
+        </a:xfrm>
+      </p:grpSpPr>
       <p:grpSp>
         <p:nvGrpSpPr>
           <p:cNvPr id="7" name="组合 6"/>
@@ -4787,6 +4707,7 @@
           </p:style>
           <p:txBody>
             <a:bodyPr rtlCol="0" anchor="ctr"/>
+            <a:lstStyle/>
             <a:p>
               <a:pPr algn="ctr"/>
               <a:r>
@@ -4809,10 +4730,6 @@
                 </a:rPr>
                 <a:t>A</a:t>
               </a:r>
-              <a:endParaRPr lang="en-US" altLang="zh-CN" sz="1200">
-                <a:latin typeface="微软雅黑" panose="020B0503020204020204" charset="-122"/>
-                <a:ea typeface="微软雅黑" panose="020B0503020204020204" charset="-122"/>
-              </a:endParaRPr>
             </a:p>
           </p:txBody>
         </p:sp>
@@ -4847,6 +4764,7 @@
           </p:style>
           <p:txBody>
             <a:bodyPr rtlCol="0" anchor="ctr"/>
+            <a:lstStyle/>
             <a:p>
               <a:pPr algn="ctr"/>
               <a:r>
@@ -4856,10 +4774,6 @@
                 </a:rPr>
                 <a:t>Bins/Libs</a:t>
               </a:r>
-              <a:endParaRPr lang="en-US" altLang="zh-CN" sz="1200">
-                <a:latin typeface="微软雅黑" panose="020B0503020204020204" charset="-122"/>
-                <a:ea typeface="微软雅黑" panose="020B0503020204020204" charset="-122"/>
-              </a:endParaRPr>
             </a:p>
           </p:txBody>
         </p:sp>
@@ -4894,6 +4808,7 @@
           </p:style>
           <p:txBody>
             <a:bodyPr rtlCol="0" anchor="ctr"/>
+            <a:lstStyle/>
             <a:p>
               <a:pPr algn="ctr"/>
               <a:r>
@@ -4903,10 +4818,6 @@
                 </a:rPr>
                 <a:t>Guset OS</a:t>
               </a:r>
-              <a:endParaRPr lang="en-US" altLang="zh-CN" sz="1200">
-                <a:latin typeface="微软雅黑" panose="020B0503020204020204" charset="-122"/>
-                <a:ea typeface="微软雅黑" panose="020B0503020204020204" charset="-122"/>
-              </a:endParaRPr>
             </a:p>
           </p:txBody>
         </p:sp>
@@ -4956,6 +4867,7 @@
           </p:style>
           <p:txBody>
             <a:bodyPr rtlCol="0" anchor="ctr"/>
+            <a:lstStyle/>
             <a:p>
               <a:pPr algn="ctr"/>
               <a:r>
@@ -4978,10 +4890,6 @@
                 </a:rPr>
                 <a:t>A</a:t>
               </a:r>
-              <a:endParaRPr lang="en-US" altLang="zh-CN" sz="1200">
-                <a:latin typeface="微软雅黑" panose="020B0503020204020204" charset="-122"/>
-                <a:ea typeface="微软雅黑" panose="020B0503020204020204" charset="-122"/>
-              </a:endParaRPr>
             </a:p>
           </p:txBody>
         </p:sp>
@@ -5016,6 +4924,7 @@
           </p:style>
           <p:txBody>
             <a:bodyPr rtlCol="0" anchor="ctr"/>
+            <a:lstStyle/>
             <a:p>
               <a:pPr algn="ctr"/>
               <a:r>
@@ -5025,10 +4934,6 @@
                 </a:rPr>
                 <a:t>Bins/Libs</a:t>
               </a:r>
-              <a:endParaRPr lang="en-US" altLang="zh-CN" sz="1200">
-                <a:latin typeface="微软雅黑" panose="020B0503020204020204" charset="-122"/>
-                <a:ea typeface="微软雅黑" panose="020B0503020204020204" charset="-122"/>
-              </a:endParaRPr>
             </a:p>
           </p:txBody>
         </p:sp>
@@ -5063,6 +4968,7 @@
           </p:style>
           <p:txBody>
             <a:bodyPr rtlCol="0" anchor="ctr"/>
+            <a:lstStyle/>
             <a:p>
               <a:pPr algn="ctr"/>
               <a:r>
@@ -5072,10 +4978,6 @@
                 </a:rPr>
                 <a:t>Guset OS</a:t>
               </a:r>
-              <a:endParaRPr lang="en-US" altLang="zh-CN" sz="1200">
-                <a:latin typeface="微软雅黑" panose="020B0503020204020204" charset="-122"/>
-                <a:ea typeface="微软雅黑" panose="020B0503020204020204" charset="-122"/>
-              </a:endParaRPr>
             </a:p>
           </p:txBody>
         </p:sp>
@@ -5125,6 +5027,7 @@
           </p:style>
           <p:txBody>
             <a:bodyPr rtlCol="0" anchor="ctr"/>
+            <a:lstStyle/>
             <a:p>
               <a:pPr algn="ctr"/>
               <a:r>
@@ -5147,10 +5050,6 @@
                 </a:rPr>
                 <a:t>A</a:t>
               </a:r>
-              <a:endParaRPr lang="en-US" altLang="zh-CN" sz="1200">
-                <a:latin typeface="微软雅黑" panose="020B0503020204020204" charset="-122"/>
-                <a:ea typeface="微软雅黑" panose="020B0503020204020204" charset="-122"/>
-              </a:endParaRPr>
             </a:p>
           </p:txBody>
         </p:sp>
@@ -5185,6 +5084,7 @@
           </p:style>
           <p:txBody>
             <a:bodyPr rtlCol="0" anchor="ctr"/>
+            <a:lstStyle/>
             <a:p>
               <a:pPr algn="ctr"/>
               <a:r>
@@ -5194,10 +5094,6 @@
                 </a:rPr>
                 <a:t>Bins/Libs</a:t>
               </a:r>
-              <a:endParaRPr lang="en-US" altLang="zh-CN" sz="1200">
-                <a:latin typeface="微软雅黑" panose="020B0503020204020204" charset="-122"/>
-                <a:ea typeface="微软雅黑" panose="020B0503020204020204" charset="-122"/>
-              </a:endParaRPr>
             </a:p>
           </p:txBody>
         </p:sp>
@@ -5232,6 +5128,7 @@
           </p:style>
           <p:txBody>
             <a:bodyPr rtlCol="0" anchor="ctr"/>
+            <a:lstStyle/>
             <a:p>
               <a:pPr algn="ctr"/>
               <a:r>
@@ -5241,10 +5138,6 @@
                 </a:rPr>
                 <a:t>Guset OS</a:t>
               </a:r>
-              <a:endParaRPr lang="en-US" altLang="zh-CN" sz="1200">
-                <a:latin typeface="微软雅黑" panose="020B0503020204020204" charset="-122"/>
-                <a:ea typeface="微软雅黑" panose="020B0503020204020204" charset="-122"/>
-              </a:endParaRPr>
             </a:p>
           </p:txBody>
         </p:sp>
@@ -5294,6 +5187,7 @@
           </p:style>
           <p:txBody>
             <a:bodyPr rtlCol="0" anchor="ctr"/>
+            <a:lstStyle/>
             <a:p>
               <a:pPr algn="ctr"/>
               <a:r>
@@ -5303,10 +5197,6 @@
                 </a:rPr>
                 <a:t>Hypervisor (type 2)</a:t>
               </a:r>
-              <a:endParaRPr lang="en-US" altLang="zh-CN" sz="1200">
-                <a:latin typeface="微软雅黑" panose="020B0503020204020204" charset="-122"/>
-                <a:ea typeface="微软雅黑" panose="020B0503020204020204" charset="-122"/>
-              </a:endParaRPr>
             </a:p>
           </p:txBody>
         </p:sp>
@@ -5341,6 +5231,7 @@
           </p:style>
           <p:txBody>
             <a:bodyPr rtlCol="0" anchor="ctr"/>
+            <a:lstStyle/>
             <a:p>
               <a:pPr algn="ctr"/>
               <a:r>
@@ -5350,10 +5241,6 @@
                 </a:rPr>
                 <a:t>Host OS</a:t>
               </a:r>
-              <a:endParaRPr lang="en-US" altLang="zh-CN" sz="1200">
-                <a:latin typeface="微软雅黑" panose="020B0503020204020204" charset="-122"/>
-                <a:ea typeface="微软雅黑" panose="020B0503020204020204" charset="-122"/>
-              </a:endParaRPr>
             </a:p>
           </p:txBody>
         </p:sp>
@@ -5388,6 +5275,7 @@
           </p:style>
           <p:txBody>
             <a:bodyPr rtlCol="0" anchor="ctr"/>
+            <a:lstStyle/>
             <a:p>
               <a:pPr algn="ctr"/>
               <a:r>
@@ -5397,10 +5285,6 @@
                 </a:rPr>
                 <a:t>Server</a:t>
               </a:r>
-              <a:endParaRPr lang="en-US" altLang="zh-CN" sz="1200">
-                <a:latin typeface="微软雅黑" panose="020B0503020204020204" charset="-122"/>
-                <a:ea typeface="微软雅黑" panose="020B0503020204020204" charset="-122"/>
-              </a:endParaRPr>
             </a:p>
           </p:txBody>
         </p:sp>
@@ -5425,6 +5309,7 @@
           <a:bodyPr wrap="square" rtlCol="0">
             <a:spAutoFit/>
           </a:bodyPr>
+          <a:lstStyle/>
           <a:p>
             <a:pPr algn="ctr"/>
             <a:r>
@@ -5434,10 +5319,6 @@
               </a:rPr>
               <a:t>VM</a:t>
             </a:r>
-            <a:endParaRPr lang="en-US" altLang="zh-CN" sz="1400">
-              <a:latin typeface="微软雅黑" panose="020B0503020204020204" charset="-122"/>
-              <a:ea typeface="微软雅黑" panose="020B0503020204020204" charset="-122"/>
-            </a:endParaRPr>
           </a:p>
         </p:txBody>
       </p:sp>
@@ -5472,6 +5353,7 @@
         </p:style>
         <p:txBody>
           <a:bodyPr vert="eaVert" rtlCol="0" anchor="ctr"/>
+          <a:lstStyle/>
           <a:p>
             <a:pPr algn="ctr"/>
             <a:r>
@@ -5481,10 +5363,6 @@
               </a:rPr>
               <a:t>App A</a:t>
             </a:r>
-            <a:endParaRPr lang="en-US" altLang="zh-CN" sz="1200">
-              <a:latin typeface="微软雅黑" panose="020B0503020204020204" charset="-122"/>
-              <a:ea typeface="微软雅黑" panose="020B0503020204020204" charset="-122"/>
-            </a:endParaRPr>
           </a:p>
         </p:txBody>
       </p:sp>
@@ -5519,6 +5397,7 @@
         </p:style>
         <p:txBody>
           <a:bodyPr rtlCol="0" anchor="ctr"/>
+          <a:lstStyle/>
           <a:p>
             <a:pPr algn="ctr"/>
             <a:r>
@@ -5528,10 +5407,6 @@
               </a:rPr>
               <a:t>Bins/Libs</a:t>
             </a:r>
-            <a:endParaRPr lang="en-US" altLang="zh-CN" sz="1200">
-              <a:latin typeface="微软雅黑" panose="020B0503020204020204" charset="-122"/>
-              <a:ea typeface="微软雅黑" panose="020B0503020204020204" charset="-122"/>
-            </a:endParaRPr>
           </a:p>
         </p:txBody>
       </p:sp>
@@ -5580,6 +5455,7 @@
           </p:style>
           <p:txBody>
             <a:bodyPr rtlCol="0" anchor="ctr"/>
+            <a:lstStyle/>
             <a:p>
               <a:pPr algn="ctr"/>
               <a:r>
@@ -5589,10 +5465,6 @@
                 </a:rPr>
                 <a:t>Docker Engine</a:t>
               </a:r>
-              <a:endParaRPr lang="en-US" altLang="zh-CN" sz="1200">
-                <a:latin typeface="微软雅黑" panose="020B0503020204020204" charset="-122"/>
-                <a:ea typeface="微软雅黑" panose="020B0503020204020204" charset="-122"/>
-              </a:endParaRPr>
             </a:p>
           </p:txBody>
         </p:sp>
@@ -5627,6 +5499,7 @@
           </p:style>
           <p:txBody>
             <a:bodyPr rtlCol="0" anchor="ctr"/>
+            <a:lstStyle/>
             <a:p>
               <a:pPr algn="ctr"/>
               <a:r>
@@ -5636,10 +5509,6 @@
                 </a:rPr>
                 <a:t>Host OS</a:t>
               </a:r>
-              <a:endParaRPr lang="en-US" altLang="zh-CN" sz="1200">
-                <a:latin typeface="微软雅黑" panose="020B0503020204020204" charset="-122"/>
-                <a:ea typeface="微软雅黑" panose="020B0503020204020204" charset="-122"/>
-              </a:endParaRPr>
             </a:p>
           </p:txBody>
         </p:sp>
@@ -5674,6 +5543,7 @@
           </p:style>
           <p:txBody>
             <a:bodyPr rtlCol="0" anchor="ctr"/>
+            <a:lstStyle/>
             <a:p>
               <a:pPr algn="ctr"/>
               <a:r>
@@ -5683,10 +5553,6 @@
                 </a:rPr>
                 <a:t>Server</a:t>
               </a:r>
-              <a:endParaRPr lang="en-US" altLang="zh-CN" sz="1200">
-                <a:latin typeface="微软雅黑" panose="020B0503020204020204" charset="-122"/>
-                <a:ea typeface="微软雅黑" panose="020B0503020204020204" charset="-122"/>
-              </a:endParaRPr>
             </a:p>
           </p:txBody>
         </p:sp>
@@ -5711,6 +5577,7 @@
           <a:bodyPr wrap="square" rtlCol="0">
             <a:spAutoFit/>
           </a:bodyPr>
+          <a:lstStyle/>
           <a:p>
             <a:pPr algn="ctr"/>
             <a:r>
@@ -5720,10 +5587,6 @@
               </a:rPr>
               <a:t>Container</a:t>
             </a:r>
-            <a:endParaRPr lang="en-US" altLang="zh-CN" sz="1400">
-              <a:latin typeface="微软雅黑" panose="020B0503020204020204" charset="-122"/>
-              <a:ea typeface="微软雅黑" panose="020B0503020204020204" charset="-122"/>
-            </a:endParaRPr>
           </a:p>
         </p:txBody>
       </p:sp>
@@ -5758,6 +5621,7 @@
         </p:style>
         <p:txBody>
           <a:bodyPr vert="eaVert" rtlCol="0" anchor="ctr"/>
+          <a:lstStyle/>
           <a:p>
             <a:pPr algn="ctr"/>
             <a:r>
@@ -5767,10 +5631,6 @@
               </a:rPr>
               <a:t>App A</a:t>
             </a:r>
-            <a:endParaRPr lang="en-US" altLang="zh-CN" sz="1200">
-              <a:latin typeface="微软雅黑" panose="020B0503020204020204" charset="-122"/>
-              <a:ea typeface="微软雅黑" panose="020B0503020204020204" charset="-122"/>
-            </a:endParaRPr>
           </a:p>
         </p:txBody>
       </p:sp>
@@ -5805,6 +5665,7 @@
         </p:style>
         <p:txBody>
           <a:bodyPr vert="eaVert" rtlCol="0" anchor="ctr"/>
+          <a:lstStyle/>
           <a:p>
             <a:pPr algn="ctr"/>
             <a:r>
@@ -5814,10 +5675,6 @@
               </a:rPr>
               <a:t>App B</a:t>
             </a:r>
-            <a:endParaRPr lang="en-US" altLang="zh-CN" sz="1200">
-              <a:latin typeface="微软雅黑" panose="020B0503020204020204" charset="-122"/>
-              <a:ea typeface="微软雅黑" panose="020B0503020204020204" charset="-122"/>
-            </a:endParaRPr>
           </a:p>
         </p:txBody>
       </p:sp>
@@ -5852,6 +5709,7 @@
         </p:style>
         <p:txBody>
           <a:bodyPr rtlCol="0" anchor="ctr"/>
+          <a:lstStyle/>
           <a:p>
             <a:pPr algn="ctr"/>
             <a:r>
@@ -5861,10 +5719,6 @@
               </a:rPr>
               <a:t>Bins/Libs</a:t>
             </a:r>
-            <a:endParaRPr lang="en-US" altLang="zh-CN" sz="1200">
-              <a:latin typeface="微软雅黑" panose="020B0503020204020204" charset="-122"/>
-              <a:ea typeface="微软雅黑" panose="020B0503020204020204" charset="-122"/>
-            </a:endParaRPr>
           </a:p>
         </p:txBody>
       </p:sp>
@@ -5899,6 +5753,7 @@
         </p:style>
         <p:txBody>
           <a:bodyPr vert="eaVert" rtlCol="0" anchor="ctr"/>
+          <a:lstStyle/>
           <a:p>
             <a:pPr algn="ctr"/>
             <a:r>
@@ -5908,10 +5763,6 @@
               </a:rPr>
               <a:t>App B</a:t>
             </a:r>
-            <a:endParaRPr lang="en-US" altLang="zh-CN" sz="1200">
-              <a:latin typeface="微软雅黑" panose="020B0503020204020204" charset="-122"/>
-              <a:ea typeface="微软雅黑" panose="020B0503020204020204" charset="-122"/>
-            </a:endParaRPr>
           </a:p>
         </p:txBody>
       </p:sp>
@@ -5946,6 +5797,7 @@
         </p:style>
         <p:txBody>
           <a:bodyPr vert="eaVert" rtlCol="0" anchor="ctr"/>
+          <a:lstStyle/>
           <a:p>
             <a:pPr algn="ctr"/>
             <a:r>
@@ -5955,10 +5807,6 @@
               </a:rPr>
               <a:t>App B</a:t>
             </a:r>
-            <a:endParaRPr lang="en-US" altLang="zh-CN" sz="1200">
-              <a:latin typeface="微软雅黑" panose="020B0503020204020204" charset="-122"/>
-              <a:ea typeface="微软雅黑" panose="020B0503020204020204" charset="-122"/>
-            </a:endParaRPr>
           </a:p>
         </p:txBody>
       </p:sp>
@@ -5979,7 +5827,14 @@
         <p:cNvGrpSpPr/>
         <p:nvPr/>
       </p:nvGrpSpPr>
-      <p:grpSpPr/>
+      <p:grpSpPr>
+        <a:xfrm>
+          <a:off x="0" y="0"/>
+          <a:ext cx="0" cy="0"/>
+          <a:chOff x="0" y="0"/>
+          <a:chExt cx="0" cy="0"/>
+        </a:xfrm>
+      </p:grpSpPr>
       <p:sp>
         <p:nvSpPr>
           <p:cNvPr id="4" name="矩形 3"/>
@@ -6016,6 +5871,7 @@
         </p:style>
         <p:txBody>
           <a:bodyPr rtlCol="0" anchor="ctr"/>
+          <a:lstStyle/>
           <a:p>
             <a:pPr algn="ctr"/>
             <a:endParaRPr lang="zh-CN" altLang="en-US" sz="1200">
@@ -6092,6 +5948,7 @@
         </p:style>
         <p:txBody>
           <a:bodyPr rtlCol="0" anchor="ctr"/>
+          <a:lstStyle/>
           <a:p>
             <a:pPr algn="ctr"/>
             <a:r>
@@ -6114,10 +5971,6 @@
               </a:rPr>
               <a:t>Owner</a:t>
             </a:r>
-            <a:endParaRPr lang="en-US" altLang="zh-CN" sz="1200">
-              <a:latin typeface="微软雅黑" panose="020B0503020204020204" charset="-122"/>
-              <a:ea typeface="微软雅黑" panose="020B0503020204020204" charset="-122"/>
-            </a:endParaRPr>
           </a:p>
         </p:txBody>
       </p:sp>
@@ -6141,6 +5994,7 @@
           <a:bodyPr wrap="none" rtlCol="0">
             <a:spAutoFit/>
           </a:bodyPr>
+          <a:lstStyle/>
           <a:p>
             <a:r>
               <a:rPr lang="en-US" altLang="zh-CN" sz="1200">
@@ -6162,10 +6016,6 @@
               </a:rPr>
               <a:t>Password Credentials</a:t>
             </a:r>
-            <a:endParaRPr lang="en-US" altLang="zh-CN" sz="1200">
-              <a:latin typeface="微软雅黑" panose="020B0503020204020204" charset="-122"/>
-              <a:ea typeface="微软雅黑" panose="020B0503020204020204" charset="-122"/>
-            </a:endParaRPr>
           </a:p>
         </p:txBody>
       </p:sp>
@@ -6236,6 +6086,7 @@
         </p:style>
         <p:txBody>
           <a:bodyPr rtlCol="0" anchor="ctr"/>
+          <a:lstStyle/>
           <a:p>
             <a:pPr algn="ctr"/>
             <a:r>
@@ -6245,10 +6096,6 @@
               </a:rPr>
               <a:t>Client</a:t>
             </a:r>
-            <a:endParaRPr lang="en-US" altLang="zh-CN" sz="1200">
-              <a:latin typeface="微软雅黑" panose="020B0503020204020204" charset="-122"/>
-              <a:ea typeface="微软雅黑" panose="020B0503020204020204" charset="-122"/>
-            </a:endParaRPr>
           </a:p>
         </p:txBody>
       </p:sp>
@@ -6319,6 +6166,7 @@
         </p:style>
         <p:txBody>
           <a:bodyPr rtlCol="0" anchor="ctr"/>
+          <a:lstStyle/>
           <a:p>
             <a:pPr algn="ctr"/>
             <a:r>
@@ -6341,10 +6189,6 @@
               </a:rPr>
               <a:t>Server</a:t>
             </a:r>
-            <a:endParaRPr lang="en-US" altLang="zh-CN" sz="1200">
-              <a:latin typeface="微软雅黑" panose="020B0503020204020204" charset="-122"/>
-              <a:ea typeface="微软雅黑" panose="020B0503020204020204" charset="-122"/>
-            </a:endParaRPr>
           </a:p>
         </p:txBody>
       </p:sp>
@@ -6477,6 +6321,7 @@
           <a:bodyPr wrap="none" rtlCol="0">
             <a:spAutoFit/>
           </a:bodyPr>
+          <a:lstStyle/>
           <a:p>
             <a:r>
               <a:rPr lang="en-US" altLang="zh-CN" sz="1200">
@@ -6498,10 +6343,6 @@
               </a:rPr>
               <a:t>Password Credentials</a:t>
             </a:r>
-            <a:endParaRPr lang="en-US" altLang="zh-CN" sz="1200">
-              <a:latin typeface="微软雅黑" panose="020B0503020204020204" charset="-122"/>
-              <a:ea typeface="微软雅黑" panose="020B0503020204020204" charset="-122"/>
-            </a:endParaRPr>
           </a:p>
         </p:txBody>
       </p:sp>
@@ -6525,6 +6366,7 @@
           <a:bodyPr wrap="none" rtlCol="0">
             <a:spAutoFit/>
           </a:bodyPr>
+          <a:lstStyle/>
           <a:p>
             <a:r>
               <a:rPr lang="en-US" altLang="zh-CN" sz="1200">
@@ -6546,10 +6388,6 @@
               </a:rPr>
               <a:t>(optional refresh token)</a:t>
             </a:r>
-            <a:endParaRPr lang="en-US" altLang="zh-CN" sz="1200">
-              <a:latin typeface="微软雅黑" panose="020B0503020204020204" charset="-122"/>
-              <a:ea typeface="微软雅黑" panose="020B0503020204020204" charset="-122"/>
-            </a:endParaRPr>
           </a:p>
         </p:txBody>
       </p:sp>
@@ -6570,7 +6408,14 @@
         <p:cNvGrpSpPr/>
         <p:nvPr/>
       </p:nvGrpSpPr>
-      <p:grpSpPr/>
+      <p:grpSpPr>
+        <a:xfrm>
+          <a:off x="0" y="0"/>
+          <a:ext cx="0" cy="0"/>
+          <a:chOff x="0" y="0"/>
+          <a:chExt cx="0" cy="0"/>
+        </a:xfrm>
+      </p:grpSpPr>
       <p:sp>
         <p:nvSpPr>
           <p:cNvPr id="4" name="矩形 3"/>
@@ -6579,8 +6424,8 @@
         </p:nvSpPr>
         <p:spPr>
           <a:xfrm>
-            <a:off x="2265045" y="1112520"/>
-            <a:ext cx="6762115" cy="4194175"/>
+            <a:off x="2201947" y="316047"/>
+            <a:ext cx="6762115" cy="5501344"/>
           </a:xfrm>
           <a:prstGeom prst="rect">
             <a:avLst/>
@@ -6607,6 +6452,7 @@
         </p:style>
         <p:txBody>
           <a:bodyPr rtlCol="0" anchor="ctr"/>
+          <a:lstStyle/>
           <a:p>
             <a:pPr algn="ctr"/>
             <a:endParaRPr lang="zh-CN" altLang="en-US" sz="1200">
@@ -6624,7 +6470,7 @@
         </p:nvSpPr>
         <p:spPr>
           <a:xfrm>
-            <a:off x="2823845" y="1312545"/>
+            <a:off x="2761701" y="637844"/>
             <a:ext cx="1131570" cy="979170"/>
           </a:xfrm>
           <a:prstGeom prst="rect">
@@ -6683,6 +6529,7 @@
         </p:style>
         <p:txBody>
           <a:bodyPr rtlCol="0" anchor="ctr"/>
+          <a:lstStyle/>
           <a:p>
             <a:pPr algn="ctr"/>
             <a:r>
@@ -6705,10 +6552,6 @@
               </a:rPr>
               <a:t>Owner</a:t>
             </a:r>
-            <a:endParaRPr lang="en-US" altLang="zh-CN" sz="1200">
-              <a:latin typeface="微软雅黑" panose="020B0503020204020204" charset="-122"/>
-              <a:ea typeface="微软雅黑" panose="020B0503020204020204" charset="-122"/>
-            </a:endParaRPr>
           </a:p>
         </p:txBody>
       </p:sp>
@@ -6720,8 +6563,8 @@
         </p:nvSpPr>
         <p:spPr>
           <a:xfrm>
-            <a:off x="3460750" y="2785745"/>
-            <a:ext cx="1726565" cy="469900"/>
+            <a:off x="4711569" y="2132878"/>
+            <a:ext cx="1619354" cy="461665"/>
           </a:xfrm>
           <a:prstGeom prst="rect">
             <a:avLst/>
@@ -6732,28 +6575,50 @@
           <a:bodyPr wrap="none" rtlCol="0">
             <a:spAutoFit/>
           </a:bodyPr>
-          <a:p>
-            <a:r>
-              <a:rPr lang="en-US" altLang="zh-CN" sz="1200">
+          <a:lstStyle/>
+          <a:p>
+            <a:r>
+              <a:rPr lang="en-US" altLang="zh-CN" sz="1200" dirty="0">
                 <a:latin typeface="微软雅黑" panose="020B0503020204020204" charset="-122"/>
                 <a:ea typeface="微软雅黑" panose="020B0503020204020204" charset="-122"/>
               </a:rPr>
-              <a:t>(A) Resource Owner</a:t>
+              <a:t>(A) </a:t>
+            </a:r>
+            <a:r>
+              <a:rPr lang="en-US" altLang="zh-CN" sz="1200" dirty="0" smtClean="0">
+                <a:latin typeface="微软雅黑" panose="020B0503020204020204" charset="-122"/>
+                <a:ea typeface="微软雅黑" panose="020B0503020204020204" charset="-122"/>
+              </a:rPr>
+              <a:t>Client Identifier </a:t>
             </a:r>
             <a:br>
-              <a:rPr lang="en-US" altLang="zh-CN" sz="1200">
+              <a:rPr lang="en-US" altLang="zh-CN" sz="1200" dirty="0" smtClean="0">
                 <a:latin typeface="微软雅黑" panose="020B0503020204020204" charset="-122"/>
                 <a:ea typeface="微软雅黑" panose="020B0503020204020204" charset="-122"/>
               </a:rPr>
             </a:br>
             <a:r>
-              <a:rPr lang="en-US" altLang="zh-CN" sz="1200">
+              <a:rPr lang="en-US" altLang="zh-CN" sz="1200" dirty="0" smtClean="0">
                 <a:latin typeface="微软雅黑" panose="020B0503020204020204" charset="-122"/>
                 <a:ea typeface="微软雅黑" panose="020B0503020204020204" charset="-122"/>
               </a:rPr>
-              <a:t>Password Credentials</a:t>
-            </a:r>
-            <a:endParaRPr lang="en-US" altLang="zh-CN" sz="1200">
+              <a:t>&amp;</a:t>
+            </a:r>
+            <a:r>
+              <a:rPr lang="en-US" altLang="zh-CN" sz="1200" dirty="0">
+                <a:latin typeface="微软雅黑" panose="020B0503020204020204" charset="-122"/>
+                <a:ea typeface="微软雅黑" panose="020B0503020204020204" charset="-122"/>
+              </a:rPr>
+              <a:t> </a:t>
+            </a:r>
+            <a:r>
+              <a:rPr lang="en-US" altLang="zh-CN" sz="1200" dirty="0" smtClean="0">
+                <a:latin typeface="微软雅黑" panose="020B0503020204020204" charset="-122"/>
+                <a:ea typeface="微软雅黑" panose="020B0503020204020204" charset="-122"/>
+              </a:rPr>
+              <a:t>Redirection URI</a:t>
+            </a:r>
+            <a:endParaRPr lang="en-US" altLang="zh-CN" sz="1200" dirty="0">
               <a:latin typeface="微软雅黑" panose="020B0503020204020204" charset="-122"/>
               <a:ea typeface="微软雅黑" panose="020B0503020204020204" charset="-122"/>
             </a:endParaRPr>
@@ -6768,7 +6633,7 @@
         </p:nvSpPr>
         <p:spPr>
           <a:xfrm>
-            <a:off x="2823845" y="3750310"/>
+            <a:off x="2761701" y="4239712"/>
             <a:ext cx="1131570" cy="1197610"/>
           </a:xfrm>
           <a:prstGeom prst="rect">
@@ -6827,6 +6692,7 @@
         </p:style>
         <p:txBody>
           <a:bodyPr rtlCol="0" anchor="ctr"/>
+          <a:lstStyle/>
           <a:p>
             <a:pPr algn="ctr"/>
             <a:r>
@@ -6836,10 +6702,6 @@
               </a:rPr>
               <a:t>Client</a:t>
             </a:r>
-            <a:endParaRPr lang="en-US" altLang="zh-CN" sz="1200">
-              <a:latin typeface="微软雅黑" panose="020B0503020204020204" charset="-122"/>
-              <a:ea typeface="微软雅黑" panose="020B0503020204020204" charset="-122"/>
-            </a:endParaRPr>
           </a:p>
         </p:txBody>
       </p:sp>
@@ -6851,7 +6713,7 @@
         </p:nvSpPr>
         <p:spPr>
           <a:xfrm>
-            <a:off x="7334885" y="3750310"/>
+            <a:off x="7288207" y="2404414"/>
             <a:ext cx="1131570" cy="1197610"/>
           </a:xfrm>
           <a:prstGeom prst="rect">
@@ -6910,6 +6772,7 @@
         </p:style>
         <p:txBody>
           <a:bodyPr rtlCol="0" anchor="ctr"/>
+          <a:lstStyle/>
           <a:p>
             <a:pPr algn="ctr"/>
             <a:r>
@@ -6932,10 +6795,6 @@
               </a:rPr>
               <a:t>Server</a:t>
             </a:r>
-            <a:endParaRPr lang="en-US" altLang="zh-CN" sz="1200">
-              <a:latin typeface="微软雅黑" panose="020B0503020204020204" charset="-122"/>
-              <a:ea typeface="微软雅黑" panose="020B0503020204020204" charset="-122"/>
-            </a:endParaRPr>
           </a:p>
         </p:txBody>
       </p:sp>
@@ -6943,15 +6802,14 @@
         <p:nvCxnSpPr>
           <p:cNvPr id="10" name="直接箭头连接符 9"/>
           <p:cNvCxnSpPr>
-            <a:stCxn id="5" idx="2"/>
-            <a:endCxn id="8" idx="0"/>
+            <a:endCxn id="5" idx="2"/>
           </p:cNvCxnSpPr>
           <p:nvPr/>
         </p:nvCxnSpPr>
         <p:spPr>
-          <a:xfrm>
-            <a:off x="3389630" y="2291715"/>
-            <a:ext cx="0" cy="1458595"/>
+          <a:xfrm flipV="1">
+            <a:off x="3327486" y="1617014"/>
+            <a:ext cx="0" cy="787400"/>
           </a:xfrm>
           <a:prstGeom prst="straightConnector1">
             <a:avLst/>
@@ -6987,7 +6845,7 @@
         </p:nvCxnSpPr>
         <p:spPr>
           <a:xfrm>
-            <a:off x="3955415" y="4100195"/>
+            <a:off x="3893270" y="2588534"/>
             <a:ext cx="3379470" cy="0"/>
           </a:xfrm>
           <a:prstGeom prst="straightConnector1">
@@ -7022,7 +6880,7 @@
         </p:nvCxnSpPr>
         <p:spPr>
           <a:xfrm flipH="1">
-            <a:off x="3955415" y="4589145"/>
+            <a:off x="3893270" y="3442638"/>
             <a:ext cx="3379470" cy="0"/>
           </a:xfrm>
           <a:prstGeom prst="straightConnector1">
@@ -7056,8 +6914,8 @@
         </p:nvSpPr>
         <p:spPr>
           <a:xfrm>
-            <a:off x="4782185" y="3569970"/>
-            <a:ext cx="1726565" cy="469900"/>
+            <a:off x="4719721" y="2725685"/>
+            <a:ext cx="1816844" cy="276999"/>
           </a:xfrm>
           <a:prstGeom prst="rect">
             <a:avLst/>
@@ -7068,28 +6926,796 @@
           <a:bodyPr wrap="none" rtlCol="0">
             <a:spAutoFit/>
           </a:bodyPr>
-          <a:p>
-            <a:r>
-              <a:rPr lang="en-US" altLang="zh-CN" sz="1200">
+          <a:lstStyle/>
+          <a:p>
+            <a:r>
+              <a:rPr lang="en-US" altLang="zh-CN" sz="1200" dirty="0">
                 <a:latin typeface="微软雅黑" panose="020B0503020204020204" charset="-122"/>
                 <a:ea typeface="微软雅黑" panose="020B0503020204020204" charset="-122"/>
               </a:rPr>
-              <a:t>(B) Resource Owner</a:t>
+              <a:t>(B) </a:t>
+            </a:r>
+            <a:r>
+              <a:rPr lang="en-US" altLang="zh-CN" sz="1200" dirty="0" smtClean="0">
+                <a:latin typeface="微软雅黑" panose="020B0503020204020204" charset="-122"/>
+                <a:ea typeface="微软雅黑" panose="020B0503020204020204" charset="-122"/>
+              </a:rPr>
+              <a:t>User Authenticates</a:t>
+            </a:r>
+            <a:endParaRPr lang="en-US" altLang="zh-CN" sz="1200" dirty="0">
+              <a:latin typeface="微软雅黑" panose="020B0503020204020204" charset="-122"/>
+              <a:ea typeface="微软雅黑" panose="020B0503020204020204" charset="-122"/>
+            </a:endParaRPr>
+          </a:p>
+        </p:txBody>
+      </p:sp>
+      <p:sp>
+        <p:nvSpPr>
+          <p:cNvPr id="14" name="文本框 13"/>
+          <p:cNvSpPr txBox="1"/>
+          <p:nvPr/>
+        </p:nvSpPr>
+        <p:spPr>
+          <a:xfrm>
+            <a:off x="4719721" y="3167386"/>
+            <a:ext cx="1871025" cy="276999"/>
+          </a:xfrm>
+          <a:prstGeom prst="rect">
+            <a:avLst/>
+          </a:prstGeom>
+          <a:noFill/>
+        </p:spPr>
+        <p:txBody>
+          <a:bodyPr wrap="none" rtlCol="0">
+            <a:spAutoFit/>
+          </a:bodyPr>
+          <a:lstStyle/>
+          <a:p>
+            <a:r>
+              <a:rPr lang="en-US" altLang="zh-CN" sz="1200" dirty="0" smtClean="0">
+                <a:latin typeface="微软雅黑" panose="020B0503020204020204" charset="-122"/>
+                <a:ea typeface="微软雅黑" panose="020B0503020204020204" charset="-122"/>
+              </a:rPr>
+              <a:t>(C) </a:t>
+            </a:r>
+            <a:r>
+              <a:rPr lang="en-US" altLang="zh-CN" sz="1200" dirty="0" smtClean="0">
+                <a:latin typeface="微软雅黑" panose="020B0503020204020204" charset="-122"/>
+                <a:ea typeface="微软雅黑" panose="020B0503020204020204" charset="-122"/>
+              </a:rPr>
+              <a:t>Authorization Code</a:t>
+            </a:r>
+            <a:endParaRPr lang="en-US" altLang="zh-CN" sz="1200" dirty="0">
+              <a:latin typeface="微软雅黑" panose="020B0503020204020204" charset="-122"/>
+              <a:ea typeface="微软雅黑" panose="020B0503020204020204" charset="-122"/>
+            </a:endParaRPr>
+          </a:p>
+        </p:txBody>
+      </p:sp>
+      <p:sp>
+        <p:nvSpPr>
+          <p:cNvPr id="3" name="Rectangle 3"/>
+          <p:cNvSpPr>
+            <a:spLocks noChangeArrowheads="1"/>
+          </p:cNvSpPr>
+          <p:nvPr/>
+        </p:nvSpPr>
+        <p:spPr bwMode="auto">
+          <a:xfrm>
+            <a:off x="7509191" y="-3503795"/>
+            <a:ext cx="12192000" cy="457200"/>
+          </a:xfrm>
+          <a:prstGeom prst="rect">
+            <a:avLst/>
+          </a:prstGeom>
+          <a:noFill/>
+          <a:ln>
+            <a:noFill/>
+          </a:ln>
+          <a:effectLst/>
+          <a:extLst>
+            <a:ext uri="{909E8E84-426E-40DD-AFC4-6F175D3DCCD1}">
+              <a14:hiddenFill xmlns:a14="http://schemas.microsoft.com/office/drawing/2010/main">
+                <a:solidFill>
+                  <a:schemeClr val="accent1"/>
+                </a:solidFill>
+              </a14:hiddenFill>
+            </a:ext>
+            <a:ext uri="{91240B29-F687-4F45-9708-019B960494DF}">
+              <a14:hiddenLine xmlns:a14="http://schemas.microsoft.com/office/drawing/2010/main" w="9525">
+                <a:solidFill>
+                  <a:schemeClr val="tx1"/>
+                </a:solidFill>
+                <a:miter lim="800000"/>
+                <a:headEnd/>
+                <a:tailEnd/>
+              </a14:hiddenLine>
+            </a:ext>
+            <a:ext uri="{AF507438-7753-43E0-B8FC-AC1667EBCBE1}">
+              <a14:hiddenEffects xmlns:a14="http://schemas.microsoft.com/office/drawing/2010/main">
+                <a:effectLst>
+                  <a:outerShdw dist="35921" dir="2700000" algn="ctr" rotWithShape="0">
+                    <a:schemeClr val="bg2"/>
+                  </a:outerShdw>
+                </a:effectLst>
+              </a14:hiddenEffects>
+            </a:ext>
+          </a:extLst>
+        </p:spPr>
+        <p:txBody>
+          <a:bodyPr vert="horz" wrap="none" lIns="91440" tIns="45720" rIns="91440" bIns="45720" numCol="1" anchor="ctr" anchorCtr="0" compatLnSpc="1">
+            <a:prstTxWarp prst="textNoShape">
+              <a:avLst/>
+            </a:prstTxWarp>
+            <a:spAutoFit/>
+          </a:bodyPr>
+          <a:lstStyle>
+            <a:lvl1pPr eaLnBrk="0" fontAlgn="base" hangingPunct="0">
+              <a:spcBef>
+                <a:spcPct val="0"/>
+              </a:spcBef>
+              <a:spcAft>
+                <a:spcPct val="0"/>
+              </a:spcAft>
+              <a:defRPr>
+                <a:solidFill>
+                  <a:schemeClr val="tx1"/>
+                </a:solidFill>
+                <a:latin typeface="Arial" panose="020B0604020202020204" pitchFamily="34" charset="0"/>
+              </a:defRPr>
+            </a:lvl1pPr>
+            <a:lvl2pPr eaLnBrk="0" fontAlgn="base" hangingPunct="0">
+              <a:spcBef>
+                <a:spcPct val="0"/>
+              </a:spcBef>
+              <a:spcAft>
+                <a:spcPct val="0"/>
+              </a:spcAft>
+              <a:defRPr>
+                <a:solidFill>
+                  <a:schemeClr val="tx1"/>
+                </a:solidFill>
+                <a:latin typeface="Arial" panose="020B0604020202020204" pitchFamily="34" charset="0"/>
+              </a:defRPr>
+            </a:lvl2pPr>
+            <a:lvl3pPr eaLnBrk="0" fontAlgn="base" hangingPunct="0">
+              <a:spcBef>
+                <a:spcPct val="0"/>
+              </a:spcBef>
+              <a:spcAft>
+                <a:spcPct val="0"/>
+              </a:spcAft>
+              <a:defRPr>
+                <a:solidFill>
+                  <a:schemeClr val="tx1"/>
+                </a:solidFill>
+                <a:latin typeface="Arial" panose="020B0604020202020204" pitchFamily="34" charset="0"/>
+              </a:defRPr>
+            </a:lvl3pPr>
+            <a:lvl4pPr eaLnBrk="0" fontAlgn="base" hangingPunct="0">
+              <a:spcBef>
+                <a:spcPct val="0"/>
+              </a:spcBef>
+              <a:spcAft>
+                <a:spcPct val="0"/>
+              </a:spcAft>
+              <a:defRPr>
+                <a:solidFill>
+                  <a:schemeClr val="tx1"/>
+                </a:solidFill>
+                <a:latin typeface="Arial" panose="020B0604020202020204" pitchFamily="34" charset="0"/>
+              </a:defRPr>
+            </a:lvl4pPr>
+            <a:lvl5pPr eaLnBrk="0" fontAlgn="base" hangingPunct="0">
+              <a:spcBef>
+                <a:spcPct val="0"/>
+              </a:spcBef>
+              <a:spcAft>
+                <a:spcPct val="0"/>
+              </a:spcAft>
+              <a:defRPr>
+                <a:solidFill>
+                  <a:schemeClr val="tx1"/>
+                </a:solidFill>
+                <a:latin typeface="Arial" panose="020B0604020202020204" pitchFamily="34" charset="0"/>
+              </a:defRPr>
+            </a:lvl5pPr>
+            <a:lvl6pPr eaLnBrk="0" fontAlgn="base" hangingPunct="0">
+              <a:spcBef>
+                <a:spcPct val="0"/>
+              </a:spcBef>
+              <a:spcAft>
+                <a:spcPct val="0"/>
+              </a:spcAft>
+              <a:defRPr>
+                <a:solidFill>
+                  <a:schemeClr val="tx1"/>
+                </a:solidFill>
+                <a:latin typeface="Arial" panose="020B0604020202020204" pitchFamily="34" charset="0"/>
+              </a:defRPr>
+            </a:lvl6pPr>
+            <a:lvl7pPr eaLnBrk="0" fontAlgn="base" hangingPunct="0">
+              <a:spcBef>
+                <a:spcPct val="0"/>
+              </a:spcBef>
+              <a:spcAft>
+                <a:spcPct val="0"/>
+              </a:spcAft>
+              <a:defRPr>
+                <a:solidFill>
+                  <a:schemeClr val="tx1"/>
+                </a:solidFill>
+                <a:latin typeface="Arial" panose="020B0604020202020204" pitchFamily="34" charset="0"/>
+              </a:defRPr>
+            </a:lvl7pPr>
+            <a:lvl8pPr eaLnBrk="0" fontAlgn="base" hangingPunct="0">
+              <a:spcBef>
+                <a:spcPct val="0"/>
+              </a:spcBef>
+              <a:spcAft>
+                <a:spcPct val="0"/>
+              </a:spcAft>
+              <a:defRPr>
+                <a:solidFill>
+                  <a:schemeClr val="tx1"/>
+                </a:solidFill>
+                <a:latin typeface="Arial" panose="020B0604020202020204" pitchFamily="34" charset="0"/>
+              </a:defRPr>
+            </a:lvl8pPr>
+            <a:lvl9pPr eaLnBrk="0" fontAlgn="base" hangingPunct="0">
+              <a:spcBef>
+                <a:spcPct val="0"/>
+              </a:spcBef>
+              <a:spcAft>
+                <a:spcPct val="0"/>
+              </a:spcAft>
+              <a:defRPr>
+                <a:solidFill>
+                  <a:schemeClr val="tx1"/>
+                </a:solidFill>
+                <a:latin typeface="Arial" panose="020B0604020202020204" pitchFamily="34" charset="0"/>
+              </a:defRPr>
+            </a:lvl9pPr>
+          </a:lstStyle>
+          <a:p>
+            <a:pPr marL="0" marR="0" lvl="0" indent="0" algn="l" defTabSz="914400" rtl="0" eaLnBrk="0" fontAlgn="base" latinLnBrk="0" hangingPunct="0">
+              <a:lnSpc>
+                <a:spcPct val="100000"/>
+              </a:lnSpc>
+              <a:spcBef>
+                <a:spcPct val="0"/>
+              </a:spcBef>
+              <a:spcAft>
+                <a:spcPct val="0"/>
+              </a:spcAft>
+              <a:buClrTx/>
+              <a:buSzTx/>
+              <a:buFontTx/>
+              <a:buNone/>
+              <a:tabLst/>
+            </a:pPr>
+            <a:r>
+              <a:rPr kumimoji="0" lang="zh-CN" altLang="zh-CN" sz="12800" b="0" i="0" u="none" strike="noStrike" cap="none" normalizeH="0" baseline="0" smtClean="0">
+                <a:ln>
+                  <a:noFill/>
+                </a:ln>
+                <a:solidFill>
+                  <a:srgbClr val="111111"/>
+                </a:solidFill>
+                <a:effectLst/>
+                <a:latin typeface="Georgia" panose="02040502050405020303" pitchFamily="18" charset="0"/>
+              </a:rPr>
+              <a:t>授权码模式（authorization code）是功能最完整、流程最严密的授权模式。它的特点就是通过客户端的后台服务器，与"服务提供商"的认证服务器进行互动。</a:t>
+            </a:r>
+            <a:endParaRPr kumimoji="0" lang="zh-CN" altLang="zh-CN" sz="800" b="0" i="0" u="none" strike="noStrike" cap="none" normalizeH="0" baseline="0" smtClean="0">
+              <a:ln>
+                <a:noFill/>
+              </a:ln>
+              <a:solidFill>
+                <a:schemeClr val="tx1"/>
+              </a:solidFill>
+              <a:effectLst/>
+            </a:endParaRPr>
+          </a:p>
+          <a:p>
+            <a:pPr marL="0" marR="0" lvl="0" indent="0" algn="l" defTabSz="914400" rtl="0" eaLnBrk="0" fontAlgn="base" latinLnBrk="0" hangingPunct="0">
+              <a:lnSpc>
+                <a:spcPct val="100000"/>
+              </a:lnSpc>
+              <a:spcBef>
+                <a:spcPct val="0"/>
+              </a:spcBef>
+              <a:spcAft>
+                <a:spcPct val="0"/>
+              </a:spcAft>
+              <a:buClrTx/>
+              <a:buSzTx/>
+              <a:buFontTx/>
+              <a:buNone/>
+              <a:tabLst/>
+            </a:pPr>
+            <a:r>
+              <a:rPr kumimoji="0" lang="zh-CN" altLang="zh-CN" sz="12800" b="0" i="0" u="none" strike="noStrike" cap="none" normalizeH="0" baseline="0" smtClean="0">
+                <a:ln>
+                  <a:noFill/>
+                </a:ln>
+                <a:solidFill>
+                  <a:srgbClr val="111111"/>
+                </a:solidFill>
+                <a:effectLst/>
+                <a:latin typeface="Georgia" panose="02040502050405020303" pitchFamily="18" charset="0"/>
+              </a:rPr>
+              <a:t>  </a:t>
+            </a:r>
+            <a:r>
+              <a:rPr kumimoji="0" lang="zh-CN" altLang="zh-CN" sz="31700" b="0" i="0" u="none" strike="noStrike" cap="none" normalizeH="0" baseline="0" smtClean="0">
+                <a:ln>
+                  <a:noFill/>
+                </a:ln>
+                <a:solidFill>
+                  <a:srgbClr val="111111"/>
+                </a:solidFill>
+                <a:effectLst/>
+                <a:latin typeface="Georgia" panose="02040502050405020303" pitchFamily="18" charset="0"/>
+              </a:rPr>
+              <a:t> </a:t>
+            </a:r>
+            <a:r>
+              <a:rPr kumimoji="0" lang="zh-CN" altLang="zh-CN" sz="12800" b="0" i="0" u="none" strike="noStrike" cap="none" normalizeH="0" baseline="0" smtClean="0">
+                <a:ln>
+                  <a:noFill/>
+                </a:ln>
+                <a:solidFill>
+                  <a:srgbClr val="111111"/>
+                </a:solidFill>
+                <a:effectLst/>
+                <a:latin typeface="Georgia" panose="02040502050405020303" pitchFamily="18" charset="0"/>
+              </a:rPr>
+              <a:t>                       </a:t>
+            </a:r>
+          </a:p>
+        </p:txBody>
+      </p:sp>
+      <p:sp>
+        <p:nvSpPr>
+          <p:cNvPr id="19" name="矩形 18"/>
+          <p:cNvSpPr/>
+          <p:nvPr/>
+        </p:nvSpPr>
+        <p:spPr>
+          <a:xfrm>
+            <a:off x="2761701" y="2404414"/>
+            <a:ext cx="1131570" cy="1197610"/>
+          </a:xfrm>
+          <a:prstGeom prst="rect">
+            <a:avLst/>
+          </a:prstGeom>
+          <a:noFill/>
+          <a:ln>
+            <a:prstDash val="dash"/>
+          </a:ln>
+          <a:extLst>
+            <a:ext uri="{909E8E84-426E-40DD-AFC4-6F175D3DCCD1}">
+              <a14:hiddenFill xmlns:a14="http://schemas.microsoft.com/office/drawing/2010/main">
+                <a:gradFill rotWithShape="1">
+                  <a:gsLst>
+                    <a:gs pos="0">
+                      <a:schemeClr val="accent1">
+                        <a:lumMod val="110000"/>
+                        <a:satMod val="105000"/>
+                        <a:tint val="67000"/>
+                      </a:schemeClr>
+                    </a:gs>
+                    <a:gs pos="50000">
+                      <a:schemeClr val="accent1">
+                        <a:lumMod val="105000"/>
+                        <a:satMod val="103000"/>
+                        <a:tint val="73000"/>
+                      </a:schemeClr>
+                    </a:gs>
+                    <a:gs pos="100000">
+                      <a:schemeClr val="accent1">
+                        <a:lumMod val="105000"/>
+                        <a:satMod val="109000"/>
+                        <a:tint val="81000"/>
+                      </a:schemeClr>
+                    </a:gs>
+                  </a:gsLst>
+                  <a:lin ang="5400000" scaled="0"/>
+                </a:gradFill>
+              </a14:hiddenFill>
+            </a:ext>
+          </a:extLst>
+        </p:spPr>
+        <p:style>
+          <a:lnRef idx="1">
+            <a:schemeClr val="accent1"/>
+          </a:lnRef>
+          <a:fillRef idx="2">
+            <a:schemeClr val="accent1"/>
+          </a:fillRef>
+          <a:effectRef idx="1">
+            <a:schemeClr val="accent1"/>
+          </a:effectRef>
+          <a:fontRef idx="minor">
+            <a:schemeClr val="dk1"/>
+          </a:fontRef>
+        </p:style>
+        <p:txBody>
+          <a:bodyPr rtlCol="0" anchor="ctr"/>
+          <a:lstStyle/>
+          <a:p>
+            <a:pPr algn="ctr"/>
+            <a:r>
+              <a:rPr lang="en-US" altLang="zh-CN" sz="1200" dirty="0" smtClean="0">
+                <a:latin typeface="微软雅黑" panose="020B0503020204020204" charset="-122"/>
+                <a:ea typeface="微软雅黑" panose="020B0503020204020204" charset="-122"/>
+              </a:rPr>
+              <a:t>User-Agent</a:t>
+            </a:r>
+            <a:endParaRPr lang="en-US" altLang="zh-CN" sz="1200" dirty="0">
+              <a:latin typeface="微软雅黑" panose="020B0503020204020204" charset="-122"/>
+              <a:ea typeface="微软雅黑" panose="020B0503020204020204" charset="-122"/>
+            </a:endParaRPr>
+          </a:p>
+        </p:txBody>
+      </p:sp>
+      <p:cxnSp>
+        <p:nvCxnSpPr>
+          <p:cNvPr id="22" name="直接箭头连接符 21"/>
+          <p:cNvCxnSpPr/>
+          <p:nvPr/>
+        </p:nvCxnSpPr>
+        <p:spPr>
+          <a:xfrm>
+            <a:off x="3629325" y="3602024"/>
+            <a:ext cx="0" cy="637688"/>
+          </a:xfrm>
+          <a:prstGeom prst="straightConnector1">
+            <a:avLst/>
+          </a:prstGeom>
+          <a:ln>
+            <a:solidFill>
+              <a:schemeClr val="accent1"/>
+            </a:solidFill>
+            <a:headEnd type="diamond" w="med" len="med"/>
+            <a:tailEnd type="triangle" w="med" len="med"/>
+          </a:ln>
+        </p:spPr>
+        <p:style>
+          <a:lnRef idx="1">
+            <a:schemeClr val="accent1"/>
+          </a:lnRef>
+          <a:fillRef idx="0">
+            <a:schemeClr val="accent1"/>
+          </a:fillRef>
+          <a:effectRef idx="0">
+            <a:schemeClr val="accent1"/>
+          </a:effectRef>
+          <a:fontRef idx="minor">
+            <a:schemeClr val="tx1"/>
+          </a:fontRef>
+        </p:style>
+      </p:cxnSp>
+      <p:cxnSp>
+        <p:nvCxnSpPr>
+          <p:cNvPr id="25" name="直接箭头连接符 24"/>
+          <p:cNvCxnSpPr/>
+          <p:nvPr/>
+        </p:nvCxnSpPr>
+        <p:spPr>
+          <a:xfrm flipV="1">
+            <a:off x="3141054" y="3602024"/>
+            <a:ext cx="0" cy="637688"/>
+          </a:xfrm>
+          <a:prstGeom prst="straightConnector1">
+            <a:avLst/>
+          </a:prstGeom>
+          <a:ln>
+            <a:solidFill>
+              <a:schemeClr val="accent1"/>
+            </a:solidFill>
+            <a:headEnd type="diamond" w="med" len="med"/>
+            <a:tailEnd type="triangle" w="med" len="med"/>
+          </a:ln>
+        </p:spPr>
+        <p:style>
+          <a:lnRef idx="1">
+            <a:schemeClr val="accent1"/>
+          </a:lnRef>
+          <a:fillRef idx="0">
+            <a:schemeClr val="accent1"/>
+          </a:fillRef>
+          <a:effectRef idx="0">
+            <a:schemeClr val="accent1"/>
+          </a:effectRef>
+          <a:fontRef idx="minor">
+            <a:schemeClr val="tx1"/>
+          </a:fontRef>
+        </p:style>
+      </p:cxnSp>
+      <p:cxnSp>
+        <p:nvCxnSpPr>
+          <p:cNvPr id="28" name="直接箭头连接符 27"/>
+          <p:cNvCxnSpPr>
+            <a:stCxn id="19" idx="3"/>
+            <a:endCxn id="9" idx="1"/>
+          </p:cNvCxnSpPr>
+          <p:nvPr/>
+        </p:nvCxnSpPr>
+        <p:spPr>
+          <a:xfrm>
+            <a:off x="3893271" y="3003219"/>
+            <a:ext cx="3394936" cy="0"/>
+          </a:xfrm>
+          <a:prstGeom prst="straightConnector1">
+            <a:avLst/>
+          </a:prstGeom>
+          <a:ln cap="sq">
+            <a:bevel/>
+            <a:headEnd type="diamond" w="med" len="med"/>
+            <a:tailEnd type="triangle" w="med" len="med"/>
+          </a:ln>
+        </p:spPr>
+        <p:style>
+          <a:lnRef idx="1">
+            <a:schemeClr val="accent1"/>
+          </a:lnRef>
+          <a:fillRef idx="0">
+            <a:schemeClr val="accent1"/>
+          </a:fillRef>
+          <a:effectRef idx="0">
+            <a:schemeClr val="accent1"/>
+          </a:effectRef>
+          <a:fontRef idx="minor">
+            <a:schemeClr val="tx1"/>
+          </a:fontRef>
+        </p:style>
+      </p:cxnSp>
+      <p:sp>
+        <p:nvSpPr>
+          <p:cNvPr id="33" name="文本框 32"/>
+          <p:cNvSpPr txBox="1"/>
+          <p:nvPr/>
+        </p:nvSpPr>
+        <p:spPr>
+          <a:xfrm>
+            <a:off x="2716265" y="3782368"/>
+            <a:ext cx="396262" cy="276999"/>
+          </a:xfrm>
+          <a:prstGeom prst="rect">
+            <a:avLst/>
+          </a:prstGeom>
+          <a:noFill/>
+        </p:spPr>
+        <p:txBody>
+          <a:bodyPr wrap="none" rtlCol="0">
+            <a:spAutoFit/>
+          </a:bodyPr>
+          <a:lstStyle/>
+          <a:p>
+            <a:r>
+              <a:rPr lang="en-US" altLang="zh-CN" sz="1200" dirty="0">
+                <a:latin typeface="微软雅黑" panose="020B0503020204020204" charset="-122"/>
+                <a:ea typeface="微软雅黑" panose="020B0503020204020204" charset="-122"/>
+              </a:rPr>
+              <a:t>(A</a:t>
+            </a:r>
+            <a:r>
+              <a:rPr lang="en-US" altLang="zh-CN" sz="1200" dirty="0" smtClean="0">
+                <a:latin typeface="微软雅黑" panose="020B0503020204020204" charset="-122"/>
+                <a:ea typeface="微软雅黑" panose="020B0503020204020204" charset="-122"/>
+              </a:rPr>
+              <a:t>)</a:t>
+            </a:r>
+            <a:endParaRPr lang="en-US" altLang="zh-CN" sz="1200" dirty="0">
+              <a:latin typeface="微软雅黑" panose="020B0503020204020204" charset="-122"/>
+              <a:ea typeface="微软雅黑" panose="020B0503020204020204" charset="-122"/>
+            </a:endParaRPr>
+          </a:p>
+        </p:txBody>
+      </p:sp>
+      <p:sp>
+        <p:nvSpPr>
+          <p:cNvPr id="34" name="文本框 33"/>
+          <p:cNvSpPr txBox="1"/>
+          <p:nvPr/>
+        </p:nvSpPr>
+        <p:spPr>
+          <a:xfrm>
+            <a:off x="3293749" y="3782367"/>
+            <a:ext cx="396262" cy="276999"/>
+          </a:xfrm>
+          <a:prstGeom prst="rect">
+            <a:avLst/>
+          </a:prstGeom>
+          <a:noFill/>
+        </p:spPr>
+        <p:txBody>
+          <a:bodyPr wrap="none" rtlCol="0">
+            <a:spAutoFit/>
+          </a:bodyPr>
+          <a:lstStyle/>
+          <a:p>
+            <a:r>
+              <a:rPr lang="en-US" altLang="zh-CN" sz="1200" dirty="0" smtClean="0">
+                <a:latin typeface="微软雅黑" panose="020B0503020204020204" charset="-122"/>
+                <a:ea typeface="微软雅黑" panose="020B0503020204020204" charset="-122"/>
+              </a:rPr>
+              <a:t>(C)</a:t>
+            </a:r>
+            <a:endParaRPr lang="en-US" altLang="zh-CN" sz="1200" dirty="0">
+              <a:latin typeface="微软雅黑" panose="020B0503020204020204" charset="-122"/>
+              <a:ea typeface="微软雅黑" panose="020B0503020204020204" charset="-122"/>
+            </a:endParaRPr>
+          </a:p>
+        </p:txBody>
+      </p:sp>
+      <p:sp>
+        <p:nvSpPr>
+          <p:cNvPr id="35" name="文本框 34"/>
+          <p:cNvSpPr txBox="1"/>
+          <p:nvPr/>
+        </p:nvSpPr>
+        <p:spPr>
+          <a:xfrm>
+            <a:off x="2942923" y="1874483"/>
+            <a:ext cx="383438" cy="276999"/>
+          </a:xfrm>
+          <a:prstGeom prst="rect">
+            <a:avLst/>
+          </a:prstGeom>
+          <a:noFill/>
+        </p:spPr>
+        <p:txBody>
+          <a:bodyPr wrap="none" rtlCol="0">
+            <a:spAutoFit/>
+          </a:bodyPr>
+          <a:lstStyle/>
+          <a:p>
+            <a:r>
+              <a:rPr lang="en-US" altLang="zh-CN" sz="1200" dirty="0" smtClean="0">
+                <a:latin typeface="微软雅黑" panose="020B0503020204020204" charset="-122"/>
+                <a:ea typeface="微软雅黑" panose="020B0503020204020204" charset="-122"/>
+              </a:rPr>
+              <a:t>(B)</a:t>
+            </a:r>
+            <a:endParaRPr lang="en-US" altLang="zh-CN" sz="1200" dirty="0">
+              <a:latin typeface="微软雅黑" panose="020B0503020204020204" charset="-122"/>
+              <a:ea typeface="微软雅黑" panose="020B0503020204020204" charset="-122"/>
+            </a:endParaRPr>
+          </a:p>
+        </p:txBody>
+      </p:sp>
+      <p:cxnSp>
+        <p:nvCxnSpPr>
+          <p:cNvPr id="32" name="肘形连接符 31"/>
+          <p:cNvCxnSpPr/>
+          <p:nvPr/>
+        </p:nvCxnSpPr>
+        <p:spPr>
+          <a:xfrm flipV="1">
+            <a:off x="3906795" y="3608551"/>
+            <a:ext cx="3728001" cy="911121"/>
+          </a:xfrm>
+          <a:prstGeom prst="bentConnector3">
+            <a:avLst>
+              <a:gd name="adj1" fmla="val 100246"/>
+            </a:avLst>
+          </a:prstGeom>
+          <a:ln>
+            <a:headEnd type="oval" w="med" len="med"/>
+            <a:tailEnd type="triangle" w="med" len="med"/>
+          </a:ln>
+        </p:spPr>
+        <p:style>
+          <a:lnRef idx="1">
+            <a:schemeClr val="accent1"/>
+          </a:lnRef>
+          <a:fillRef idx="0">
+            <a:schemeClr val="accent1"/>
+          </a:fillRef>
+          <a:effectRef idx="0">
+            <a:schemeClr val="accent1"/>
+          </a:effectRef>
+          <a:fontRef idx="minor">
+            <a:schemeClr val="tx1"/>
+          </a:fontRef>
+        </p:style>
+      </p:cxnSp>
+      <p:cxnSp>
+        <p:nvCxnSpPr>
+          <p:cNvPr id="46" name="肘形连接符 45"/>
+          <p:cNvCxnSpPr/>
+          <p:nvPr/>
+        </p:nvCxnSpPr>
+        <p:spPr>
+          <a:xfrm rot="10800000" flipV="1">
+            <a:off x="3893273" y="3622984"/>
+            <a:ext cx="4247551" cy="1464656"/>
+          </a:xfrm>
+          <a:prstGeom prst="bentConnector3">
+            <a:avLst>
+              <a:gd name="adj1" fmla="val -371"/>
+            </a:avLst>
+          </a:prstGeom>
+          <a:ln>
+            <a:headEnd type="oval" w="med" len="med"/>
+            <a:tailEnd type="triangle" w="med" len="med"/>
+          </a:ln>
+        </p:spPr>
+        <p:style>
+          <a:lnRef idx="1">
+            <a:schemeClr val="accent1"/>
+          </a:lnRef>
+          <a:fillRef idx="0">
+            <a:schemeClr val="accent1"/>
+          </a:fillRef>
+          <a:effectRef idx="0">
+            <a:schemeClr val="accent1"/>
+          </a:effectRef>
+          <a:fontRef idx="minor">
+            <a:schemeClr val="tx1"/>
+          </a:fontRef>
+        </p:style>
+      </p:cxnSp>
+      <p:sp>
+        <p:nvSpPr>
+          <p:cNvPr id="53" name="文本框 52"/>
+          <p:cNvSpPr txBox="1"/>
+          <p:nvPr/>
+        </p:nvSpPr>
+        <p:spPr>
+          <a:xfrm>
+            <a:off x="4785230" y="4059366"/>
+            <a:ext cx="1885453" cy="461665"/>
+          </a:xfrm>
+          <a:prstGeom prst="rect">
+            <a:avLst/>
+          </a:prstGeom>
+          <a:noFill/>
+        </p:spPr>
+        <p:txBody>
+          <a:bodyPr wrap="none" rtlCol="0">
+            <a:spAutoFit/>
+          </a:bodyPr>
+          <a:lstStyle/>
+          <a:p>
+            <a:r>
+              <a:rPr lang="en-US" altLang="zh-CN" sz="1200" dirty="0" smtClean="0">
+                <a:latin typeface="微软雅黑" panose="020B0503020204020204" charset="-122"/>
+                <a:ea typeface="微软雅黑" panose="020B0503020204020204" charset="-122"/>
+              </a:rPr>
+              <a:t>(D) Authorization Code</a:t>
             </a:r>
             <a:br>
-              <a:rPr lang="en-US" altLang="zh-CN" sz="1200">
+              <a:rPr lang="en-US" altLang="zh-CN" sz="1200" dirty="0" smtClean="0">
                 <a:latin typeface="微软雅黑" panose="020B0503020204020204" charset="-122"/>
                 <a:ea typeface="微软雅黑" panose="020B0503020204020204" charset="-122"/>
               </a:rPr>
             </a:br>
             <a:r>
-              <a:rPr lang="en-US" altLang="zh-CN" sz="1200">
+              <a:rPr lang="en-US" altLang="zh-CN" sz="1200" dirty="0" smtClean="0">
                 <a:latin typeface="微软雅黑" panose="020B0503020204020204" charset="-122"/>
                 <a:ea typeface="微软雅黑" panose="020B0503020204020204" charset="-122"/>
               </a:rPr>
-              <a:t>Password Credentials</a:t>
-            </a:r>
-            <a:endParaRPr lang="en-US" altLang="zh-CN" sz="1200">
+              <a:t>&amp;</a:t>
+            </a:r>
+            <a:r>
+              <a:rPr lang="en-US" altLang="zh-CN" sz="1200" dirty="0">
+                <a:latin typeface="微软雅黑" panose="020B0503020204020204" charset="-122"/>
+                <a:ea typeface="微软雅黑" panose="020B0503020204020204" charset="-122"/>
+              </a:rPr>
+              <a:t> </a:t>
+            </a:r>
+            <a:r>
+              <a:rPr lang="en-US" altLang="zh-CN" sz="1200" dirty="0" smtClean="0">
+                <a:latin typeface="微软雅黑" panose="020B0503020204020204" charset="-122"/>
+                <a:ea typeface="微软雅黑" panose="020B0503020204020204" charset="-122"/>
+              </a:rPr>
+              <a:t>Redirection URI</a:t>
+            </a:r>
+            <a:endParaRPr lang="en-US" altLang="zh-CN" sz="1200" dirty="0">
               <a:latin typeface="微软雅黑" panose="020B0503020204020204" charset="-122"/>
               <a:ea typeface="微软雅黑" panose="020B0503020204020204" charset="-122"/>
             </a:endParaRPr>
@@ -7098,14 +7724,14 @@
       </p:sp>
       <p:sp>
         <p:nvSpPr>
-          <p:cNvPr id="14" name="文本框 13"/>
+          <p:cNvPr id="54" name="文本框 53"/>
           <p:cNvSpPr txBox="1"/>
           <p:nvPr/>
         </p:nvSpPr>
         <p:spPr>
           <a:xfrm>
-            <a:off x="4697730" y="4606925"/>
-            <a:ext cx="1896110" cy="469900"/>
+            <a:off x="4785230" y="4646935"/>
+            <a:ext cx="2639184" cy="276999"/>
           </a:xfrm>
           <a:prstGeom prst="rect">
             <a:avLst/>
@@ -7116,28 +7742,16 @@
           <a:bodyPr wrap="none" rtlCol="0">
             <a:spAutoFit/>
           </a:bodyPr>
-          <a:p>
-            <a:r>
-              <a:rPr lang="en-US" altLang="zh-CN" sz="1200">
+          <a:lstStyle/>
+          <a:p>
+            <a:r>
+              <a:rPr lang="en-US" altLang="zh-CN" sz="1200" dirty="0" smtClean="0">
                 <a:latin typeface="微软雅黑" panose="020B0503020204020204" charset="-122"/>
                 <a:ea typeface="微软雅黑" panose="020B0503020204020204" charset="-122"/>
               </a:rPr>
-              <a:t>(C) Access Token</a:t>
-            </a:r>
-            <a:br>
-              <a:rPr lang="en-US" altLang="zh-CN" sz="1200">
-                <a:latin typeface="微软雅黑" panose="020B0503020204020204" charset="-122"/>
-                <a:ea typeface="微软雅黑" panose="020B0503020204020204" charset="-122"/>
-              </a:rPr>
-            </a:br>
-            <a:r>
-              <a:rPr lang="en-US" altLang="zh-CN" sz="1200">
-                <a:latin typeface="微软雅黑" panose="020B0503020204020204" charset="-122"/>
-                <a:ea typeface="微软雅黑" panose="020B0503020204020204" charset="-122"/>
-              </a:rPr>
-              <a:t>(optional refresh token)</a:t>
-            </a:r>
-            <a:endParaRPr lang="en-US" altLang="zh-CN" sz="1200">
+              <a:t>(E) Access Token ( Refresh Token )</a:t>
+            </a:r>
+            <a:endParaRPr lang="en-US" altLang="zh-CN" sz="1200" dirty="0">
               <a:latin typeface="微软雅黑" panose="020B0503020204020204" charset="-122"/>
               <a:ea typeface="微软雅黑" panose="020B0503020204020204" charset="-122"/>
             </a:endParaRPr>
@@ -7161,7 +7775,14 @@
         <p:cNvGrpSpPr/>
         <p:nvPr/>
       </p:nvGrpSpPr>
-      <p:grpSpPr/>
+      <p:grpSpPr>
+        <a:xfrm>
+          <a:off x="0" y="0"/>
+          <a:ext cx="0" cy="0"/>
+          <a:chOff x="0" y="0"/>
+          <a:chExt cx="0" cy="0"/>
+        </a:xfrm>
+      </p:grpSpPr>
       <p:sp>
         <p:nvSpPr>
           <p:cNvPr id="4" name="矩形 3"/>
@@ -7201,13 +7822,13 @@
         </p:style>
         <p:txBody>
           <a:bodyPr rtlCol="0" anchor="ctr"/>
+          <a:lstStyle/>
           <a:p>
             <a:pPr algn="ctr"/>
             <a:r>
               <a:rPr lang="en-US" altLang="zh-CN"/>
               <a:t>Client Application</a:t>
             </a:r>
-            <a:endParaRPr lang="en-US" altLang="zh-CN"/>
           </a:p>
         </p:txBody>
       </p:sp>
@@ -7250,13 +7871,13 @@
         </p:style>
         <p:txBody>
           <a:bodyPr rtlCol="0" anchor="ctr"/>
+          <a:lstStyle/>
           <a:p>
             <a:pPr algn="ctr"/>
             <a:r>
               <a:rPr lang="en-US" altLang="zh-CN"/>
               <a:t>Driver</a:t>
             </a:r>
-            <a:endParaRPr lang="en-US" altLang="zh-CN"/>
           </a:p>
         </p:txBody>
       </p:sp>
@@ -7280,6 +7901,7 @@
           <a:bodyPr wrap="none" rtlCol="0">
             <a:spAutoFit/>
           </a:bodyPr>
+          <a:lstStyle/>
           <a:p>
             <a:r>
               <a:rPr lang="en-US" altLang="zh-CN">
@@ -7296,18 +7918,6 @@
               </a:rPr>
               <a:t>Writes</a:t>
             </a:r>
-            <a:endParaRPr lang="en-US" altLang="zh-CN">
-              <a:solidFill>
-                <a:schemeClr val="accent1"/>
-              </a:solidFill>
-              <a:effectLst>
-                <a:outerShdw blurRad="38100" dist="25400" dir="5400000" algn="ctr" rotWithShape="0">
-                  <a:srgbClr val="6E747A">
-                    <a:alpha val="43000"/>
-                  </a:srgbClr>
-                </a:outerShdw>
-              </a:effectLst>
-            </a:endParaRPr>
           </a:p>
         </p:txBody>
       </p:sp>
@@ -7331,12 +7941,12 @@
           <a:bodyPr wrap="none" rtlCol="0">
             <a:spAutoFit/>
           </a:bodyPr>
+          <a:lstStyle/>
           <a:p>
             <a:r>
               <a:rPr lang="en-US" altLang="zh-CN"/>
               <a:t>Reads</a:t>
             </a:r>
-            <a:endParaRPr lang="en-US" altLang="zh-CN"/>
           </a:p>
         </p:txBody>
       </p:sp>
@@ -7371,13 +7981,13 @@
         </p:style>
         <p:txBody>
           <a:bodyPr rtlCol="0" anchor="ctr"/>
+          <a:lstStyle/>
           <a:p>
             <a:pPr algn="ctr"/>
             <a:r>
               <a:rPr lang="en-US" altLang="zh-CN"/>
               <a:t>Primary</a:t>
             </a:r>
-            <a:endParaRPr lang="en-US" altLang="zh-CN"/>
           </a:p>
         </p:txBody>
       </p:sp>
@@ -7412,13 +8022,13 @@
         </p:style>
         <p:txBody>
           <a:bodyPr rtlCol="0" anchor="ctr"/>
+          <a:lstStyle/>
           <a:p>
             <a:pPr algn="ctr"/>
             <a:r>
               <a:rPr lang="en-US" altLang="zh-CN"/>
               <a:t>Secondary</a:t>
             </a:r>
-            <a:endParaRPr lang="en-US" altLang="zh-CN"/>
           </a:p>
         </p:txBody>
       </p:sp>
@@ -7524,13 +8134,13 @@
         </p:style>
         <p:txBody>
           <a:bodyPr rtlCol="0" anchor="ctr"/>
+          <a:lstStyle/>
           <a:p>
             <a:pPr algn="ctr"/>
             <a:r>
               <a:rPr lang="en-US" altLang="zh-CN"/>
               <a:t>Secondary</a:t>
             </a:r>
-            <a:endParaRPr lang="en-US" altLang="zh-CN"/>
           </a:p>
         </p:txBody>
       </p:sp>
@@ -7626,6 +8236,7 @@
           <a:bodyPr wrap="none" rtlCol="0">
             <a:spAutoFit/>
           </a:bodyPr>
+          <a:lstStyle/>
           <a:p>
             <a:r>
               <a:rPr lang="en-US" altLang="zh-CN">
@@ -7642,18 +8253,6 @@
               </a:rPr>
               <a:t>Replication</a:t>
             </a:r>
-            <a:endParaRPr lang="en-US" altLang="zh-CN">
-              <a:solidFill>
-                <a:schemeClr val="accent1"/>
-              </a:solidFill>
-              <a:effectLst>
-                <a:outerShdw blurRad="38100" dist="25400" dir="5400000" algn="ctr" rotWithShape="0">
-                  <a:srgbClr val="6E747A">
-                    <a:alpha val="43000"/>
-                  </a:srgbClr>
-                </a:outerShdw>
-              </a:effectLst>
-            </a:endParaRPr>
           </a:p>
         </p:txBody>
       </p:sp>
@@ -7677,6 +8276,7 @@
           <a:bodyPr wrap="none" rtlCol="0">
             <a:spAutoFit/>
           </a:bodyPr>
+          <a:lstStyle/>
           <a:p>
             <a:r>
               <a:rPr lang="en-US" altLang="zh-CN">
@@ -7693,18 +8293,6 @@
               </a:rPr>
               <a:t>Replication</a:t>
             </a:r>
-            <a:endParaRPr lang="en-US" altLang="zh-CN">
-              <a:solidFill>
-                <a:schemeClr val="accent1"/>
-              </a:solidFill>
-              <a:effectLst>
-                <a:outerShdw blurRad="38100" dist="25400" dir="5400000" algn="ctr" rotWithShape="0">
-                  <a:srgbClr val="6E747A">
-                    <a:alpha val="43000"/>
-                  </a:srgbClr>
-                </a:outerShdw>
-              </a:effectLst>
-            </a:endParaRPr>
           </a:p>
         </p:txBody>
       </p:sp>
@@ -7725,7 +8313,14 @@
         <p:cNvGrpSpPr/>
         <p:nvPr/>
       </p:nvGrpSpPr>
-      <p:grpSpPr/>
+      <p:grpSpPr>
+        <a:xfrm>
+          <a:off x="0" y="0"/>
+          <a:ext cx="0" cy="0"/>
+          <a:chOff x="0" y="0"/>
+          <a:chExt cx="0" cy="0"/>
+        </a:xfrm>
+      </p:grpSpPr>
       <p:sp>
         <p:nvSpPr>
           <p:cNvPr id="6" name="文本框 5"/>
@@ -7746,6 +8341,7 @@
           <a:bodyPr wrap="none" rtlCol="0">
             <a:spAutoFit/>
           </a:bodyPr>
+          <a:lstStyle/>
           <a:p>
             <a:r>
               <a:rPr lang="en-US" altLang="zh-CN" sz="1600">
@@ -7762,18 +8358,6 @@
               </a:rPr>
               <a:t>2 or more Shards</a:t>
             </a:r>
-            <a:endParaRPr lang="en-US" altLang="zh-CN" sz="1600">
-              <a:solidFill>
-                <a:schemeClr val="accent6"/>
-              </a:solidFill>
-              <a:effectLst>
-                <a:outerShdw blurRad="38100" dist="25400" dir="5400000" algn="ctr" rotWithShape="0">
-                  <a:srgbClr val="6E747A">
-                    <a:alpha val="43000"/>
-                  </a:srgbClr>
-                </a:outerShdw>
-              </a:effectLst>
-            </a:endParaRPr>
           </a:p>
         </p:txBody>
       </p:sp>
@@ -7808,6 +8392,7 @@
         </p:style>
         <p:txBody>
           <a:bodyPr rtlCol="0" anchor="ctr"/>
+          <a:lstStyle/>
           <a:p>
             <a:pPr algn="ctr"/>
             <a:r>
@@ -7821,7 +8406,6 @@
               <a:rPr lang="en-US" altLang="zh-CN"/>
               <a:t>(relica set)</a:t>
             </a:r>
-            <a:endParaRPr lang="en-US" altLang="zh-CN"/>
           </a:p>
         </p:txBody>
       </p:sp>
@@ -7913,6 +8497,7 @@
           </p:style>
           <p:txBody>
             <a:bodyPr rtlCol="0" anchor="ctr"/>
+            <a:lstStyle/>
             <a:p>
               <a:pPr algn="ctr"/>
               <a:endParaRPr lang="zh-CN" altLang="en-US"/>
@@ -7950,6 +8535,7 @@
           </p:style>
           <p:txBody>
             <a:bodyPr rtlCol="0" anchor="ctr"/>
+            <a:lstStyle/>
             <a:p>
               <a:pPr algn="ctr"/>
               <a:r>
@@ -7963,7 +8549,6 @@
                 <a:rPr lang="en-US" altLang="zh-CN"/>
                 <a:t>(mongos)</a:t>
               </a:r>
-              <a:endParaRPr lang="en-US" altLang="zh-CN"/>
             </a:p>
           </p:txBody>
         </p:sp>
@@ -7987,12 +8572,12 @@
             <a:bodyPr wrap="none" rtlCol="0">
               <a:spAutoFit/>
             </a:bodyPr>
+            <a:lstStyle/>
             <a:p>
               <a:r>
                 <a:rPr lang="en-US" altLang="zh-CN"/>
                 <a:t>App Server</a:t>
               </a:r>
-              <a:endParaRPr lang="en-US" altLang="zh-CN"/>
             </a:p>
           </p:txBody>
         </p:sp>
@@ -8048,6 +8633,7 @@
           </p:style>
           <p:txBody>
             <a:bodyPr rtlCol="0" anchor="ctr"/>
+            <a:lstStyle/>
             <a:p>
               <a:pPr algn="ctr"/>
               <a:endParaRPr lang="zh-CN" altLang="en-US"/>
@@ -8085,6 +8671,7 @@
           </p:style>
           <p:txBody>
             <a:bodyPr rtlCol="0" anchor="ctr"/>
+            <a:lstStyle/>
             <a:p>
               <a:pPr algn="ctr"/>
               <a:r>
@@ -8098,7 +8685,6 @@
                 <a:rPr lang="en-US" altLang="zh-CN"/>
                 <a:t>(mongos)</a:t>
               </a:r>
-              <a:endParaRPr lang="en-US" altLang="zh-CN"/>
             </a:p>
           </p:txBody>
         </p:sp>
@@ -8122,12 +8708,12 @@
             <a:bodyPr wrap="none" rtlCol="0">
               <a:spAutoFit/>
             </a:bodyPr>
+            <a:lstStyle/>
             <a:p>
               <a:r>
                 <a:rPr lang="en-US" altLang="zh-CN"/>
                 <a:t>App Server</a:t>
               </a:r>
-              <a:endParaRPr lang="en-US" altLang="zh-CN"/>
             </a:p>
           </p:txBody>
         </p:sp>
@@ -8163,6 +8749,7 @@
         </p:style>
         <p:txBody>
           <a:bodyPr rtlCol="0" anchor="ctr"/>
+          <a:lstStyle/>
           <a:p>
             <a:pPr algn="ctr"/>
             <a:r>
@@ -8176,7 +8763,6 @@
               <a:rPr lang="en-US" altLang="zh-CN"/>
               <a:t>(relica set)</a:t>
             </a:r>
-            <a:endParaRPr lang="en-US" altLang="zh-CN"/>
           </a:p>
         </p:txBody>
       </p:sp>
@@ -8211,6 +8797,7 @@
         </p:style>
         <p:txBody>
           <a:bodyPr rtlCol="0" anchor="ctr"/>
+          <a:lstStyle/>
           <a:p>
             <a:pPr algn="ctr"/>
             <a:r>
@@ -8224,7 +8811,6 @@
               <a:rPr lang="en-US" altLang="zh-CN"/>
               <a:t>(relica set)</a:t>
             </a:r>
-            <a:endParaRPr lang="en-US" altLang="zh-CN"/>
           </a:p>
         </p:txBody>
       </p:sp>
@@ -8248,6 +8834,7 @@
           <a:bodyPr wrap="none" rtlCol="0">
             <a:spAutoFit/>
           </a:bodyPr>
+          <a:lstStyle/>
           <a:p>
             <a:r>
               <a:rPr lang="en-US" altLang="zh-CN" sz="1600">
@@ -8264,18 +8851,6 @@
               </a:rPr>
               <a:t>1 or more Routers</a:t>
             </a:r>
-            <a:endParaRPr lang="en-US" altLang="zh-CN" sz="1600">
-              <a:solidFill>
-                <a:schemeClr val="accent1"/>
-              </a:solidFill>
-              <a:effectLst>
-                <a:outerShdw blurRad="38100" dist="25400" dir="5400000" algn="ctr" rotWithShape="0">
-                  <a:srgbClr val="6E747A">
-                    <a:alpha val="43000"/>
-                  </a:srgbClr>
-                </a:outerShdw>
-              </a:effectLst>
-            </a:endParaRPr>
           </a:p>
         </p:txBody>
       </p:sp>
@@ -8310,6 +8885,7 @@
         </p:style>
         <p:txBody>
           <a:bodyPr rtlCol="0" anchor="ctr"/>
+          <a:lstStyle/>
           <a:p>
             <a:pPr algn="ctr"/>
             <a:endParaRPr lang="zh-CN" altLang="en-US"/>
@@ -8352,6 +8928,7 @@
         </p:style>
         <p:txBody>
           <a:bodyPr rtlCol="0" anchor="ctr"/>
+          <a:lstStyle/>
           <a:p>
             <a:pPr algn="ctr"/>
             <a:endParaRPr lang="zh-CN" altLang="en-US"/>
